--- a/AnalogeElektronica2/PowerPoint/Klasse-G.pptx
+++ b/AnalogeElektronica2/PowerPoint/Klasse-G.pptx
@@ -5967,7 +5967,7 @@
               </a:lnSpc>
               <a:defRPr>
                 <a:solidFill>
-                  <a:srgbClr val="010101"/>
+                  <a:srgbClr val="FFFFFF"/>
                 </a:solidFill>
               </a:defRPr>
             </a:pPr>
@@ -5988,7 +5988,7 @@
               </a:lnSpc>
               <a:defRPr>
                 <a:solidFill>
-                  <a:srgbClr val="010101"/>
+                  <a:srgbClr val="FFFFFF"/>
                 </a:solidFill>
               </a:defRPr>
             </a:pPr>
@@ -6009,7 +6009,7 @@
               </a:lnSpc>
               <a:defRPr>
                 <a:solidFill>
-                  <a:srgbClr val="010101"/>
+                  <a:srgbClr val="FFFFFF"/>
                 </a:solidFill>
               </a:defRPr>
             </a:pPr>
@@ -6030,7 +6030,7 @@
               </a:lnSpc>
               <a:defRPr>
                 <a:solidFill>
-                  <a:srgbClr val="010101"/>
+                  <a:srgbClr val="FFFFFF"/>
                 </a:solidFill>
               </a:defRPr>
             </a:pPr>
@@ -6051,7 +6051,7 @@
               </a:lnSpc>
               <a:defRPr>
                 <a:solidFill>
-                  <a:srgbClr val="010101"/>
+                  <a:srgbClr val="FFFFFF"/>
                 </a:solidFill>
               </a:defRPr>
             </a:pPr>
@@ -6072,7 +6072,7 @@
               </a:lnSpc>
               <a:defRPr>
                 <a:solidFill>
-                  <a:srgbClr val="010101"/>
+                  <a:srgbClr val="FFFFFF"/>
                 </a:solidFill>
               </a:defRPr>
             </a:pPr>
@@ -6093,7 +6093,7 @@
               </a:lnSpc>
               <a:defRPr>
                 <a:solidFill>
-                  <a:srgbClr val="010101"/>
+                  <a:srgbClr val="FFFFFF"/>
                 </a:solidFill>
               </a:defRPr>
             </a:pPr>
@@ -6114,7 +6114,7 @@
               </a:lnSpc>
               <a:defRPr>
                 <a:solidFill>
-                  <a:srgbClr val="010101"/>
+                  <a:srgbClr val="FFFFFF"/>
                 </a:solidFill>
               </a:defRPr>
             </a:pPr>
@@ -6135,7 +6135,7 @@
               </a:lnSpc>
               <a:defRPr>
                 <a:solidFill>
-                  <a:srgbClr val="010101"/>
+                  <a:srgbClr val="FFFFFF"/>
                 </a:solidFill>
               </a:defRPr>
             </a:pPr>
@@ -6156,7 +6156,7 @@
               </a:lnSpc>
               <a:defRPr>
                 <a:solidFill>
-                  <a:srgbClr val="010101"/>
+                  <a:srgbClr val="FFFFFF"/>
                 </a:solidFill>
               </a:defRPr>
             </a:pPr>
@@ -6177,7 +6177,7 @@
               </a:lnSpc>
               <a:defRPr>
                 <a:solidFill>
-                  <a:srgbClr val="010101"/>
+                  <a:srgbClr val="FFFFFF"/>
                 </a:solidFill>
               </a:defRPr>
             </a:pPr>
@@ -6198,7 +6198,7 @@
               </a:lnSpc>
               <a:defRPr>
                 <a:solidFill>
-                  <a:srgbClr val="010101"/>
+                  <a:srgbClr val="FFFFFF"/>
                 </a:solidFill>
               </a:defRPr>
             </a:pPr>
@@ -6219,7 +6219,7 @@
               </a:lnSpc>
               <a:defRPr>
                 <a:solidFill>
-                  <a:srgbClr val="010101"/>
+                  <a:srgbClr val="FFFFFF"/>
                 </a:solidFill>
               </a:defRPr>
             </a:pPr>
@@ -6240,7 +6240,7 @@
               </a:lnSpc>
               <a:defRPr>
                 <a:solidFill>
-                  <a:srgbClr val="010101"/>
+                  <a:srgbClr val="FFFFFF"/>
                 </a:solidFill>
               </a:defRPr>
             </a:pPr>
@@ -6261,7 +6261,7 @@
               </a:lnSpc>
               <a:defRPr>
                 <a:solidFill>
-                  <a:srgbClr val="010101"/>
+                  <a:srgbClr val="FFFFFF"/>
                 </a:solidFill>
               </a:defRPr>
             </a:pPr>
@@ -6347,7 +6347,7 @@
               </a:lnSpc>
               <a:defRPr>
                 <a:solidFill>
-                  <a:srgbClr val="010101"/>
+                  <a:srgbClr val="FFFFFF"/>
                 </a:solidFill>
               </a:defRPr>
             </a:pPr>
@@ -6368,7 +6368,7 @@
               </a:lnSpc>
               <a:defRPr>
                 <a:solidFill>
-                  <a:srgbClr val="010101"/>
+                  <a:srgbClr val="FFFFFF"/>
                 </a:solidFill>
               </a:defRPr>
             </a:pPr>
@@ -6389,7 +6389,7 @@
               </a:lnSpc>
               <a:defRPr>
                 <a:solidFill>
-                  <a:srgbClr val="010101"/>
+                  <a:srgbClr val="FFFFFF"/>
                 </a:solidFill>
               </a:defRPr>
             </a:pPr>
@@ -6410,7 +6410,7 @@
               </a:lnSpc>
               <a:defRPr>
                 <a:solidFill>
-                  <a:srgbClr val="010101"/>
+                  <a:srgbClr val="FFFFFF"/>
                 </a:solidFill>
               </a:defRPr>
             </a:pPr>
@@ -6431,7 +6431,7 @@
               </a:lnSpc>
               <a:defRPr>
                 <a:solidFill>
-                  <a:srgbClr val="010101"/>
+                  <a:srgbClr val="FFFFFF"/>
                 </a:solidFill>
               </a:defRPr>
             </a:pPr>
@@ -6452,7 +6452,7 @@
               </a:lnSpc>
               <a:defRPr>
                 <a:solidFill>
-                  <a:srgbClr val="010101"/>
+                  <a:srgbClr val="FFFFFF"/>
                 </a:solidFill>
               </a:defRPr>
             </a:pPr>
@@ -6473,7 +6473,7 @@
               </a:lnSpc>
               <a:defRPr>
                 <a:solidFill>
-                  <a:srgbClr val="010101"/>
+                  <a:srgbClr val="FFFFFF"/>
                 </a:solidFill>
               </a:defRPr>
             </a:pPr>
@@ -6494,7 +6494,7 @@
               </a:lnSpc>
               <a:defRPr>
                 <a:solidFill>
-                  <a:srgbClr val="010101"/>
+                  <a:srgbClr val="FFFFFF"/>
                 </a:solidFill>
               </a:defRPr>
             </a:pPr>
@@ -6515,7 +6515,7 @@
               </a:lnSpc>
               <a:defRPr>
                 <a:solidFill>
-                  <a:srgbClr val="010101"/>
+                  <a:srgbClr val="FFFFFF"/>
                 </a:solidFill>
               </a:defRPr>
             </a:pPr>
@@ -6536,7 +6536,7 @@
               </a:lnSpc>
               <a:defRPr>
                 <a:solidFill>
-                  <a:srgbClr val="010101"/>
+                  <a:srgbClr val="FFFFFF"/>
                 </a:solidFill>
               </a:defRPr>
             </a:pPr>
@@ -6557,7 +6557,7 @@
               </a:lnSpc>
               <a:defRPr>
                 <a:solidFill>
-                  <a:srgbClr val="010101"/>
+                  <a:srgbClr val="FFFFFF"/>
                 </a:solidFill>
               </a:defRPr>
             </a:pPr>
@@ -6578,7 +6578,7 @@
               </a:lnSpc>
               <a:defRPr>
                 <a:solidFill>
-                  <a:srgbClr val="010101"/>
+                  <a:srgbClr val="FFFFFF"/>
                 </a:solidFill>
               </a:defRPr>
             </a:pPr>
@@ -6599,7 +6599,7 @@
               </a:lnSpc>
               <a:defRPr>
                 <a:solidFill>
-                  <a:srgbClr val="010101"/>
+                  <a:srgbClr val="FFFFFF"/>
                 </a:solidFill>
               </a:defRPr>
             </a:pPr>
@@ -6620,7 +6620,7 @@
               </a:lnSpc>
               <a:defRPr>
                 <a:solidFill>
-                  <a:srgbClr val="010101"/>
+                  <a:srgbClr val="FFFFFF"/>
                 </a:solidFill>
               </a:defRPr>
             </a:pPr>
@@ -6641,7 +6641,7 @@
               </a:lnSpc>
               <a:defRPr>
                 <a:solidFill>
-                  <a:srgbClr val="010101"/>
+                  <a:srgbClr val="FFFFFF"/>
                 </a:solidFill>
               </a:defRPr>
             </a:pPr>
@@ -6727,7 +6727,7 @@
               </a:lnSpc>
               <a:defRPr>
                 <a:solidFill>
-                  <a:srgbClr val="010101"/>
+                  <a:srgbClr val="FFFFFF"/>
                 </a:solidFill>
               </a:defRPr>
             </a:pPr>

--- a/AnalogeElektronica2/PowerPoint/Klasse-G.pptx
+++ b/AnalogeElektronica2/PowerPoint/Klasse-G.pptx
@@ -684,7 +684,7 @@
           <a:p>
             <a:fld id="{8F591CCF-F6FD-734B-854A-5BC033593B1E}" type="datetimeFigureOut">
               <a:rPr lang="nl-NL" smtClean="0"/>
-              <a:t>20-9-2025</a:t>
+              <a:t>21-9-2025</a:t>
             </a:fld>
             <a:endParaRPr lang="nl-NL"/>
           </a:p>
@@ -849,7 +849,7 @@
           <a:p>
             <a:fld id="{23C66214-DB21-4647-B5DA-0D17CA592867}" type="datetimeFigureOut">
               <a:rPr lang="nl-NL" smtClean="0"/>
-              <a:t>20-9-2025</a:t>
+              <a:t>21-9-2025</a:t>
             </a:fld>
             <a:endParaRPr lang="nl-NL"/>
           </a:p>
@@ -1460,7 +1460,7 @@
           <a:p>
             <a:fld id="{D15822B7-9EF6-9542-AF10-CD505E021A84}" type="datetime1">
               <a:rPr lang="nl-BE" smtClean="0"/>
-              <a:t>20/09/2025</a:t>
+              <a:t>21/09/2025</a:t>
             </a:fld>
             <a:endParaRPr lang="nl-NL"/>
           </a:p>
@@ -1710,7 +1710,7 @@
           <a:p>
             <a:fld id="{D15822B7-9EF6-9542-AF10-CD505E021A84}" type="datetime1">
               <a:rPr lang="nl-BE" smtClean="0"/>
-              <a:t>20/09/2025</a:t>
+              <a:t>21/09/2025</a:t>
             </a:fld>
             <a:endParaRPr lang="nl-NL"/>
           </a:p>
@@ -1993,7 +1993,7 @@
           <a:p>
             <a:fld id="{F52CA13D-CC20-034F-8D4D-5C3038626ED9}" type="datetime1">
               <a:rPr lang="nl-BE" smtClean="0"/>
-              <a:t>20/09/2025</a:t>
+              <a:t>21/09/2025</a:t>
             </a:fld>
             <a:endParaRPr lang="nl-NL"/>
           </a:p>
@@ -2273,8 +2273,8 @@
         </p:nvSpPr>
         <p:spPr>
           <a:xfrm>
-            <a:off x="576000" y="2232000"/>
-            <a:ext cx="11006400" cy="3820646"/>
+            <a:off x="576000" y="800401"/>
+            <a:ext cx="11006400" cy="5252245"/>
           </a:xfrm>
         </p:spPr>
         <p:txBody>
@@ -2345,7 +2345,7 @@
           <a:p>
             <a:fld id="{F52CA13D-CC20-034F-8D4D-5C3038626ED9}" type="datetime1">
               <a:rPr lang="nl-BE" smtClean="0"/>
-              <a:t>20/09/2025</a:t>
+              <a:t>21/09/2025</a:t>
             </a:fld>
             <a:endParaRPr lang="nl-NL"/>
           </a:p>
@@ -2463,7 +2463,7 @@
         </p:nvSpPr>
         <p:spPr>
           <a:xfrm>
-            <a:off x="576000" y="576001"/>
+            <a:off x="576000" y="4501"/>
             <a:ext cx="11041200" cy="648000"/>
           </a:xfrm>
         </p:spPr>
@@ -2523,8 +2523,8 @@
         </p:nvGrpSpPr>
         <p:grpSpPr>
           <a:xfrm>
-            <a:off x="125506" y="1312858"/>
-            <a:ext cx="11821095" cy="4739788"/>
+            <a:off x="125506" y="731855"/>
+            <a:ext cx="11821095" cy="5320791"/>
             <a:chOff x="0" y="-241102"/>
             <a:chExt cx="23088432" cy="12605757"/>
           </a:xfrm>
@@ -3469,8 +3469,8 @@
         </p:nvSpPr>
         <p:spPr>
           <a:xfrm>
-            <a:off x="245399" y="1810310"/>
-            <a:ext cx="11605942" cy="4175637"/>
+            <a:off x="245399" y="1280788"/>
+            <a:ext cx="11605942" cy="4705159"/>
           </a:xfrm>
           <a:noFill/>
         </p:spPr>
@@ -3578,7 +3578,7 @@
           <a:p>
             <a:fld id="{F52CA13D-CC20-034F-8D4D-5C3038626ED9}" type="datetime1">
               <a:rPr lang="nl-BE" smtClean="0"/>
-              <a:t>20/09/2025</a:t>
+              <a:t>21/09/2025</a:t>
             </a:fld>
             <a:endParaRPr lang="nl-NL"/>
           </a:p>
@@ -3696,7 +3696,7 @@
         </p:nvSpPr>
         <p:spPr>
           <a:xfrm>
-            <a:off x="576000" y="576000"/>
+            <a:off x="576000" y="4500"/>
             <a:ext cx="11041200" cy="579455"/>
           </a:xfrm>
         </p:spPr>
@@ -3799,7 +3799,7 @@
           <a:p>
             <a:fld id="{F52CA13D-CC20-034F-8D4D-5C3038626ED9}" type="datetime1">
               <a:rPr lang="nl-BE" smtClean="0"/>
-              <a:t>20/09/2025</a:t>
+              <a:t>21/09/2025</a:t>
             </a:fld>
             <a:endParaRPr lang="nl-NL"/>
           </a:p>
@@ -3917,7 +3917,7 @@
         </p:nvSpPr>
         <p:spPr>
           <a:xfrm>
-            <a:off x="576000" y="576001"/>
+            <a:off x="576000" y="4501"/>
             <a:ext cx="11041200" cy="648000"/>
           </a:xfrm>
         </p:spPr>
@@ -4010,8 +4010,8 @@
         </p:nvSpPr>
         <p:spPr>
           <a:xfrm>
-            <a:off x="576000" y="1688400"/>
-            <a:ext cx="11006400" cy="4364246"/>
+            <a:off x="576000" y="811831"/>
+            <a:ext cx="11006400" cy="5240815"/>
           </a:xfrm>
         </p:spPr>
         <p:txBody>
@@ -4090,7 +4090,7 @@
           <a:p>
             <a:fld id="{F52CA13D-CC20-034F-8D4D-5C3038626ED9}" type="datetime1">
               <a:rPr lang="nl-BE" smtClean="0"/>
-              <a:t>20/09/2025</a:t>
+              <a:t>21/09/2025</a:t>
             </a:fld>
             <a:endParaRPr lang="nl-NL"/>
           </a:p>
@@ -4208,7 +4208,7 @@
         </p:nvSpPr>
         <p:spPr>
           <a:xfrm>
-            <a:off x="576000" y="576000"/>
+            <a:off x="576000" y="15930"/>
             <a:ext cx="11041200" cy="648001"/>
           </a:xfrm>
         </p:spPr>
@@ -4217,10 +4217,10 @@
           <a:lstStyle/>
           <a:p>
             <a:r>
-              <a:rPr lang="en-US"/>
+              <a:rPr lang="en-US" dirty="0"/>
               <a:t>Click to edit Master title style</a:t>
             </a:r>
-            <a:endParaRPr lang="en-GB"/>
+            <a:endParaRPr lang="en-GB" dirty="0"/>
           </a:p>
         </p:txBody>
       </p:sp>
@@ -4272,8 +4272,8 @@
         </p:nvSpPr>
         <p:spPr>
           <a:xfrm>
-            <a:off x="576000" y="1531620"/>
-            <a:ext cx="11006400" cy="4521026"/>
+            <a:off x="576000" y="868680"/>
+            <a:ext cx="11006400" cy="5183966"/>
           </a:xfrm>
         </p:spPr>
         <p:txBody>
@@ -4344,7 +4344,7 @@
           <a:p>
             <a:fld id="{F52CA13D-CC20-034F-8D4D-5C3038626ED9}" type="datetime1">
               <a:rPr lang="nl-BE" smtClean="0"/>
-              <a:t>20/09/2025</a:t>
+              <a:t>21/09/2025</a:t>
             </a:fld>
             <a:endParaRPr lang="nl-NL"/>
           </a:p>
@@ -4462,7 +4462,7 @@
         </p:nvSpPr>
         <p:spPr>
           <a:xfrm>
-            <a:off x="576000" y="576001"/>
+            <a:off x="576000" y="15931"/>
             <a:ext cx="11041200" cy="650366"/>
           </a:xfrm>
         </p:spPr>
@@ -4557,7 +4557,7 @@
           <a:p>
             <a:fld id="{D15822B7-9EF6-9542-AF10-CD505E021A84}" type="datetime1">
               <a:rPr lang="nl-BE" smtClean="0"/>
-              <a:t>20/09/2025</a:t>
+              <a:t>21/09/2025</a:t>
             </a:fld>
             <a:endParaRPr lang="nl-NL"/>
           </a:p>
@@ -4623,8 +4623,8 @@
         </p:nvSpPr>
         <p:spPr>
           <a:xfrm>
-            <a:off x="576000" y="2232000"/>
-            <a:ext cx="11006402" cy="3820646"/>
+            <a:off x="576000" y="708660"/>
+            <a:ext cx="11006402" cy="5343986"/>
           </a:xfrm>
         </p:spPr>
         <p:txBody>
@@ -4685,7 +4685,7 @@
         </p:nvSpPr>
         <p:spPr>
           <a:xfrm>
-            <a:off x="576000" y="576001"/>
+            <a:off x="576000" y="15931"/>
             <a:ext cx="11041200" cy="578430"/>
           </a:xfrm>
         </p:spPr>
@@ -4694,10 +4694,10 @@
           <a:lstStyle/>
           <a:p>
             <a:r>
-              <a:rPr lang="en-US"/>
+              <a:rPr lang="en-US" dirty="0"/>
               <a:t>Click to edit Master title style</a:t>
             </a:r>
-            <a:endParaRPr lang="en-GB"/>
+            <a:endParaRPr lang="en-GB" dirty="0"/>
           </a:p>
         </p:txBody>
       </p:sp>
@@ -4748,7 +4748,7 @@
           <a:p>
             <a:fld id="{D15822B7-9EF6-9542-AF10-CD505E021A84}" type="datetime1">
               <a:rPr lang="nl-BE" smtClean="0"/>
-              <a:t>20/09/2025</a:t>
+              <a:t>21/09/2025</a:t>
             </a:fld>
             <a:endParaRPr lang="nl-NL"/>
           </a:p>
@@ -4814,8 +4814,8 @@
         </p:nvSpPr>
         <p:spPr>
           <a:xfrm>
-            <a:off x="576000" y="2232000"/>
-            <a:ext cx="11006402" cy="3820646"/>
+            <a:off x="576000" y="765810"/>
+            <a:ext cx="11006402" cy="5286836"/>
           </a:xfrm>
         </p:spPr>
         <p:txBody>
@@ -4876,7 +4876,7 @@
         </p:nvSpPr>
         <p:spPr>
           <a:xfrm>
-            <a:off x="576000" y="576001"/>
+            <a:off x="576000" y="0"/>
             <a:ext cx="11041200" cy="647010"/>
           </a:xfrm>
         </p:spPr>
@@ -5106,7 +5106,7 @@
           <a:p>
             <a:fld id="{0C33DDE8-63FF-C642-9F3A-0B773DD34821}" type="datetime1">
               <a:rPr lang="nl-BE" smtClean="0"/>
-              <a:t>20/09/2025</a:t>
+              <a:t>21/09/2025</a:t>
             </a:fld>
             <a:endParaRPr lang="nl-NL"/>
           </a:p>
@@ -5963,7 +5963,7 @@
           <a:p>
             <a:pPr>
               <a:lnSpc>
-                <a:spcPts val="1800"/>
+                <a:spcPts val="2400"/>
               </a:lnSpc>
               <a:defRPr>
                 <a:solidFill>
@@ -5972,19 +5972,19 @@
               </a:defRPr>
             </a:pPr>
             <a:r>
-              <a:rPr sz="3000" b="0" i="0">
+              <a:rPr sz="2400" b="0" i="0">
                 <a:latin typeface="Courier"/>
               </a:rPr>
               <a:t>Klasse G versterker</a:t>
             </a:r>
-            <a:endParaRPr sz="3000" b="0" i="0">
+            <a:endParaRPr sz="2400" b="0" i="0">
               <a:latin typeface="Courier"/>
             </a:endParaRPr>
           </a:p>
           <a:p>
             <a:pPr>
               <a:lnSpc>
-                <a:spcPts val="1800"/>
+                <a:spcPts val="2400"/>
               </a:lnSpc>
               <a:defRPr>
                 <a:solidFill>
@@ -5993,19 +5993,19 @@
               </a:defRPr>
             </a:pPr>
             <a:r>
-              <a:rPr sz="3000" b="0" i="0">
+              <a:rPr sz="2400" b="0" i="0">
                 <a:latin typeface="Courier"/>
               </a:rPr>
               <a:t>*</a:t>
             </a:r>
-            <a:endParaRPr sz="3000" b="0" i="0">
+            <a:endParaRPr sz="2400" b="0" i="0">
               <a:latin typeface="Courier"/>
             </a:endParaRPr>
           </a:p>
           <a:p>
             <a:pPr>
               <a:lnSpc>
-                <a:spcPts val="1800"/>
+                <a:spcPts val="2400"/>
               </a:lnSpc>
               <a:defRPr>
                 <a:solidFill>
@@ -6014,19 +6014,19 @@
               </a:defRPr>
             </a:pPr>
             <a:r>
-              <a:rPr sz="3000" b="0" i="0">
+              <a:rPr sz="2400" b="0" i="0">
                 <a:latin typeface="Courier"/>
               </a:rPr>
               <a:t>* SUPPLY VOLTAGES</a:t>
             </a:r>
-            <a:endParaRPr sz="3000" b="0" i="0">
+            <a:endParaRPr sz="2400" b="0" i="0">
               <a:latin typeface="Courier"/>
             </a:endParaRPr>
           </a:p>
           <a:p>
             <a:pPr>
               <a:lnSpc>
-                <a:spcPts val="1800"/>
+                <a:spcPts val="2400"/>
               </a:lnSpc>
               <a:defRPr>
                 <a:solidFill>
@@ -6035,19 +6035,19 @@
               </a:defRPr>
             </a:pPr>
             <a:r>
-              <a:rPr sz="3000" b="0" i="0">
+              <a:rPr sz="2400" b="0" i="0">
                 <a:latin typeface="Courier"/>
               </a:rPr>
               <a:t>VPOS1 8 0 DC	+70</a:t>
             </a:r>
-            <a:endParaRPr sz="3000" b="0" i="0">
+            <a:endParaRPr sz="2400" b="0" i="0">
               <a:latin typeface="Courier"/>
             </a:endParaRPr>
           </a:p>
           <a:p>
             <a:pPr>
               <a:lnSpc>
-                <a:spcPts val="1800"/>
+                <a:spcPts val="2400"/>
               </a:lnSpc>
               <a:defRPr>
                 <a:solidFill>
@@ -6056,19 +6056,19 @@
               </a:defRPr>
             </a:pPr>
             <a:r>
-              <a:rPr sz="3000" b="0" i="0">
+              <a:rPr sz="2400" b="0" i="0">
                 <a:latin typeface="Courier"/>
               </a:rPr>
               <a:t>VNEG1 6 0 DC	-70V</a:t>
             </a:r>
-            <a:endParaRPr sz="3000" b="0" i="0">
+            <a:endParaRPr sz="2400" b="0" i="0">
               <a:latin typeface="Courier"/>
             </a:endParaRPr>
           </a:p>
           <a:p>
             <a:pPr>
               <a:lnSpc>
-                <a:spcPts val="1800"/>
+                <a:spcPts val="2400"/>
               </a:lnSpc>
               <a:defRPr>
                 <a:solidFill>
@@ -6077,19 +6077,19 @@
               </a:defRPr>
             </a:pPr>
             <a:r>
-              <a:rPr sz="3000" b="0" i="0">
+              <a:rPr sz="2400" b="0" i="0">
                 <a:latin typeface="Courier"/>
               </a:rPr>
               <a:t>VPOS2 5 0 DC	+20V</a:t>
             </a:r>
-            <a:endParaRPr sz="3000" b="0" i="0">
+            <a:endParaRPr sz="2400" b="0" i="0">
               <a:latin typeface="Courier"/>
             </a:endParaRPr>
           </a:p>
           <a:p>
             <a:pPr>
               <a:lnSpc>
-                <a:spcPts val="1800"/>
+                <a:spcPts val="2400"/>
               </a:lnSpc>
               <a:defRPr>
                 <a:solidFill>
@@ -6098,19 +6098,19 @@
               </a:defRPr>
             </a:pPr>
             <a:r>
-              <a:rPr sz="3000" b="0" i="0">
+              <a:rPr sz="2400" b="0" i="0">
                 <a:latin typeface="Courier"/>
               </a:rPr>
               <a:t>VNEG2 4 0 DC	-20V</a:t>
             </a:r>
-            <a:endParaRPr sz="3000" b="0" i="0">
+            <a:endParaRPr sz="2400" b="0" i="0">
               <a:latin typeface="Courier"/>
             </a:endParaRPr>
           </a:p>
           <a:p>
             <a:pPr>
               <a:lnSpc>
-                <a:spcPts val="1800"/>
+                <a:spcPts val="2400"/>
               </a:lnSpc>
               <a:defRPr>
                 <a:solidFill>
@@ -6119,19 +6119,19 @@
               </a:defRPr>
             </a:pPr>
             <a:r>
-              <a:rPr sz="3000" b="0" i="0">
+              <a:rPr sz="2400" b="0" i="0">
                 <a:latin typeface="Courier"/>
               </a:rPr>
               <a:t>*</a:t>
             </a:r>
-            <a:endParaRPr sz="3000" b="0" i="0">
+            <a:endParaRPr sz="2400" b="0" i="0">
               <a:latin typeface="Courier"/>
             </a:endParaRPr>
           </a:p>
           <a:p>
             <a:pPr>
               <a:lnSpc>
-                <a:spcPts val="1800"/>
+                <a:spcPts val="2400"/>
               </a:lnSpc>
               <a:defRPr>
                 <a:solidFill>
@@ -6140,19 +6140,19 @@
               </a:defRPr>
             </a:pPr>
             <a:r>
-              <a:rPr sz="3000" b="0" i="0">
+              <a:rPr sz="2400" b="0" i="0">
                 <a:latin typeface="Courier"/>
               </a:rPr>
               <a:t>*  input source</a:t>
             </a:r>
-            <a:endParaRPr sz="3000" b="0" i="0">
+            <a:endParaRPr sz="2400" b="0" i="0">
               <a:latin typeface="Courier"/>
             </a:endParaRPr>
           </a:p>
           <a:p>
             <a:pPr>
               <a:lnSpc>
-                <a:spcPts val="1800"/>
+                <a:spcPts val="2400"/>
               </a:lnSpc>
               <a:defRPr>
                 <a:solidFill>
@@ -6161,19 +6161,19 @@
               </a:defRPr>
             </a:pPr>
             <a:r>
-              <a:rPr sz="3000" b="0" i="0">
+              <a:rPr sz="2400" b="0" i="0">
                 <a:latin typeface="Courier"/>
               </a:rPr>
               <a:t>VS1 1 0	DC 0 SIN(0V 48VPEAK 10KHZ)</a:t>
             </a:r>
-            <a:endParaRPr sz="3000" b="0" i="0">
+            <a:endParaRPr sz="2400" b="0" i="0">
               <a:latin typeface="Courier"/>
             </a:endParaRPr>
           </a:p>
           <a:p>
             <a:pPr>
               <a:lnSpc>
-                <a:spcPts val="1800"/>
+                <a:spcPts val="2400"/>
               </a:lnSpc>
               <a:defRPr>
                 <a:solidFill>
@@ -6182,19 +6182,19 @@
               </a:defRPr>
             </a:pPr>
             <a:r>
-              <a:rPr sz="3000" b="0" i="0">
+              <a:rPr sz="2400" b="0" i="0">
                 <a:latin typeface="Courier"/>
               </a:rPr>
               <a:t>*</a:t>
             </a:r>
-            <a:endParaRPr sz="3000" b="0" i="0">
+            <a:endParaRPr sz="2400" b="0" i="0">
               <a:latin typeface="Courier"/>
             </a:endParaRPr>
           </a:p>
           <a:p>
             <a:pPr>
               <a:lnSpc>
-                <a:spcPts val="1800"/>
+                <a:spcPts val="2400"/>
               </a:lnSpc>
               <a:defRPr>
                 <a:solidFill>
@@ -6203,19 +6203,19 @@
               </a:defRPr>
             </a:pPr>
             <a:r>
-              <a:rPr sz="3000" b="0" i="0">
+              <a:rPr sz="2400" b="0" i="0">
                 <a:latin typeface="Courier"/>
               </a:rPr>
               <a:t>*  PUSH-PULL TRANSISTOR OUTPUT STAGE</a:t>
             </a:r>
-            <a:endParaRPr sz="3000" b="0" i="0">
+            <a:endParaRPr sz="2400" b="0" i="0">
               <a:latin typeface="Courier"/>
             </a:endParaRPr>
           </a:p>
           <a:p>
             <a:pPr>
               <a:lnSpc>
-                <a:spcPts val="1800"/>
+                <a:spcPts val="2400"/>
               </a:lnSpc>
               <a:defRPr>
                 <a:solidFill>
@@ -6224,19 +6224,19 @@
               </a:defRPr>
             </a:pPr>
             <a:r>
-              <a:rPr sz="3000" b="0" i="0">
+              <a:rPr sz="2400" b="0" i="0">
                 <a:latin typeface="Courier"/>
               </a:rPr>
               <a:t>Q1h 8 1 9 QNPN</a:t>
             </a:r>
-            <a:endParaRPr sz="3000" b="0" i="0">
+            <a:endParaRPr sz="2400" b="0" i="0">
               <a:latin typeface="Courier"/>
             </a:endParaRPr>
           </a:p>
           <a:p>
             <a:pPr>
               <a:lnSpc>
-                <a:spcPts val="1800"/>
+                <a:spcPts val="2400"/>
               </a:lnSpc>
               <a:defRPr>
                 <a:solidFill>
@@ -6245,19 +6245,19 @@
               </a:defRPr>
             </a:pPr>
             <a:r>
-              <a:rPr sz="3000" b="0" i="0">
+              <a:rPr sz="2400" b="0" i="0">
                 <a:latin typeface="Courier"/>
               </a:rPr>
               <a:t>Q1s 9 12 2 QNPN</a:t>
             </a:r>
-            <a:endParaRPr sz="3000" b="0" i="0">
+            <a:endParaRPr sz="2400" b="0" i="0">
               <a:latin typeface="Courier"/>
             </a:endParaRPr>
           </a:p>
           <a:p>
             <a:pPr>
               <a:lnSpc>
-                <a:spcPts val="1800"/>
+                <a:spcPts val="2400"/>
               </a:lnSpc>
               <a:defRPr>
                 <a:solidFill>
@@ -6266,12 +6266,12 @@
               </a:defRPr>
             </a:pPr>
             <a:r>
-              <a:rPr sz="3000" b="0" i="0">
+              <a:rPr sz="2400" b="0" i="0">
                 <a:latin typeface="Courier"/>
               </a:rPr>
               <a:t>Q2s 7 13 2 QPNP</a:t>
             </a:r>
-            <a:endParaRPr sz="3000" b="0" i="0">
+            <a:endParaRPr sz="2400" b="0" i="0">
               <a:latin typeface="Courier"/>
             </a:endParaRPr>
           </a:p>
@@ -6343,7 +6343,7 @@
           <a:p>
             <a:pPr>
               <a:lnSpc>
-                <a:spcPts val="1800"/>
+                <a:spcPts val="2400"/>
               </a:lnSpc>
               <a:defRPr>
                 <a:solidFill>
@@ -6352,19 +6352,19 @@
               </a:defRPr>
             </a:pPr>
             <a:r>
-              <a:rPr sz="3000" b="0" i="0">
+              <a:rPr sz="2400" b="0" i="0">
                 <a:latin typeface="Courier"/>
               </a:rPr>
               <a:t>Q2h 6 1 7 QPNP</a:t>
             </a:r>
-            <a:endParaRPr sz="3000" b="0" i="0">
+            <a:endParaRPr sz="2400" b="0" i="0">
               <a:latin typeface="Courier"/>
             </a:endParaRPr>
           </a:p>
           <a:p>
             <a:pPr>
               <a:lnSpc>
-                <a:spcPts val="1800"/>
+                <a:spcPts val="2400"/>
               </a:lnSpc>
               <a:defRPr>
                 <a:solidFill>
@@ -6373,19 +6373,19 @@
               </a:defRPr>
             </a:pPr>
             <a:r>
-              <a:rPr sz="3000" b="0" i="0">
+              <a:rPr sz="2400" b="0" i="0">
                 <a:latin typeface="Courier"/>
               </a:rPr>
               <a:t>*</a:t>
             </a:r>
-            <a:endParaRPr sz="3000" b="0" i="0">
+            <a:endParaRPr sz="2400" b="0" i="0">
               <a:latin typeface="Courier"/>
             </a:endParaRPr>
           </a:p>
           <a:p>
             <a:pPr>
               <a:lnSpc>
-                <a:spcPts val="1800"/>
+                <a:spcPts val="2400"/>
               </a:lnSpc>
               <a:defRPr>
                 <a:solidFill>
@@ -6394,19 +6394,19 @@
               </a:defRPr>
             </a:pPr>
             <a:r>
-              <a:rPr sz="3000" b="0" i="0">
+              <a:rPr sz="2400" b="0" i="0">
                 <a:latin typeface="Courier"/>
               </a:rPr>
               <a:t>Dpos 5 9 DNOM</a:t>
             </a:r>
-            <a:endParaRPr sz="3000" b="0" i="0">
+            <a:endParaRPr sz="2400" b="0" i="0">
               <a:latin typeface="Courier"/>
             </a:endParaRPr>
           </a:p>
           <a:p>
             <a:pPr>
               <a:lnSpc>
-                <a:spcPts val="1800"/>
+                <a:spcPts val="2400"/>
               </a:lnSpc>
               <a:defRPr>
                 <a:solidFill>
@@ -6415,19 +6415,19 @@
               </a:defRPr>
             </a:pPr>
             <a:r>
-              <a:rPr sz="3000" b="0" i="0">
+              <a:rPr sz="2400" b="0" i="0">
                 <a:latin typeface="Courier"/>
               </a:rPr>
               <a:t>Dneg 7 4 DNOM</a:t>
             </a:r>
-            <a:endParaRPr sz="3000" b="0" i="0">
+            <a:endParaRPr sz="2400" b="0" i="0">
               <a:latin typeface="Courier"/>
             </a:endParaRPr>
           </a:p>
           <a:p>
             <a:pPr>
               <a:lnSpc>
-                <a:spcPts val="1800"/>
+                <a:spcPts val="2400"/>
               </a:lnSpc>
               <a:defRPr>
                 <a:solidFill>
@@ -6436,19 +6436,19 @@
               </a:defRPr>
             </a:pPr>
             <a:r>
-              <a:rPr sz="3000" b="0" i="0">
+              <a:rPr sz="2400" b="0" i="0">
                 <a:latin typeface="Courier"/>
               </a:rPr>
               <a:t>*</a:t>
             </a:r>
-            <a:endParaRPr sz="3000" b="0" i="0">
+            <a:endParaRPr sz="2400" b="0" i="0">
               <a:latin typeface="Courier"/>
             </a:endParaRPr>
           </a:p>
           <a:p>
             <a:pPr>
               <a:lnSpc>
-                <a:spcPts val="1800"/>
+                <a:spcPts val="2400"/>
               </a:lnSpc>
               <a:defRPr>
                 <a:solidFill>
@@ -6457,19 +6457,19 @@
               </a:defRPr>
             </a:pPr>
             <a:r>
-              <a:rPr sz="3000" b="0" i="0">
+              <a:rPr sz="2400" b="0" i="0">
                 <a:latin typeface="Courier"/>
               </a:rPr>
               <a:t>*compensatie Vsat</a:t>
             </a:r>
-            <a:endParaRPr sz="3000" b="0" i="0">
+            <a:endParaRPr sz="2400" b="0" i="0">
               <a:latin typeface="Courier"/>
             </a:endParaRPr>
           </a:p>
           <a:p>
             <a:pPr>
               <a:lnSpc>
-                <a:spcPts val="1800"/>
+                <a:spcPts val="2400"/>
               </a:lnSpc>
               <a:defRPr>
                 <a:solidFill>
@@ -6478,19 +6478,19 @@
               </a:defRPr>
             </a:pPr>
             <a:r>
-              <a:rPr sz="3000" b="0" i="0">
+              <a:rPr sz="2400" b="0" i="0">
                 <a:latin typeface="Courier"/>
               </a:rPr>
               <a:t>Db1 1 12 DNOM</a:t>
             </a:r>
-            <a:endParaRPr sz="3000" b="0" i="0">
+            <a:endParaRPr sz="2400" b="0" i="0">
               <a:latin typeface="Courier"/>
             </a:endParaRPr>
           </a:p>
           <a:p>
             <a:pPr>
               <a:lnSpc>
-                <a:spcPts val="1800"/>
+                <a:spcPts val="2400"/>
               </a:lnSpc>
               <a:defRPr>
                 <a:solidFill>
@@ -6499,19 +6499,19 @@
               </a:defRPr>
             </a:pPr>
             <a:r>
-              <a:rPr sz="3000" b="0" i="0">
+              <a:rPr sz="2400" b="0" i="0">
                 <a:latin typeface="Courier"/>
               </a:rPr>
               <a:t>Db4 13 1 DNOM</a:t>
             </a:r>
-            <a:endParaRPr sz="3000" b="0" i="0">
+            <a:endParaRPr sz="2400" b="0" i="0">
               <a:latin typeface="Courier"/>
             </a:endParaRPr>
           </a:p>
           <a:p>
             <a:pPr>
               <a:lnSpc>
-                <a:spcPts val="1800"/>
+                <a:spcPts val="2400"/>
               </a:lnSpc>
               <a:defRPr>
                 <a:solidFill>
@@ -6520,19 +6520,19 @@
               </a:defRPr>
             </a:pPr>
             <a:r>
-              <a:rPr sz="3000" b="0" i="0">
+              <a:rPr sz="2400" b="0" i="0">
                 <a:latin typeface="Courier"/>
               </a:rPr>
               <a:t>*</a:t>
             </a:r>
-            <a:endParaRPr sz="3000" b="0" i="0">
+            <a:endParaRPr sz="2400" b="0" i="0">
               <a:latin typeface="Courier"/>
             </a:endParaRPr>
           </a:p>
           <a:p>
             <a:pPr>
               <a:lnSpc>
-                <a:spcPts val="1800"/>
+                <a:spcPts val="2400"/>
               </a:lnSpc>
               <a:defRPr>
                 <a:solidFill>
@@ -6541,19 +6541,19 @@
               </a:defRPr>
             </a:pPr>
             <a:r>
-              <a:rPr sz="3000" b="0" i="0">
+              <a:rPr sz="2400" b="0" i="0">
                 <a:latin typeface="Courier"/>
               </a:rPr>
               <a:t>* Load resistance</a:t>
             </a:r>
-            <a:endParaRPr sz="3000" b="0" i="0">
+            <a:endParaRPr sz="2400" b="0" i="0">
               <a:latin typeface="Courier"/>
             </a:endParaRPr>
           </a:p>
           <a:p>
             <a:pPr>
               <a:lnSpc>
-                <a:spcPts val="1800"/>
+                <a:spcPts val="2400"/>
               </a:lnSpc>
               <a:defRPr>
                 <a:solidFill>
@@ -6562,19 +6562,19 @@
               </a:defRPr>
             </a:pPr>
             <a:r>
-              <a:rPr sz="3000" b="0" i="0">
+              <a:rPr sz="2400" b="0" i="0">
                 <a:latin typeface="Courier"/>
               </a:rPr>
               <a:t>RL1 2 0	8</a:t>
             </a:r>
-            <a:endParaRPr sz="3000" b="0" i="0">
+            <a:endParaRPr sz="2400" b="0" i="0">
               <a:latin typeface="Courier"/>
             </a:endParaRPr>
           </a:p>
           <a:p>
             <a:pPr>
               <a:lnSpc>
-                <a:spcPts val="1800"/>
+                <a:spcPts val="2400"/>
               </a:lnSpc>
               <a:defRPr>
                 <a:solidFill>
@@ -6583,19 +6583,19 @@
               </a:defRPr>
             </a:pPr>
             <a:r>
-              <a:rPr sz="3000" b="0" i="0">
+              <a:rPr sz="2400" b="0" i="0">
                 <a:latin typeface="Courier"/>
               </a:rPr>
               <a:t>*</a:t>
             </a:r>
-            <a:endParaRPr sz="3000" b="0" i="0">
+            <a:endParaRPr sz="2400" b="0" i="0">
               <a:latin typeface="Courier"/>
             </a:endParaRPr>
           </a:p>
           <a:p>
             <a:pPr>
               <a:lnSpc>
-                <a:spcPts val="1800"/>
+                <a:spcPts val="2400"/>
               </a:lnSpc>
               <a:defRPr>
                 <a:solidFill>
@@ -6604,19 +6604,19 @@
               </a:defRPr>
             </a:pPr>
             <a:r>
-              <a:rPr sz="3000" b="0" i="0">
+              <a:rPr sz="2400" b="0" i="0">
                 <a:latin typeface="Courier"/>
               </a:rPr>
               <a:t>* DEVICE MODELS</a:t>
             </a:r>
-            <a:endParaRPr sz="3000" b="0" i="0">
+            <a:endParaRPr sz="2400" b="0" i="0">
               <a:latin typeface="Courier"/>
             </a:endParaRPr>
           </a:p>
           <a:p>
             <a:pPr>
               <a:lnSpc>
-                <a:spcPts val="1800"/>
+                <a:spcPts val="2400"/>
               </a:lnSpc>
               <a:defRPr>
                 <a:solidFill>
@@ -6625,19 +6625,19 @@
               </a:defRPr>
             </a:pPr>
             <a:r>
-              <a:rPr sz="3000" b="0" i="0">
+              <a:rPr sz="2400" b="0" i="0">
                 <a:latin typeface="Courier"/>
               </a:rPr>
               <a:t>.model QNPN NPN(BF=50)</a:t>
             </a:r>
-            <a:endParaRPr sz="3000" b="0" i="0">
+            <a:endParaRPr sz="2400" b="0" i="0">
               <a:latin typeface="Courier"/>
             </a:endParaRPr>
           </a:p>
           <a:p>
             <a:pPr>
               <a:lnSpc>
-                <a:spcPts val="1800"/>
+                <a:spcPts val="2400"/>
               </a:lnSpc>
               <a:defRPr>
                 <a:solidFill>
@@ -6646,12 +6646,12 @@
               </a:defRPr>
             </a:pPr>
             <a:r>
-              <a:rPr sz="3000" b="0" i="0">
+              <a:rPr sz="2400" b="0" i="0">
                 <a:latin typeface="Courier"/>
               </a:rPr>
               <a:t>.model QPNP PNP(BF=50)</a:t>
             </a:r>
-            <a:endParaRPr sz="3000" b="0" i="0">
+            <a:endParaRPr sz="2400" b="0" i="0">
               <a:latin typeface="Courier"/>
             </a:endParaRPr>
           </a:p>
@@ -6723,7 +6723,7 @@
           <a:p>
             <a:pPr>
               <a:lnSpc>
-                <a:spcPts val="1800"/>
+                <a:spcPts val="2400"/>
               </a:lnSpc>
               <a:defRPr>
                 <a:solidFill>
@@ -6732,12 +6732,12 @@
               </a:defRPr>
             </a:pPr>
             <a:r>
-              <a:rPr sz="3000" b="0" i="0">
+              <a:rPr sz="2400" b="0" i="0">
                 <a:latin typeface="Courier"/>
               </a:rPr>
               <a:t>.model DNOM D()</a:t>
             </a:r>
-            <a:endParaRPr sz="3000" b="0" i="0">
+            <a:endParaRPr sz="2400" b="0" i="0">
               <a:latin typeface="Courier"/>
             </a:endParaRPr>
           </a:p>
@@ -7706,6 +7706,26 @@
 </file>
 
 <file path=customXml/item1.xml><?xml version="1.0" encoding="utf-8"?>
+<p:properties xmlns:p="http://schemas.microsoft.com/office/2006/metadata/properties" xmlns:xsi="http://www.w3.org/2001/XMLSchema-instance" xmlns:pc="http://schemas.microsoft.com/office/infopath/2007/PartnerControls">
+  <documentManagement>
+    <lcf76f155ced4ddcb4097134ff3c332f xmlns="81d41a3b-f33d-4db6-b532-757106a7a2ae">
+      <Terms xmlns="http://schemas.microsoft.com/office/infopath/2007/PartnerControls"/>
+    </lcf76f155ced4ddcb4097134ff3c332f>
+    <TaxCatchAll xmlns="bf25a9bf-a811-4965-9d0a-b88059080fed" xsi:nil="true"/>
+  </documentManagement>
+</p:properties>
+</file>
+
+<file path=customXml/item2.xml><?xml version="1.0" encoding="utf-8"?>
+<?mso-contentType ?>
+<FormTemplates xmlns="http://schemas.microsoft.com/sharepoint/v3/contenttype/forms">
+  <Display>DocumentLibraryForm</Display>
+  <Edit>DocumentLibraryForm</Edit>
+  <New>DocumentLibraryForm</New>
+</FormTemplates>
+</file>
+
+<file path=customXml/item3.xml><?xml version="1.0" encoding="utf-8"?>
 <ct:contentTypeSchema xmlns:ct="http://schemas.microsoft.com/office/2006/metadata/contentType" xmlns:ma="http://schemas.microsoft.com/office/2006/metadata/properties/metaAttributes" ct:_="" ma:_="" ma:contentTypeName="Document" ma:contentTypeID="0x010100B8C495A181F81B4C9DE5AD85CD0F70D4" ma:contentTypeVersion="18" ma:contentTypeDescription="Een nieuw document maken." ma:contentTypeScope="" ma:versionID="6ba28a59cba4a02a693681f32745d77b">
   <xsd:schema xmlns:xsd="http://www.w3.org/2001/XMLSchema" xmlns:xs="http://www.w3.org/2001/XMLSchema" xmlns:p="http://schemas.microsoft.com/office/2006/metadata/properties" xmlns:ns2="81d41a3b-f33d-4db6-b532-757106a7a2ae" xmlns:ns3="bf25a9bf-a811-4965-9d0a-b88059080fed" targetNamespace="http://schemas.microsoft.com/office/2006/metadata/properties" ma:root="true" ma:fieldsID="b996b4a4c0d83f5cfec71b22aba921d2" ns2:_="" ns3:_="">
     <xsd:import namespace="81d41a3b-f33d-4db6-b532-757106a7a2ae"/>
@@ -7960,27 +7980,32 @@
 </ct:contentTypeSchema>
 </file>
 
-<file path=customXml/item2.xml><?xml version="1.0" encoding="utf-8"?>
-<?mso-contentType ?>
-<FormTemplates xmlns="http://schemas.microsoft.com/sharepoint/v3/contenttype/forms">
-  <Display>DocumentLibraryForm</Display>
-  <Edit>DocumentLibraryForm</Edit>
-  <New>DocumentLibraryForm</New>
-</FormTemplates>
+<file path=customXml/itemProps1.xml><?xml version="1.0" encoding="utf-8"?>
+<ds:datastoreItem xmlns:ds="http://schemas.openxmlformats.org/officeDocument/2006/customXml" ds:itemID="{5EE9034D-0B43-4AB0-9535-9A62DB37A999}">
+  <ds:schemaRefs>
+    <ds:schemaRef ds:uri="http://www.w3.org/XML/1998/namespace"/>
+    <ds:schemaRef ds:uri="81d41a3b-f33d-4db6-b532-757106a7a2ae"/>
+    <ds:schemaRef ds:uri="http://purl.org/dc/dcmitype/"/>
+    <ds:schemaRef ds:uri="http://purl.org/dc/elements/1.1/"/>
+    <ds:schemaRef ds:uri="http://schemas.microsoft.com/office/2006/documentManagement/types"/>
+    <ds:schemaRef ds:uri="bf25a9bf-a811-4965-9d0a-b88059080fed"/>
+    <ds:schemaRef ds:uri="http://purl.org/dc/terms/"/>
+    <ds:schemaRef ds:uri="http://schemas.microsoft.com/office/infopath/2007/PartnerControls"/>
+    <ds:schemaRef ds:uri="http://schemas.openxmlformats.org/package/2006/metadata/core-properties"/>
+    <ds:schemaRef ds:uri="http://schemas.microsoft.com/office/2006/metadata/properties"/>
+  </ds:schemaRefs>
+</ds:datastoreItem>
 </file>
 
-<file path=customXml/item3.xml><?xml version="1.0" encoding="utf-8"?>
-<p:properties xmlns:p="http://schemas.microsoft.com/office/2006/metadata/properties" xmlns:xsi="http://www.w3.org/2001/XMLSchema-instance" xmlns:pc="http://schemas.microsoft.com/office/infopath/2007/PartnerControls">
-  <documentManagement>
-    <lcf76f155ced4ddcb4097134ff3c332f xmlns="81d41a3b-f33d-4db6-b532-757106a7a2ae">
-      <Terms xmlns="http://schemas.microsoft.com/office/infopath/2007/PartnerControls"/>
-    </lcf76f155ced4ddcb4097134ff3c332f>
-    <TaxCatchAll xmlns="bf25a9bf-a811-4965-9d0a-b88059080fed" xsi:nil="true"/>
-  </documentManagement>
-</p:properties>
+<file path=customXml/itemProps2.xml><?xml version="1.0" encoding="utf-8"?>
+<ds:datastoreItem xmlns:ds="http://schemas.openxmlformats.org/officeDocument/2006/customXml" ds:itemID="{263A7949-1B93-457F-8888-53CC8A016F77}">
+  <ds:schemaRefs>
+    <ds:schemaRef ds:uri="http://schemas.microsoft.com/sharepoint/v3/contenttype/forms"/>
+  </ds:schemaRefs>
+</ds:datastoreItem>
 </file>
 
-<file path=customXml/itemProps1.xml><?xml version="1.0" encoding="utf-8"?>
+<file path=customXml/itemProps3.xml><?xml version="1.0" encoding="utf-8"?>
 <ds:datastoreItem xmlns:ds="http://schemas.openxmlformats.org/officeDocument/2006/customXml" ds:itemID="{2A270F01-48F1-4A41-8E26-ACAC66896963}">
   <ds:schemaRefs>
     <ds:schemaRef ds:uri="http://schemas.microsoft.com/office/2006/metadata/contentType"/>
@@ -7997,29 +8022,4 @@
     <ds:schemaRef ds:uri="http://schemas.microsoft.com/internal/obd"/>
   </ds:schemaRefs>
 </ds:datastoreItem>
-</file>
-
-<file path=customXml/itemProps2.xml><?xml version="1.0" encoding="utf-8"?>
-<ds:datastoreItem xmlns:ds="http://schemas.openxmlformats.org/officeDocument/2006/customXml" ds:itemID="{263A7949-1B93-457F-8888-53CC8A016F77}">
-  <ds:schemaRefs>
-    <ds:schemaRef ds:uri="http://schemas.microsoft.com/sharepoint/v3/contenttype/forms"/>
-  </ds:schemaRefs>
-</ds:datastoreItem>
-</file>
-
-<file path=customXml/itemProps3.xml><?xml version="1.0" encoding="utf-8"?>
-<ds:datastoreItem xmlns:ds="http://schemas.openxmlformats.org/officeDocument/2006/customXml" ds:itemID="{5EE9034D-0B43-4AB0-9535-9A62DB37A999}">
-  <ds:schemaRefs>
-    <ds:schemaRef ds:uri="http://www.w3.org/XML/1998/namespace"/>
-    <ds:schemaRef ds:uri="81d41a3b-f33d-4db6-b532-757106a7a2ae"/>
-    <ds:schemaRef ds:uri="http://purl.org/dc/dcmitype/"/>
-    <ds:schemaRef ds:uri="http://purl.org/dc/elements/1.1/"/>
-    <ds:schemaRef ds:uri="http://schemas.microsoft.com/office/2006/documentManagement/types"/>
-    <ds:schemaRef ds:uri="bf25a9bf-a811-4965-9d0a-b88059080fed"/>
-    <ds:schemaRef ds:uri="http://purl.org/dc/terms/"/>
-    <ds:schemaRef ds:uri="http://schemas.microsoft.com/office/infopath/2007/PartnerControls"/>
-    <ds:schemaRef ds:uri="http://schemas.openxmlformats.org/package/2006/metadata/core-properties"/>
-    <ds:schemaRef ds:uri="http://schemas.microsoft.com/office/2006/metadata/properties"/>
-  </ds:schemaRefs>
-</ds:datastoreItem>
 </file>
--- a/AnalogeElektronica2/PowerPoint/Klasse-G.pptx
+++ b/AnalogeElektronica2/PowerPoint/Klasse-G.pptx
@@ -5731,6 +5731,12 @@
           <a:bodyPr/>
           <a:lstStyle/>
           <a:p/>
+          <a:p>
+            <a:pPr/>
+            <a:r>
+              <a:t># Klasse G versterkers</a:t>
+            </a:r>
+          </a:p>
         </p:txBody>
       </p:sp>
       <p:sp>
@@ -5748,40 +5754,6 @@
           <a:bodyPr/>
           <a:lstStyle/>
           <a:p/>
-        </p:txBody>
-      </p:sp>
-      <p:sp>
-        <p:nvSpPr>
-          <p:cNvPr id="4" name="TextBox 3"/>
-          <p:cNvSpPr txBox="1"/>
-          <p:nvPr/>
-        </p:nvSpPr>
-        <p:spPr>
-          <a:xfrm>
-            <a:off x="914400" y="2084831"/>
-            <a:ext cx="9144000" cy="1828800"/>
-          </a:xfrm>
-          <a:prstGeom prst="rect">
-            <a:avLst/>
-          </a:prstGeom>
-          <a:noFill/>
-        </p:spPr>
-        <p:txBody>
-          <a:bodyPr wrap="square">
-            <a:noAutofit/>
-          </a:bodyPr>
-          <a:lstStyle/>
-          <a:p>
-            <a:r>
-              <a:rPr sz="3000" b="0" i="0">
-                <a:latin typeface="Calibri"/>
-              </a:rPr>
-              <a:t># Klasse G versterkers</a:t>
-            </a:r>
-            <a:endParaRPr sz="3000" b="0" i="0">
-              <a:latin typeface="Calibri"/>
-            </a:endParaRPr>
-          </a:p>
         </p:txBody>
       </p:sp>
     </p:spTree>
@@ -6191,90 +6163,6 @@
               <a:latin typeface="Courier"/>
             </a:endParaRPr>
           </a:p>
-          <a:p>
-            <a:pPr>
-              <a:lnSpc>
-                <a:spcPts val="2400"/>
-              </a:lnSpc>
-              <a:defRPr>
-                <a:solidFill>
-                  <a:srgbClr val="FFFFFF"/>
-                </a:solidFill>
-              </a:defRPr>
-            </a:pPr>
-            <a:r>
-              <a:rPr sz="2400" b="0" i="0">
-                <a:latin typeface="Courier"/>
-              </a:rPr>
-              <a:t>*  PUSH-PULL TRANSISTOR OUTPUT STAGE</a:t>
-            </a:r>
-            <a:endParaRPr sz="2400" b="0" i="0">
-              <a:latin typeface="Courier"/>
-            </a:endParaRPr>
-          </a:p>
-          <a:p>
-            <a:pPr>
-              <a:lnSpc>
-                <a:spcPts val="2400"/>
-              </a:lnSpc>
-              <a:defRPr>
-                <a:solidFill>
-                  <a:srgbClr val="FFFFFF"/>
-                </a:solidFill>
-              </a:defRPr>
-            </a:pPr>
-            <a:r>
-              <a:rPr sz="2400" b="0" i="0">
-                <a:latin typeface="Courier"/>
-              </a:rPr>
-              <a:t>Q1h 8 1 9 QNPN</a:t>
-            </a:r>
-            <a:endParaRPr sz="2400" b="0" i="0">
-              <a:latin typeface="Courier"/>
-            </a:endParaRPr>
-          </a:p>
-          <a:p>
-            <a:pPr>
-              <a:lnSpc>
-                <a:spcPts val="2400"/>
-              </a:lnSpc>
-              <a:defRPr>
-                <a:solidFill>
-                  <a:srgbClr val="FFFFFF"/>
-                </a:solidFill>
-              </a:defRPr>
-            </a:pPr>
-            <a:r>
-              <a:rPr sz="2400" b="0" i="0">
-                <a:latin typeface="Courier"/>
-              </a:rPr>
-              <a:t>Q1s 9 12 2 QNPN</a:t>
-            </a:r>
-            <a:endParaRPr sz="2400" b="0" i="0">
-              <a:latin typeface="Courier"/>
-            </a:endParaRPr>
-          </a:p>
-          <a:p>
-            <a:pPr>
-              <a:lnSpc>
-                <a:spcPts val="2400"/>
-              </a:lnSpc>
-              <a:defRPr>
-                <a:solidFill>
-                  <a:srgbClr val="FFFFFF"/>
-                </a:solidFill>
-              </a:defRPr>
-            </a:pPr>
-            <a:r>
-              <a:rPr sz="2400" b="0" i="0">
-                <a:latin typeface="Courier"/>
-              </a:rPr>
-              <a:t>Q2s 7 13 2 QPNP</a:t>
-            </a:r>
-            <a:endParaRPr sz="2400" b="0" i="0">
-              <a:latin typeface="Courier"/>
-            </a:endParaRPr>
-          </a:p>
         </p:txBody>
       </p:sp>
       <p:sp>
@@ -6355,7 +6243,7 @@
               <a:rPr sz="2400" b="0" i="0">
                 <a:latin typeface="Courier"/>
               </a:rPr>
-              <a:t>Q2h 6 1 7 QPNP</a:t>
+              <a:t>*  PUSH-PULL TRANSISTOR OUTPUT STAGE</a:t>
             </a:r>
             <a:endParaRPr sz="2400" b="0" i="0">
               <a:latin typeface="Courier"/>
@@ -6376,7 +6264,7 @@
               <a:rPr sz="2400" b="0" i="0">
                 <a:latin typeface="Courier"/>
               </a:rPr>
-              <a:t>*</a:t>
+              <a:t>Q1h 8 1 9 QNPN</a:t>
             </a:r>
             <a:endParaRPr sz="2400" b="0" i="0">
               <a:latin typeface="Courier"/>
@@ -6397,7 +6285,7 @@
               <a:rPr sz="2400" b="0" i="0">
                 <a:latin typeface="Courier"/>
               </a:rPr>
-              <a:t>Dpos 5 9 DNOM</a:t>
+              <a:t>Q1s 9 12 2 QNPN</a:t>
             </a:r>
             <a:endParaRPr sz="2400" b="0" i="0">
               <a:latin typeface="Courier"/>
@@ -6418,7 +6306,7 @@
               <a:rPr sz="2400" b="0" i="0">
                 <a:latin typeface="Courier"/>
               </a:rPr>
-              <a:t>Dneg 7 4 DNOM</a:t>
+              <a:t>Q2s 7 13 2 QPNP</a:t>
             </a:r>
             <a:endParaRPr sz="2400" b="0" i="0">
               <a:latin typeface="Courier"/>
@@ -6439,7 +6327,7 @@
               <a:rPr sz="2400" b="0" i="0">
                 <a:latin typeface="Courier"/>
               </a:rPr>
-              <a:t>*</a:t>
+              <a:t>Q2h 6 1 7 QPNP</a:t>
             </a:r>
             <a:endParaRPr sz="2400" b="0" i="0">
               <a:latin typeface="Courier"/>
@@ -6460,7 +6348,7 @@
               <a:rPr sz="2400" b="0" i="0">
                 <a:latin typeface="Courier"/>
               </a:rPr>
-              <a:t>*compensatie Vsat</a:t>
+              <a:t>*</a:t>
             </a:r>
             <a:endParaRPr sz="2400" b="0" i="0">
               <a:latin typeface="Courier"/>
@@ -6481,7 +6369,7 @@
               <a:rPr sz="2400" b="0" i="0">
                 <a:latin typeface="Courier"/>
               </a:rPr>
-              <a:t>Db1 1 12 DNOM</a:t>
+              <a:t>Dpos 5 9 DNOM</a:t>
             </a:r>
             <a:endParaRPr sz="2400" b="0" i="0">
               <a:latin typeface="Courier"/>
@@ -6502,7 +6390,7 @@
               <a:rPr sz="2400" b="0" i="0">
                 <a:latin typeface="Courier"/>
               </a:rPr>
-              <a:t>Db4 13 1 DNOM</a:t>
+              <a:t>Dneg 7 4 DNOM</a:t>
             </a:r>
             <a:endParaRPr sz="2400" b="0" i="0">
               <a:latin typeface="Courier"/>
@@ -6544,7 +6432,7 @@
               <a:rPr sz="2400" b="0" i="0">
                 <a:latin typeface="Courier"/>
               </a:rPr>
-              <a:t>* Load resistance</a:t>
+              <a:t>*compensatie Vsat</a:t>
             </a:r>
             <a:endParaRPr sz="2400" b="0" i="0">
               <a:latin typeface="Courier"/>
@@ -6565,91 +6453,7 @@
               <a:rPr sz="2400" b="0" i="0">
                 <a:latin typeface="Courier"/>
               </a:rPr>
-              <a:t>RL1 2 0	8</a:t>
-            </a:r>
-            <a:endParaRPr sz="2400" b="0" i="0">
-              <a:latin typeface="Courier"/>
-            </a:endParaRPr>
-          </a:p>
-          <a:p>
-            <a:pPr>
-              <a:lnSpc>
-                <a:spcPts val="2400"/>
-              </a:lnSpc>
-              <a:defRPr>
-                <a:solidFill>
-                  <a:srgbClr val="FFFFFF"/>
-                </a:solidFill>
-              </a:defRPr>
-            </a:pPr>
-            <a:r>
-              <a:rPr sz="2400" b="0" i="0">
-                <a:latin typeface="Courier"/>
-              </a:rPr>
-              <a:t>*</a:t>
-            </a:r>
-            <a:endParaRPr sz="2400" b="0" i="0">
-              <a:latin typeface="Courier"/>
-            </a:endParaRPr>
-          </a:p>
-          <a:p>
-            <a:pPr>
-              <a:lnSpc>
-                <a:spcPts val="2400"/>
-              </a:lnSpc>
-              <a:defRPr>
-                <a:solidFill>
-                  <a:srgbClr val="FFFFFF"/>
-                </a:solidFill>
-              </a:defRPr>
-            </a:pPr>
-            <a:r>
-              <a:rPr sz="2400" b="0" i="0">
-                <a:latin typeface="Courier"/>
-              </a:rPr>
-              <a:t>* DEVICE MODELS</a:t>
-            </a:r>
-            <a:endParaRPr sz="2400" b="0" i="0">
-              <a:latin typeface="Courier"/>
-            </a:endParaRPr>
-          </a:p>
-          <a:p>
-            <a:pPr>
-              <a:lnSpc>
-                <a:spcPts val="2400"/>
-              </a:lnSpc>
-              <a:defRPr>
-                <a:solidFill>
-                  <a:srgbClr val="FFFFFF"/>
-                </a:solidFill>
-              </a:defRPr>
-            </a:pPr>
-            <a:r>
-              <a:rPr sz="2400" b="0" i="0">
-                <a:latin typeface="Courier"/>
-              </a:rPr>
-              <a:t>.model QNPN NPN(BF=50)</a:t>
-            </a:r>
-            <a:endParaRPr sz="2400" b="0" i="0">
-              <a:latin typeface="Courier"/>
-            </a:endParaRPr>
-          </a:p>
-          <a:p>
-            <a:pPr>
-              <a:lnSpc>
-                <a:spcPts val="2400"/>
-              </a:lnSpc>
-              <a:defRPr>
-                <a:solidFill>
-                  <a:srgbClr val="FFFFFF"/>
-                </a:solidFill>
-              </a:defRPr>
-            </a:pPr>
-            <a:r>
-              <a:rPr sz="2400" b="0" i="0">
-                <a:latin typeface="Courier"/>
-              </a:rPr>
-              <a:t>.model QPNP PNP(BF=50)</a:t>
+              <a:t>Db1 1 12 DNOM</a:t>
             </a:r>
             <a:endParaRPr sz="2400" b="0" i="0">
               <a:latin typeface="Courier"/>
@@ -6720,6 +6524,174 @@
             <a:noAutofit/>
           </a:bodyPr>
           <a:lstStyle/>
+          <a:p>
+            <a:pPr>
+              <a:lnSpc>
+                <a:spcPts val="2400"/>
+              </a:lnSpc>
+              <a:defRPr>
+                <a:solidFill>
+                  <a:srgbClr val="FFFFFF"/>
+                </a:solidFill>
+              </a:defRPr>
+            </a:pPr>
+            <a:r>
+              <a:rPr sz="2400" b="0" i="0">
+                <a:latin typeface="Courier"/>
+              </a:rPr>
+              <a:t>Db4 13 1 DNOM</a:t>
+            </a:r>
+            <a:endParaRPr sz="2400" b="0" i="0">
+              <a:latin typeface="Courier"/>
+            </a:endParaRPr>
+          </a:p>
+          <a:p>
+            <a:pPr>
+              <a:lnSpc>
+                <a:spcPts val="2400"/>
+              </a:lnSpc>
+              <a:defRPr>
+                <a:solidFill>
+                  <a:srgbClr val="FFFFFF"/>
+                </a:solidFill>
+              </a:defRPr>
+            </a:pPr>
+            <a:r>
+              <a:rPr sz="2400" b="0" i="0">
+                <a:latin typeface="Courier"/>
+              </a:rPr>
+              <a:t>*</a:t>
+            </a:r>
+            <a:endParaRPr sz="2400" b="0" i="0">
+              <a:latin typeface="Courier"/>
+            </a:endParaRPr>
+          </a:p>
+          <a:p>
+            <a:pPr>
+              <a:lnSpc>
+                <a:spcPts val="2400"/>
+              </a:lnSpc>
+              <a:defRPr>
+                <a:solidFill>
+                  <a:srgbClr val="FFFFFF"/>
+                </a:solidFill>
+              </a:defRPr>
+            </a:pPr>
+            <a:r>
+              <a:rPr sz="2400" b="0" i="0">
+                <a:latin typeface="Courier"/>
+              </a:rPr>
+              <a:t>* Load resistance</a:t>
+            </a:r>
+            <a:endParaRPr sz="2400" b="0" i="0">
+              <a:latin typeface="Courier"/>
+            </a:endParaRPr>
+          </a:p>
+          <a:p>
+            <a:pPr>
+              <a:lnSpc>
+                <a:spcPts val="2400"/>
+              </a:lnSpc>
+              <a:defRPr>
+                <a:solidFill>
+                  <a:srgbClr val="FFFFFF"/>
+                </a:solidFill>
+              </a:defRPr>
+            </a:pPr>
+            <a:r>
+              <a:rPr sz="2400" b="0" i="0">
+                <a:latin typeface="Courier"/>
+              </a:rPr>
+              <a:t>RL1 2 0	8</a:t>
+            </a:r>
+            <a:endParaRPr sz="2400" b="0" i="0">
+              <a:latin typeface="Courier"/>
+            </a:endParaRPr>
+          </a:p>
+          <a:p>
+            <a:pPr>
+              <a:lnSpc>
+                <a:spcPts val="2400"/>
+              </a:lnSpc>
+              <a:defRPr>
+                <a:solidFill>
+                  <a:srgbClr val="FFFFFF"/>
+                </a:solidFill>
+              </a:defRPr>
+            </a:pPr>
+            <a:r>
+              <a:rPr sz="2400" b="0" i="0">
+                <a:latin typeface="Courier"/>
+              </a:rPr>
+              <a:t>*</a:t>
+            </a:r>
+            <a:endParaRPr sz="2400" b="0" i="0">
+              <a:latin typeface="Courier"/>
+            </a:endParaRPr>
+          </a:p>
+          <a:p>
+            <a:pPr>
+              <a:lnSpc>
+                <a:spcPts val="2400"/>
+              </a:lnSpc>
+              <a:defRPr>
+                <a:solidFill>
+                  <a:srgbClr val="FFFFFF"/>
+                </a:solidFill>
+              </a:defRPr>
+            </a:pPr>
+            <a:r>
+              <a:rPr sz="2400" b="0" i="0">
+                <a:latin typeface="Courier"/>
+              </a:rPr>
+              <a:t>* DEVICE MODELS</a:t>
+            </a:r>
+            <a:endParaRPr sz="2400" b="0" i="0">
+              <a:latin typeface="Courier"/>
+            </a:endParaRPr>
+          </a:p>
+          <a:p>
+            <a:pPr>
+              <a:lnSpc>
+                <a:spcPts val="2400"/>
+              </a:lnSpc>
+              <a:defRPr>
+                <a:solidFill>
+                  <a:srgbClr val="FFFFFF"/>
+                </a:solidFill>
+              </a:defRPr>
+            </a:pPr>
+            <a:r>
+              <a:rPr sz="2400" b="0" i="0">
+                <a:latin typeface="Courier"/>
+              </a:rPr>
+              <a:t>.model QNPN NPN(BF=50)</a:t>
+            </a:r>
+            <a:endParaRPr sz="2400" b="0" i="0">
+              <a:latin typeface="Courier"/>
+            </a:endParaRPr>
+          </a:p>
+          <a:p>
+            <a:pPr>
+              <a:lnSpc>
+                <a:spcPts val="2400"/>
+              </a:lnSpc>
+              <a:defRPr>
+                <a:solidFill>
+                  <a:srgbClr val="FFFFFF"/>
+                </a:solidFill>
+              </a:defRPr>
+            </a:pPr>
+            <a:r>
+              <a:rPr sz="2400" b="0" i="0">
+                <a:latin typeface="Courier"/>
+              </a:rPr>
+              <a:t>.model QPNP PNP(BF=50)</a:t>
+            </a:r>
+            <a:endParaRPr sz="2400" b="0" i="0">
+              <a:latin typeface="Courier"/>
+            </a:endParaRPr>
+          </a:p>
           <a:p>
             <a:pPr>
               <a:lnSpc>

--- a/AnalogeElektronica2/PowerPoint/Klasse-G.pptx
+++ b/AnalogeElektronica2/PowerPoint/Klasse-G.pptx
@@ -5819,8 +5819,8 @@
         </p:blipFill>
         <p:spPr>
           <a:xfrm>
-            <a:off x="3814583" y="1179576"/>
-            <a:ext cx="4562833" cy="5029200"/>
+            <a:off x="3565701" y="566928"/>
+            <a:ext cx="5060597" cy="5577840"/>
           </a:xfrm>
           <a:prstGeom prst="rect">
             <a:avLst/>
@@ -5890,8 +5890,8 @@
         </p:blipFill>
         <p:spPr>
           <a:xfrm>
-            <a:off x="3367123" y="1179576"/>
-            <a:ext cx="5457753" cy="5029200"/>
+            <a:off x="3069427" y="566928"/>
+            <a:ext cx="6053145" cy="5577840"/>
           </a:xfrm>
           <a:prstGeom prst="rect">
             <a:avLst/>
@@ -6807,8 +6807,8 @@
         </p:blipFill>
         <p:spPr>
           <a:xfrm>
-            <a:off x="2888866" y="1179576"/>
-            <a:ext cx="6414267" cy="5029200"/>
+            <a:off x="2538997" y="566928"/>
+            <a:ext cx="7114005" cy="5577840"/>
           </a:xfrm>
           <a:prstGeom prst="rect">
             <a:avLst/>
@@ -6878,8 +6878,8 @@
         </p:blipFill>
         <p:spPr>
           <a:xfrm>
-            <a:off x="3011078" y="1179576"/>
-            <a:ext cx="6169843" cy="5029200"/>
+            <a:off x="2674541" y="566928"/>
+            <a:ext cx="6842917" cy="5577840"/>
           </a:xfrm>
           <a:prstGeom prst="rect">
             <a:avLst/>

--- a/AnalogeElektronica2/PowerPoint/Klasse-G.pptx
+++ b/AnalogeElektronica2/PowerPoint/Klasse-G.pptx
@@ -22,6 +22,13 @@
     <p:sldId id="264" r:id="rId21"/>
     <p:sldId id="265" r:id="rId22"/>
     <p:sldId id="266" r:id="rId23"/>
+    <p:sldId id="267" r:id="rId24"/>
+    <p:sldId id="268" r:id="rId25"/>
+    <p:sldId id="269" r:id="rId26"/>
+    <p:sldId id="270" r:id="rId27"/>
+    <p:sldId id="271" r:id="rId28"/>
+    <p:sldId id="272" r:id="rId29"/>
+    <p:sldId id="273" r:id="rId30"/>
   </p:sldIdLst>
   <p:sldSz cx="12192000" cy="6858000"/>
   <p:notesSz cx="6858000" cy="9144000"/>
@@ -5680,6 +5687,52 @@
         <p:nvPr/>
       </p:nvGrpSpPr>
       <p:grpSpPr/>
+      <p:sp>
+        <p:nvSpPr>
+          <p:cNvPr id="2" name="Content Placeholder 1"/>
+          <p:cNvSpPr>
+            <a:spLocks noGrp="1"/>
+          </p:cNvSpPr>
+          <p:nvPr>
+            <p:ph idx="1"/>
+          </p:nvPr>
+        </p:nvSpPr>
+        <p:spPr/>
+        <p:txBody>
+          <a:bodyPr/>
+          <a:lstStyle/>
+          <a:p/>
+        </p:txBody>
+      </p:sp>
+      <p:sp>
+        <p:nvSpPr>
+          <p:cNvPr id="3" name="Title 2"/>
+          <p:cNvSpPr>
+            <a:spLocks noGrp="1"/>
+          </p:cNvSpPr>
+          <p:nvPr>
+            <p:ph type="title"/>
+          </p:nvPr>
+        </p:nvSpPr>
+        <p:spPr/>
+        <p:txBody>
+          <a:bodyPr wrap="square">
+            <a:noAutofit/>
+          </a:bodyPr>
+          <a:lstStyle/>
+          <a:p>
+            <a:r>
+              <a:rPr sz="3200" b="1" i="0">
+                <a:latin typeface="Arial"/>
+              </a:rPr>
+              <a:t>spice code basis Klasse G circuit</a:t>
+            </a:r>
+            <a:endParaRPr sz="3200" b="1" i="0">
+              <a:latin typeface="Arial"/>
+            </a:endParaRPr>
+          </a:p>
+        </p:txBody>
+      </p:sp>
     </p:spTree>
   </p:cSld>
   <p:clrMapOvr>
@@ -5689,6 +5742,2334 @@
 </file>
 
 <file path=ppt/slides/slide11.xml><?xml version="1.0" encoding="utf-8"?>
+<p:sld xmlns:a="http://schemas.openxmlformats.org/drawingml/2006/main" xmlns:p="http://schemas.openxmlformats.org/presentationml/2006/main" xmlns:r="http://schemas.openxmlformats.org/officeDocument/2006/relationships">
+  <p:cSld>
+    <p:spTree>
+      <p:nvGrpSpPr>
+        <p:cNvPr id="1" name=""/>
+        <p:cNvGrpSpPr/>
+        <p:nvPr/>
+      </p:nvGrpSpPr>
+      <p:grpSpPr/>
+      <p:sp>
+        <p:nvSpPr>
+          <p:cNvPr id="2" name="Content Placeholder 1"/>
+          <p:cNvSpPr>
+            <a:spLocks noGrp="1"/>
+          </p:cNvSpPr>
+          <p:nvPr>
+            <p:ph idx="1"/>
+          </p:nvPr>
+        </p:nvSpPr>
+        <p:spPr/>
+        <p:txBody>
+          <a:bodyPr/>
+          <a:lstStyle/>
+          <a:p>
+            <a:r>
+              <a:rPr sz="1400">
+                <a:solidFill>
+                  <a:srgbClr val="000000"/>
+                </a:solidFill>
+                <a:latin typeface="Courier New"/>
+              </a:rPr>
+              <a:t/>
+            </a:r>
+            <a:r>
+              <a:rPr sz="1400">
+                <a:solidFill>
+                  <a:srgbClr val="000000"/>
+                </a:solidFill>
+                <a:latin typeface="Courier New"/>
+              </a:rPr>
+              <a:t>Klasse</a:t>
+            </a:r>
+            <a:r>
+              <a:rPr sz="1400">
+                <a:solidFill>
+                  <a:srgbClr val="000000"/>
+                </a:solidFill>
+                <a:latin typeface="Courier New"/>
+              </a:rPr>
+              <a:t> </a:t>
+            </a:r>
+            <a:r>
+              <a:rPr sz="1400">
+                <a:solidFill>
+                  <a:srgbClr val="000000"/>
+                </a:solidFill>
+                <a:latin typeface="Courier New"/>
+              </a:rPr>
+              <a:t>G</a:t>
+            </a:r>
+            <a:r>
+              <a:rPr sz="1400">
+                <a:solidFill>
+                  <a:srgbClr val="000000"/>
+                </a:solidFill>
+                <a:latin typeface="Courier New"/>
+              </a:rPr>
+              <a:t> </a:t>
+            </a:r>
+            <a:r>
+              <a:rPr sz="1400">
+                <a:solidFill>
+                  <a:srgbClr val="000000"/>
+                </a:solidFill>
+                <a:latin typeface="Courier New"/>
+              </a:rPr>
+              <a:t>versterker</a:t>
+            </a:r>
+            <a:r>
+              <a:rPr sz="1400">
+                <a:solidFill>
+                  <a:srgbClr val="000000"/>
+                </a:solidFill>
+                <a:latin typeface="Courier New"/>
+              </a:rPr>
+              <a:t>*</a:t>
+            </a:r>
+            <a:r>
+              <a:rPr sz="1400">
+                <a:solidFill>
+                  <a:srgbClr val="000000"/>
+                </a:solidFill>
+                <a:latin typeface="Courier New"/>
+              </a:rPr>
+              <a:t>*</a:t>
+            </a:r>
+            <a:r>
+              <a:rPr sz="1400">
+                <a:solidFill>
+                  <a:srgbClr val="000000"/>
+                </a:solidFill>
+                <a:latin typeface="Courier New"/>
+              </a:rPr>
+              <a:t> </a:t>
+            </a:r>
+            <a:r>
+              <a:rPr sz="1400">
+                <a:solidFill>
+                  <a:srgbClr val="000000"/>
+                </a:solidFill>
+                <a:latin typeface="Courier New"/>
+              </a:rPr>
+              <a:t>SUPPLY</a:t>
+            </a:r>
+            <a:r>
+              <a:rPr sz="1400">
+                <a:solidFill>
+                  <a:srgbClr val="000000"/>
+                </a:solidFill>
+                <a:latin typeface="Courier New"/>
+              </a:rPr>
+              <a:t> </a:t>
+            </a:r>
+            <a:r>
+              <a:rPr sz="1400">
+                <a:solidFill>
+                  <a:srgbClr val="000000"/>
+                </a:solidFill>
+                <a:latin typeface="Courier New"/>
+              </a:rPr>
+              <a:t>VOLTAGES</a:t>
+            </a:r>
+          </a:p>
+        </p:txBody>
+      </p:sp>
+      <p:sp>
+        <p:nvSpPr>
+          <p:cNvPr id="3" name="Title 2"/>
+          <p:cNvSpPr>
+            <a:spLocks noGrp="1"/>
+          </p:cNvSpPr>
+          <p:nvPr>
+            <p:ph type="title"/>
+          </p:nvPr>
+        </p:nvSpPr>
+        <p:spPr/>
+        <p:txBody>
+          <a:bodyPr wrap="square">
+            <a:noAutofit/>
+          </a:bodyPr>
+          <a:lstStyle/>
+          <a:p>
+            <a:r>
+              <a:rPr sz="3200" b="1" i="0">
+                <a:latin typeface="Arial"/>
+              </a:rPr>
+              <a:t>spice code basis Klasse G circuit</a:t>
+            </a:r>
+            <a:endParaRPr sz="3200" b="1" i="0">
+              <a:latin typeface="Arial"/>
+            </a:endParaRPr>
+          </a:p>
+        </p:txBody>
+      </p:sp>
+    </p:spTree>
+  </p:cSld>
+  <p:clrMapOvr>
+    <a:masterClrMapping/>
+  </p:clrMapOvr>
+</p:sld>
+</file>
+
+<file path=ppt/slides/slide12.xml><?xml version="1.0" encoding="utf-8"?>
+<p:sld xmlns:a="http://schemas.openxmlformats.org/drawingml/2006/main" xmlns:p="http://schemas.openxmlformats.org/presentationml/2006/main" xmlns:r="http://schemas.openxmlformats.org/officeDocument/2006/relationships">
+  <p:cSld>
+    <p:spTree>
+      <p:nvGrpSpPr>
+        <p:cNvPr id="1" name=""/>
+        <p:cNvGrpSpPr/>
+        <p:nvPr/>
+      </p:nvGrpSpPr>
+      <p:grpSpPr/>
+      <p:sp>
+        <p:nvSpPr>
+          <p:cNvPr id="2" name="Content Placeholder 1"/>
+          <p:cNvSpPr>
+            <a:spLocks noGrp="1"/>
+          </p:cNvSpPr>
+          <p:nvPr>
+            <p:ph idx="1"/>
+          </p:nvPr>
+        </p:nvSpPr>
+        <p:spPr/>
+        <p:txBody>
+          <a:bodyPr/>
+          <a:lstStyle/>
+          <a:p>
+            <a:r>
+              <a:rPr sz="1400">
+                <a:solidFill>
+                  <a:srgbClr val="000000"/>
+                </a:solidFill>
+                <a:latin typeface="Courier New"/>
+              </a:rPr>
+              <a:t>VPOS1</a:t>
+            </a:r>
+            <a:r>
+              <a:rPr sz="1400">
+                <a:solidFill>
+                  <a:srgbClr val="000000"/>
+                </a:solidFill>
+                <a:latin typeface="Courier New"/>
+              </a:rPr>
+              <a:t> </a:t>
+            </a:r>
+            <a:r>
+              <a:rPr sz="1400">
+                <a:solidFill>
+                  <a:srgbClr val="000000"/>
+                </a:solidFill>
+                <a:latin typeface="Courier New"/>
+              </a:rPr>
+              <a:t>8</a:t>
+            </a:r>
+            <a:r>
+              <a:rPr sz="1400">
+                <a:solidFill>
+                  <a:srgbClr val="000000"/>
+                </a:solidFill>
+                <a:latin typeface="Courier New"/>
+              </a:rPr>
+              <a:t> </a:t>
+            </a:r>
+            <a:r>
+              <a:rPr sz="1400">
+                <a:solidFill>
+                  <a:srgbClr val="000000"/>
+                </a:solidFill>
+                <a:latin typeface="Courier New"/>
+              </a:rPr>
+              <a:t>0</a:t>
+            </a:r>
+            <a:r>
+              <a:rPr sz="1400">
+                <a:solidFill>
+                  <a:srgbClr val="000000"/>
+                </a:solidFill>
+                <a:latin typeface="Courier New"/>
+              </a:rPr>
+              <a:t> </a:t>
+            </a:r>
+            <a:r>
+              <a:rPr sz="1400">
+                <a:solidFill>
+                  <a:srgbClr val="000000"/>
+                </a:solidFill>
+                <a:latin typeface="Courier New"/>
+              </a:rPr>
+              <a:t>DC</a:t>
+            </a:r>
+            <a:r>
+              <a:rPr sz="1400">
+                <a:solidFill>
+                  <a:srgbClr val="000000"/>
+                </a:solidFill>
+                <a:latin typeface="Courier New"/>
+              </a:rPr>
+              <a:t> </a:t>
+            </a:r>
+            <a:r>
+              <a:rPr sz="1400">
+                <a:solidFill>
+                  <a:srgbClr val="000000"/>
+                </a:solidFill>
+                <a:latin typeface="Courier New"/>
+              </a:rPr>
+              <a:t>+</a:t>
+            </a:r>
+            <a:r>
+              <a:rPr sz="1400">
+                <a:solidFill>
+                  <a:srgbClr val="000000"/>
+                </a:solidFill>
+                <a:latin typeface="Courier New"/>
+              </a:rPr>
+              <a:t>70</a:t>
+            </a:r>
+            <a:r>
+              <a:rPr sz="1400">
+                <a:solidFill>
+                  <a:srgbClr val="000000"/>
+                </a:solidFill>
+                <a:latin typeface="Courier New"/>
+              </a:rPr>
+              <a:t>VNEG1</a:t>
+            </a:r>
+            <a:r>
+              <a:rPr sz="1400">
+                <a:solidFill>
+                  <a:srgbClr val="000000"/>
+                </a:solidFill>
+                <a:latin typeface="Courier New"/>
+              </a:rPr>
+              <a:t> </a:t>
+            </a:r>
+            <a:r>
+              <a:rPr sz="1400">
+                <a:solidFill>
+                  <a:srgbClr val="000000"/>
+                </a:solidFill>
+                <a:latin typeface="Courier New"/>
+              </a:rPr>
+              <a:t>6</a:t>
+            </a:r>
+            <a:r>
+              <a:rPr sz="1400">
+                <a:solidFill>
+                  <a:srgbClr val="000000"/>
+                </a:solidFill>
+                <a:latin typeface="Courier New"/>
+              </a:rPr>
+              <a:t> </a:t>
+            </a:r>
+            <a:r>
+              <a:rPr sz="1400">
+                <a:solidFill>
+                  <a:srgbClr val="000000"/>
+                </a:solidFill>
+                <a:latin typeface="Courier New"/>
+              </a:rPr>
+              <a:t>0</a:t>
+            </a:r>
+            <a:r>
+              <a:rPr sz="1400">
+                <a:solidFill>
+                  <a:srgbClr val="000000"/>
+                </a:solidFill>
+                <a:latin typeface="Courier New"/>
+              </a:rPr>
+              <a:t> </a:t>
+            </a:r>
+            <a:r>
+              <a:rPr sz="1400">
+                <a:solidFill>
+                  <a:srgbClr val="000000"/>
+                </a:solidFill>
+                <a:latin typeface="Courier New"/>
+              </a:rPr>
+              <a:t>DC</a:t>
+            </a:r>
+            <a:r>
+              <a:rPr sz="1400">
+                <a:solidFill>
+                  <a:srgbClr val="000000"/>
+                </a:solidFill>
+                <a:latin typeface="Courier New"/>
+              </a:rPr>
+              <a:t> </a:t>
+            </a:r>
+            <a:r>
+              <a:rPr sz="1400">
+                <a:solidFill>
+                  <a:srgbClr val="000000"/>
+                </a:solidFill>
+                <a:latin typeface="Courier New"/>
+              </a:rPr>
+              <a:t>-</a:t>
+            </a:r>
+            <a:r>
+              <a:rPr sz="1400">
+                <a:solidFill>
+                  <a:srgbClr val="000000"/>
+                </a:solidFill>
+                <a:latin typeface="Courier New"/>
+              </a:rPr>
+              <a:t>70</a:t>
+            </a:r>
+            <a:r>
+              <a:rPr sz="1400">
+                <a:solidFill>
+                  <a:srgbClr val="000000"/>
+                </a:solidFill>
+                <a:latin typeface="Courier New"/>
+              </a:rPr>
+              <a:t>V</a:t>
+            </a:r>
+            <a:r>
+              <a:rPr sz="1400">
+                <a:solidFill>
+                  <a:srgbClr val="000000"/>
+                </a:solidFill>
+                <a:latin typeface="Courier New"/>
+              </a:rPr>
+              <a:t>VPOS2</a:t>
+            </a:r>
+            <a:r>
+              <a:rPr sz="1400">
+                <a:solidFill>
+                  <a:srgbClr val="000000"/>
+                </a:solidFill>
+                <a:latin typeface="Courier New"/>
+              </a:rPr>
+              <a:t> </a:t>
+            </a:r>
+            <a:r>
+              <a:rPr sz="1400">
+                <a:solidFill>
+                  <a:srgbClr val="000000"/>
+                </a:solidFill>
+                <a:latin typeface="Courier New"/>
+              </a:rPr>
+              <a:t>5</a:t>
+            </a:r>
+            <a:r>
+              <a:rPr sz="1400">
+                <a:solidFill>
+                  <a:srgbClr val="000000"/>
+                </a:solidFill>
+                <a:latin typeface="Courier New"/>
+              </a:rPr>
+              <a:t> </a:t>
+            </a:r>
+            <a:r>
+              <a:rPr sz="1400">
+                <a:solidFill>
+                  <a:srgbClr val="000000"/>
+                </a:solidFill>
+                <a:latin typeface="Courier New"/>
+              </a:rPr>
+              <a:t>0</a:t>
+            </a:r>
+            <a:r>
+              <a:rPr sz="1400">
+                <a:solidFill>
+                  <a:srgbClr val="000000"/>
+                </a:solidFill>
+                <a:latin typeface="Courier New"/>
+              </a:rPr>
+              <a:t> </a:t>
+            </a:r>
+            <a:r>
+              <a:rPr sz="1400">
+                <a:solidFill>
+                  <a:srgbClr val="000000"/>
+                </a:solidFill>
+                <a:latin typeface="Courier New"/>
+              </a:rPr>
+              <a:t>DC</a:t>
+            </a:r>
+            <a:r>
+              <a:rPr sz="1400">
+                <a:solidFill>
+                  <a:srgbClr val="000000"/>
+                </a:solidFill>
+                <a:latin typeface="Courier New"/>
+              </a:rPr>
+              <a:t> </a:t>
+            </a:r>
+            <a:r>
+              <a:rPr sz="1400">
+                <a:solidFill>
+                  <a:srgbClr val="000000"/>
+                </a:solidFill>
+                <a:latin typeface="Courier New"/>
+              </a:rPr>
+              <a:t>+</a:t>
+            </a:r>
+            <a:r>
+              <a:rPr sz="1400">
+                <a:solidFill>
+                  <a:srgbClr val="000000"/>
+                </a:solidFill>
+                <a:latin typeface="Courier New"/>
+              </a:rPr>
+              <a:t>20</a:t>
+            </a:r>
+            <a:r>
+              <a:rPr sz="1400">
+                <a:solidFill>
+                  <a:srgbClr val="000000"/>
+                </a:solidFill>
+                <a:latin typeface="Courier New"/>
+              </a:rPr>
+              <a:t>V</a:t>
+            </a:r>
+            <a:r>
+              <a:rPr sz="1400">
+                <a:solidFill>
+                  <a:srgbClr val="000000"/>
+                </a:solidFill>
+                <a:latin typeface="Courier New"/>
+              </a:rPr>
+              <a:t>VNEG2</a:t>
+            </a:r>
+            <a:r>
+              <a:rPr sz="1400">
+                <a:solidFill>
+                  <a:srgbClr val="000000"/>
+                </a:solidFill>
+                <a:latin typeface="Courier New"/>
+              </a:rPr>
+              <a:t> </a:t>
+            </a:r>
+            <a:r>
+              <a:rPr sz="1400">
+                <a:solidFill>
+                  <a:srgbClr val="000000"/>
+                </a:solidFill>
+                <a:latin typeface="Courier New"/>
+              </a:rPr>
+              <a:t>4</a:t>
+            </a:r>
+            <a:r>
+              <a:rPr sz="1400">
+                <a:solidFill>
+                  <a:srgbClr val="000000"/>
+                </a:solidFill>
+                <a:latin typeface="Courier New"/>
+              </a:rPr>
+              <a:t> </a:t>
+            </a:r>
+            <a:r>
+              <a:rPr sz="1400">
+                <a:solidFill>
+                  <a:srgbClr val="000000"/>
+                </a:solidFill>
+                <a:latin typeface="Courier New"/>
+              </a:rPr>
+              <a:t>0</a:t>
+            </a:r>
+            <a:r>
+              <a:rPr sz="1400">
+                <a:solidFill>
+                  <a:srgbClr val="000000"/>
+                </a:solidFill>
+                <a:latin typeface="Courier New"/>
+              </a:rPr>
+              <a:t> </a:t>
+            </a:r>
+            <a:r>
+              <a:rPr sz="1400">
+                <a:solidFill>
+                  <a:srgbClr val="000000"/>
+                </a:solidFill>
+                <a:latin typeface="Courier New"/>
+              </a:rPr>
+              <a:t>DC</a:t>
+            </a:r>
+            <a:r>
+              <a:rPr sz="1400">
+                <a:solidFill>
+                  <a:srgbClr val="000000"/>
+                </a:solidFill>
+                <a:latin typeface="Courier New"/>
+              </a:rPr>
+              <a:t> </a:t>
+            </a:r>
+            <a:r>
+              <a:rPr sz="1400">
+                <a:solidFill>
+                  <a:srgbClr val="000000"/>
+                </a:solidFill>
+                <a:latin typeface="Courier New"/>
+              </a:rPr>
+              <a:t>-</a:t>
+            </a:r>
+            <a:r>
+              <a:rPr sz="1400">
+                <a:solidFill>
+                  <a:srgbClr val="000000"/>
+                </a:solidFill>
+                <a:latin typeface="Courier New"/>
+              </a:rPr>
+              <a:t>20</a:t>
+            </a:r>
+            <a:r>
+              <a:rPr sz="1400">
+                <a:solidFill>
+                  <a:srgbClr val="000000"/>
+                </a:solidFill>
+                <a:latin typeface="Courier New"/>
+              </a:rPr>
+              <a:t>V</a:t>
+            </a:r>
+            <a:r>
+              <a:rPr sz="1400">
+                <a:solidFill>
+                  <a:srgbClr val="000000"/>
+                </a:solidFill>
+                <a:latin typeface="Courier New"/>
+              </a:rPr>
+              <a:t>*</a:t>
+            </a:r>
+            <a:r>
+              <a:rPr sz="1400">
+                <a:solidFill>
+                  <a:srgbClr val="000000"/>
+                </a:solidFill>
+                <a:latin typeface="Courier New"/>
+              </a:rPr>
+              <a:t>*</a:t>
+            </a:r>
+            <a:r>
+              <a:rPr sz="1400">
+                <a:solidFill>
+                  <a:srgbClr val="000000"/>
+                </a:solidFill>
+                <a:latin typeface="Courier New"/>
+              </a:rPr>
+              <a:t> </a:t>
+            </a:r>
+            <a:r>
+              <a:rPr sz="1400">
+                <a:solidFill>
+                  <a:srgbClr val="000000"/>
+                </a:solidFill>
+                <a:latin typeface="Courier New"/>
+              </a:rPr>
+              <a:t>input</a:t>
+            </a:r>
+            <a:r>
+              <a:rPr sz="1400">
+                <a:solidFill>
+                  <a:srgbClr val="000000"/>
+                </a:solidFill>
+                <a:latin typeface="Courier New"/>
+              </a:rPr>
+              <a:t> </a:t>
+            </a:r>
+            <a:r>
+              <a:rPr sz="1400">
+                <a:solidFill>
+                  <a:srgbClr val="000000"/>
+                </a:solidFill>
+                <a:latin typeface="Courier New"/>
+              </a:rPr>
+              <a:t>source</a:t>
+            </a:r>
+            <a:r>
+              <a:rPr sz="1400">
+                <a:solidFill>
+                  <a:srgbClr val="000000"/>
+                </a:solidFill>
+                <a:latin typeface="Courier New"/>
+              </a:rPr>
+              <a:t>VS1</a:t>
+            </a:r>
+            <a:r>
+              <a:rPr sz="1400">
+                <a:solidFill>
+                  <a:srgbClr val="000000"/>
+                </a:solidFill>
+                <a:latin typeface="Courier New"/>
+              </a:rPr>
+              <a:t> </a:t>
+            </a:r>
+            <a:r>
+              <a:rPr sz="1400">
+                <a:solidFill>
+                  <a:srgbClr val="000000"/>
+                </a:solidFill>
+                <a:latin typeface="Courier New"/>
+              </a:rPr>
+              <a:t>1</a:t>
+            </a:r>
+            <a:r>
+              <a:rPr sz="1400">
+                <a:solidFill>
+                  <a:srgbClr val="000000"/>
+                </a:solidFill>
+                <a:latin typeface="Courier New"/>
+              </a:rPr>
+              <a:t> </a:t>
+            </a:r>
+            <a:r>
+              <a:rPr sz="1400">
+                <a:solidFill>
+                  <a:srgbClr val="000000"/>
+                </a:solidFill>
+                <a:latin typeface="Courier New"/>
+              </a:rPr>
+              <a:t>0</a:t>
+            </a:r>
+            <a:r>
+              <a:rPr sz="1400">
+                <a:solidFill>
+                  <a:srgbClr val="000000"/>
+                </a:solidFill>
+                <a:latin typeface="Courier New"/>
+              </a:rPr>
+              <a:t> </a:t>
+            </a:r>
+            <a:r>
+              <a:rPr sz="1400">
+                <a:solidFill>
+                  <a:srgbClr val="000000"/>
+                </a:solidFill>
+                <a:latin typeface="Courier New"/>
+              </a:rPr>
+              <a:t>DC</a:t>
+            </a:r>
+            <a:r>
+              <a:rPr sz="1400">
+                <a:solidFill>
+                  <a:srgbClr val="000000"/>
+                </a:solidFill>
+                <a:latin typeface="Courier New"/>
+              </a:rPr>
+              <a:t> </a:t>
+            </a:r>
+            <a:r>
+              <a:rPr sz="1400">
+                <a:solidFill>
+                  <a:srgbClr val="000000"/>
+                </a:solidFill>
+                <a:latin typeface="Courier New"/>
+              </a:rPr>
+              <a:t>0</a:t>
+            </a:r>
+            <a:r>
+              <a:rPr sz="1400">
+                <a:solidFill>
+                  <a:srgbClr val="000000"/>
+                </a:solidFill>
+                <a:latin typeface="Courier New"/>
+              </a:rPr>
+              <a:t> </a:t>
+            </a:r>
+            <a:r>
+              <a:rPr sz="1400">
+                <a:solidFill>
+                  <a:srgbClr val="000000"/>
+                </a:solidFill>
+                <a:latin typeface="Courier New"/>
+              </a:rPr>
+              <a:t>SIN</a:t>
+            </a:r>
+            <a:r>
+              <a:rPr sz="1400">
+                <a:solidFill>
+                  <a:srgbClr val="000000"/>
+                </a:solidFill>
+                <a:latin typeface="Courier New"/>
+              </a:rPr>
+              <a:t>(</a:t>
+            </a:r>
+            <a:r>
+              <a:rPr sz="1400">
+                <a:solidFill>
+                  <a:srgbClr val="000000"/>
+                </a:solidFill>
+                <a:latin typeface="Courier New"/>
+              </a:rPr>
+              <a:t>0</a:t>
+            </a:r>
+            <a:r>
+              <a:rPr sz="1400">
+                <a:solidFill>
+                  <a:srgbClr val="000000"/>
+                </a:solidFill>
+                <a:latin typeface="Courier New"/>
+              </a:rPr>
+              <a:t>V</a:t>
+            </a:r>
+            <a:r>
+              <a:rPr sz="1400">
+                <a:solidFill>
+                  <a:srgbClr val="000000"/>
+                </a:solidFill>
+                <a:latin typeface="Courier New"/>
+              </a:rPr>
+              <a:t> </a:t>
+            </a:r>
+            <a:r>
+              <a:rPr sz="1400">
+                <a:solidFill>
+                  <a:srgbClr val="000000"/>
+                </a:solidFill>
+                <a:latin typeface="Courier New"/>
+              </a:rPr>
+              <a:t>48</a:t>
+            </a:r>
+            <a:r>
+              <a:rPr sz="1400">
+                <a:solidFill>
+                  <a:srgbClr val="000000"/>
+                </a:solidFill>
+                <a:latin typeface="Courier New"/>
+              </a:rPr>
+              <a:t>VPEAK</a:t>
+            </a:r>
+            <a:r>
+              <a:rPr sz="1400">
+                <a:solidFill>
+                  <a:srgbClr val="000000"/>
+                </a:solidFill>
+                <a:latin typeface="Courier New"/>
+              </a:rPr>
+              <a:t> </a:t>
+            </a:r>
+            <a:r>
+              <a:rPr sz="1400">
+                <a:solidFill>
+                  <a:srgbClr val="000000"/>
+                </a:solidFill>
+                <a:latin typeface="Courier New"/>
+              </a:rPr>
+              <a:t>10</a:t>
+            </a:r>
+            <a:r>
+              <a:rPr sz="1400">
+                <a:solidFill>
+                  <a:srgbClr val="000000"/>
+                </a:solidFill>
+                <a:latin typeface="Courier New"/>
+              </a:rPr>
+              <a:t>KHZ</a:t>
+            </a:r>
+            <a:r>
+              <a:rPr sz="1400">
+                <a:solidFill>
+                  <a:srgbClr val="000000"/>
+                </a:solidFill>
+                <a:latin typeface="Courier New"/>
+              </a:rPr>
+              <a:t>)</a:t>
+            </a:r>
+            <a:r>
+              <a:rPr sz="1400">
+                <a:solidFill>
+                  <a:srgbClr val="000000"/>
+                </a:solidFill>
+                <a:latin typeface="Courier New"/>
+              </a:rPr>
+              <a:t>*</a:t>
+            </a:r>
+            <a:r>
+              <a:rPr sz="1400">
+                <a:solidFill>
+                  <a:srgbClr val="000000"/>
+                </a:solidFill>
+                <a:latin typeface="Courier New"/>
+              </a:rPr>
+              <a:t>*</a:t>
+            </a:r>
+            <a:r>
+              <a:rPr sz="1400">
+                <a:solidFill>
+                  <a:srgbClr val="000000"/>
+                </a:solidFill>
+                <a:latin typeface="Courier New"/>
+              </a:rPr>
+              <a:t> </a:t>
+            </a:r>
+            <a:r>
+              <a:rPr sz="1400">
+                <a:solidFill>
+                  <a:srgbClr val="000000"/>
+                </a:solidFill>
+                <a:latin typeface="Courier New"/>
+              </a:rPr>
+              <a:t>PUSH</a:t>
+            </a:r>
+            <a:r>
+              <a:rPr sz="1400">
+                <a:solidFill>
+                  <a:srgbClr val="000000"/>
+                </a:solidFill>
+                <a:latin typeface="Courier New"/>
+              </a:rPr>
+              <a:t>-</a:t>
+            </a:r>
+            <a:r>
+              <a:rPr sz="1400">
+                <a:solidFill>
+                  <a:srgbClr val="000000"/>
+                </a:solidFill>
+                <a:latin typeface="Courier New"/>
+              </a:rPr>
+              <a:t>PULL</a:t>
+            </a:r>
+            <a:r>
+              <a:rPr sz="1400">
+                <a:solidFill>
+                  <a:srgbClr val="000000"/>
+                </a:solidFill>
+                <a:latin typeface="Courier New"/>
+              </a:rPr>
+              <a:t> </a:t>
+            </a:r>
+            <a:r>
+              <a:rPr sz="1400">
+                <a:solidFill>
+                  <a:srgbClr val="000000"/>
+                </a:solidFill>
+                <a:latin typeface="Courier New"/>
+              </a:rPr>
+              <a:t>TRANSISTOR</a:t>
+            </a:r>
+            <a:r>
+              <a:rPr sz="1400">
+                <a:solidFill>
+                  <a:srgbClr val="000000"/>
+                </a:solidFill>
+                <a:latin typeface="Courier New"/>
+              </a:rPr>
+              <a:t> </a:t>
+            </a:r>
+            <a:r>
+              <a:rPr sz="1400">
+                <a:solidFill>
+                  <a:srgbClr val="000000"/>
+                </a:solidFill>
+                <a:latin typeface="Courier New"/>
+              </a:rPr>
+              <a:t>OUTPUT</a:t>
+            </a:r>
+            <a:r>
+              <a:rPr sz="1400">
+                <a:solidFill>
+                  <a:srgbClr val="000000"/>
+                </a:solidFill>
+                <a:latin typeface="Courier New"/>
+              </a:rPr>
+              <a:t> </a:t>
+            </a:r>
+            <a:r>
+              <a:rPr sz="1400">
+                <a:solidFill>
+                  <a:srgbClr val="000000"/>
+                </a:solidFill>
+                <a:latin typeface="Courier New"/>
+              </a:rPr>
+              <a:t>STAGE</a:t>
+            </a:r>
+            <a:r>
+              <a:rPr sz="1400">
+                <a:solidFill>
+                  <a:srgbClr val="000000"/>
+                </a:solidFill>
+                <a:latin typeface="Courier New"/>
+              </a:rPr>
+              <a:t>Q1h</a:t>
+            </a:r>
+            <a:r>
+              <a:rPr sz="1400">
+                <a:solidFill>
+                  <a:srgbClr val="000000"/>
+                </a:solidFill>
+                <a:latin typeface="Courier New"/>
+              </a:rPr>
+              <a:t> </a:t>
+            </a:r>
+            <a:r>
+              <a:rPr sz="1400">
+                <a:solidFill>
+                  <a:srgbClr val="000000"/>
+                </a:solidFill>
+                <a:latin typeface="Courier New"/>
+              </a:rPr>
+              <a:t>8</a:t>
+            </a:r>
+            <a:r>
+              <a:rPr sz="1400">
+                <a:solidFill>
+                  <a:srgbClr val="000000"/>
+                </a:solidFill>
+                <a:latin typeface="Courier New"/>
+              </a:rPr>
+              <a:t> </a:t>
+            </a:r>
+            <a:r>
+              <a:rPr sz="1400">
+                <a:solidFill>
+                  <a:srgbClr val="000000"/>
+                </a:solidFill>
+                <a:latin typeface="Courier New"/>
+              </a:rPr>
+              <a:t>1</a:t>
+            </a:r>
+            <a:r>
+              <a:rPr sz="1400">
+                <a:solidFill>
+                  <a:srgbClr val="000000"/>
+                </a:solidFill>
+                <a:latin typeface="Courier New"/>
+              </a:rPr>
+              <a:t> </a:t>
+            </a:r>
+            <a:r>
+              <a:rPr sz="1400">
+                <a:solidFill>
+                  <a:srgbClr val="000000"/>
+                </a:solidFill>
+                <a:latin typeface="Courier New"/>
+              </a:rPr>
+              <a:t>9</a:t>
+            </a:r>
+            <a:r>
+              <a:rPr sz="1400">
+                <a:solidFill>
+                  <a:srgbClr val="000000"/>
+                </a:solidFill>
+                <a:latin typeface="Courier New"/>
+              </a:rPr>
+              <a:t> </a:t>
+            </a:r>
+            <a:r>
+              <a:rPr sz="1400">
+                <a:solidFill>
+                  <a:srgbClr val="000000"/>
+                </a:solidFill>
+                <a:latin typeface="Courier New"/>
+              </a:rPr>
+              <a:t>QNPN</a:t>
+            </a:r>
+            <a:r>
+              <a:rPr sz="1400">
+                <a:solidFill>
+                  <a:srgbClr val="000000"/>
+                </a:solidFill>
+                <a:latin typeface="Courier New"/>
+              </a:rPr>
+              <a:t>Q1s</a:t>
+            </a:r>
+            <a:r>
+              <a:rPr sz="1400">
+                <a:solidFill>
+                  <a:srgbClr val="000000"/>
+                </a:solidFill>
+                <a:latin typeface="Courier New"/>
+              </a:rPr>
+              <a:t> </a:t>
+            </a:r>
+            <a:r>
+              <a:rPr sz="1400">
+                <a:solidFill>
+                  <a:srgbClr val="000000"/>
+                </a:solidFill>
+                <a:latin typeface="Courier New"/>
+              </a:rPr>
+              <a:t>9</a:t>
+            </a:r>
+            <a:r>
+              <a:rPr sz="1400">
+                <a:solidFill>
+                  <a:srgbClr val="000000"/>
+                </a:solidFill>
+                <a:latin typeface="Courier New"/>
+              </a:rPr>
+              <a:t> </a:t>
+            </a:r>
+            <a:r>
+              <a:rPr sz="1400">
+                <a:solidFill>
+                  <a:srgbClr val="000000"/>
+                </a:solidFill>
+                <a:latin typeface="Courier New"/>
+              </a:rPr>
+              <a:t>12</a:t>
+            </a:r>
+            <a:r>
+              <a:rPr sz="1400">
+                <a:solidFill>
+                  <a:srgbClr val="000000"/>
+                </a:solidFill>
+                <a:latin typeface="Courier New"/>
+              </a:rPr>
+              <a:t> </a:t>
+            </a:r>
+            <a:r>
+              <a:rPr sz="1400">
+                <a:solidFill>
+                  <a:srgbClr val="000000"/>
+                </a:solidFill>
+                <a:latin typeface="Courier New"/>
+              </a:rPr>
+              <a:t>2</a:t>
+            </a:r>
+            <a:r>
+              <a:rPr sz="1400">
+                <a:solidFill>
+                  <a:srgbClr val="000000"/>
+                </a:solidFill>
+                <a:latin typeface="Courier New"/>
+              </a:rPr>
+              <a:t> </a:t>
+            </a:r>
+            <a:r>
+              <a:rPr sz="1400">
+                <a:solidFill>
+                  <a:srgbClr val="000000"/>
+                </a:solidFill>
+                <a:latin typeface="Courier New"/>
+              </a:rPr>
+              <a:t>QNPN</a:t>
+            </a:r>
+          </a:p>
+        </p:txBody>
+      </p:sp>
+      <p:sp>
+        <p:nvSpPr>
+          <p:cNvPr id="3" name="Title 2"/>
+          <p:cNvSpPr>
+            <a:spLocks noGrp="1"/>
+          </p:cNvSpPr>
+          <p:nvPr>
+            <p:ph type="title"/>
+          </p:nvPr>
+        </p:nvSpPr>
+        <p:spPr/>
+        <p:txBody>
+          <a:bodyPr wrap="square">
+            <a:noAutofit/>
+          </a:bodyPr>
+          <a:lstStyle/>
+          <a:p>
+            <a:r>
+              <a:rPr sz="3200" b="1" i="0">
+                <a:latin typeface="Arial"/>
+              </a:rPr>
+              <a:t>spice code basis Klasse G circuit</a:t>
+            </a:r>
+            <a:endParaRPr sz="3200" b="1" i="0">
+              <a:latin typeface="Arial"/>
+            </a:endParaRPr>
+          </a:p>
+        </p:txBody>
+      </p:sp>
+    </p:spTree>
+  </p:cSld>
+  <p:clrMapOvr>
+    <a:masterClrMapping/>
+  </p:clrMapOvr>
+</p:sld>
+</file>
+
+<file path=ppt/slides/slide13.xml><?xml version="1.0" encoding="utf-8"?>
+<p:sld xmlns:a="http://schemas.openxmlformats.org/drawingml/2006/main" xmlns:p="http://schemas.openxmlformats.org/presentationml/2006/main" xmlns:r="http://schemas.openxmlformats.org/officeDocument/2006/relationships">
+  <p:cSld>
+    <p:spTree>
+      <p:nvGrpSpPr>
+        <p:cNvPr id="1" name=""/>
+        <p:cNvGrpSpPr/>
+        <p:nvPr/>
+      </p:nvGrpSpPr>
+      <p:grpSpPr/>
+      <p:sp>
+        <p:nvSpPr>
+          <p:cNvPr id="2" name="Content Placeholder 1"/>
+          <p:cNvSpPr>
+            <a:spLocks noGrp="1"/>
+          </p:cNvSpPr>
+          <p:nvPr>
+            <p:ph idx="1"/>
+          </p:nvPr>
+        </p:nvSpPr>
+        <p:spPr/>
+        <p:txBody>
+          <a:bodyPr/>
+          <a:lstStyle/>
+          <a:p>
+            <a:r>
+              <a:rPr sz="1400">
+                <a:solidFill>
+                  <a:srgbClr val="000000"/>
+                </a:solidFill>
+                <a:latin typeface="Courier New"/>
+              </a:rPr>
+              <a:t>Q2s</a:t>
+            </a:r>
+            <a:r>
+              <a:rPr sz="1400">
+                <a:solidFill>
+                  <a:srgbClr val="000000"/>
+                </a:solidFill>
+                <a:latin typeface="Courier New"/>
+              </a:rPr>
+              <a:t> </a:t>
+            </a:r>
+            <a:r>
+              <a:rPr sz="1400">
+                <a:solidFill>
+                  <a:srgbClr val="000000"/>
+                </a:solidFill>
+                <a:latin typeface="Courier New"/>
+              </a:rPr>
+              <a:t>7</a:t>
+            </a:r>
+            <a:r>
+              <a:rPr sz="1400">
+                <a:solidFill>
+                  <a:srgbClr val="000000"/>
+                </a:solidFill>
+                <a:latin typeface="Courier New"/>
+              </a:rPr>
+              <a:t> </a:t>
+            </a:r>
+            <a:r>
+              <a:rPr sz="1400">
+                <a:solidFill>
+                  <a:srgbClr val="000000"/>
+                </a:solidFill>
+                <a:latin typeface="Courier New"/>
+              </a:rPr>
+              <a:t>13</a:t>
+            </a:r>
+            <a:r>
+              <a:rPr sz="1400">
+                <a:solidFill>
+                  <a:srgbClr val="000000"/>
+                </a:solidFill>
+                <a:latin typeface="Courier New"/>
+              </a:rPr>
+              <a:t> </a:t>
+            </a:r>
+            <a:r>
+              <a:rPr sz="1400">
+                <a:solidFill>
+                  <a:srgbClr val="000000"/>
+                </a:solidFill>
+                <a:latin typeface="Courier New"/>
+              </a:rPr>
+              <a:t>2</a:t>
+            </a:r>
+            <a:r>
+              <a:rPr sz="1400">
+                <a:solidFill>
+                  <a:srgbClr val="000000"/>
+                </a:solidFill>
+                <a:latin typeface="Courier New"/>
+              </a:rPr>
+              <a:t> </a:t>
+            </a:r>
+            <a:r>
+              <a:rPr sz="1400">
+                <a:solidFill>
+                  <a:srgbClr val="000000"/>
+                </a:solidFill>
+                <a:latin typeface="Courier New"/>
+              </a:rPr>
+              <a:t>QPNP</a:t>
+            </a:r>
+            <a:r>
+              <a:rPr sz="1400">
+                <a:solidFill>
+                  <a:srgbClr val="000000"/>
+                </a:solidFill>
+                <a:latin typeface="Courier New"/>
+              </a:rPr>
+              <a:t>Q2h</a:t>
+            </a:r>
+            <a:r>
+              <a:rPr sz="1400">
+                <a:solidFill>
+                  <a:srgbClr val="000000"/>
+                </a:solidFill>
+                <a:latin typeface="Courier New"/>
+              </a:rPr>
+              <a:t> </a:t>
+            </a:r>
+            <a:r>
+              <a:rPr sz="1400">
+                <a:solidFill>
+                  <a:srgbClr val="000000"/>
+                </a:solidFill>
+                <a:latin typeface="Courier New"/>
+              </a:rPr>
+              <a:t>6</a:t>
+            </a:r>
+            <a:r>
+              <a:rPr sz="1400">
+                <a:solidFill>
+                  <a:srgbClr val="000000"/>
+                </a:solidFill>
+                <a:latin typeface="Courier New"/>
+              </a:rPr>
+              <a:t> </a:t>
+            </a:r>
+            <a:r>
+              <a:rPr sz="1400">
+                <a:solidFill>
+                  <a:srgbClr val="000000"/>
+                </a:solidFill>
+                <a:latin typeface="Courier New"/>
+              </a:rPr>
+              <a:t>1</a:t>
+            </a:r>
+            <a:r>
+              <a:rPr sz="1400">
+                <a:solidFill>
+                  <a:srgbClr val="000000"/>
+                </a:solidFill>
+                <a:latin typeface="Courier New"/>
+              </a:rPr>
+              <a:t> </a:t>
+            </a:r>
+            <a:r>
+              <a:rPr sz="1400">
+                <a:solidFill>
+                  <a:srgbClr val="000000"/>
+                </a:solidFill>
+                <a:latin typeface="Courier New"/>
+              </a:rPr>
+              <a:t>7</a:t>
+            </a:r>
+            <a:r>
+              <a:rPr sz="1400">
+                <a:solidFill>
+                  <a:srgbClr val="000000"/>
+                </a:solidFill>
+                <a:latin typeface="Courier New"/>
+              </a:rPr>
+              <a:t> </a:t>
+            </a:r>
+            <a:r>
+              <a:rPr sz="1400">
+                <a:solidFill>
+                  <a:srgbClr val="000000"/>
+                </a:solidFill>
+                <a:latin typeface="Courier New"/>
+              </a:rPr>
+              <a:t>QPNP</a:t>
+            </a:r>
+            <a:r>
+              <a:rPr sz="1400">
+                <a:solidFill>
+                  <a:srgbClr val="000000"/>
+                </a:solidFill>
+                <a:latin typeface="Courier New"/>
+              </a:rPr>
+              <a:t>*</a:t>
+            </a:r>
+            <a:r>
+              <a:rPr sz="1400">
+                <a:solidFill>
+                  <a:srgbClr val="000000"/>
+                </a:solidFill>
+                <a:latin typeface="Courier New"/>
+              </a:rPr>
+              <a:t>Dpos</a:t>
+            </a:r>
+            <a:r>
+              <a:rPr sz="1400">
+                <a:solidFill>
+                  <a:srgbClr val="000000"/>
+                </a:solidFill>
+                <a:latin typeface="Courier New"/>
+              </a:rPr>
+              <a:t> </a:t>
+            </a:r>
+            <a:r>
+              <a:rPr sz="1400">
+                <a:solidFill>
+                  <a:srgbClr val="000000"/>
+                </a:solidFill>
+                <a:latin typeface="Courier New"/>
+              </a:rPr>
+              <a:t>5</a:t>
+            </a:r>
+            <a:r>
+              <a:rPr sz="1400">
+                <a:solidFill>
+                  <a:srgbClr val="000000"/>
+                </a:solidFill>
+                <a:latin typeface="Courier New"/>
+              </a:rPr>
+              <a:t> </a:t>
+            </a:r>
+            <a:r>
+              <a:rPr sz="1400">
+                <a:solidFill>
+                  <a:srgbClr val="000000"/>
+                </a:solidFill>
+                <a:latin typeface="Courier New"/>
+              </a:rPr>
+              <a:t>9</a:t>
+            </a:r>
+            <a:r>
+              <a:rPr sz="1400">
+                <a:solidFill>
+                  <a:srgbClr val="000000"/>
+                </a:solidFill>
+                <a:latin typeface="Courier New"/>
+              </a:rPr>
+              <a:t> </a:t>
+            </a:r>
+            <a:r>
+              <a:rPr sz="1400">
+                <a:solidFill>
+                  <a:srgbClr val="000000"/>
+                </a:solidFill>
+                <a:latin typeface="Courier New"/>
+              </a:rPr>
+              <a:t>DNOM</a:t>
+            </a:r>
+            <a:r>
+              <a:rPr sz="1400">
+                <a:solidFill>
+                  <a:srgbClr val="000000"/>
+                </a:solidFill>
+                <a:latin typeface="Courier New"/>
+              </a:rPr>
+              <a:t>Dneg</a:t>
+            </a:r>
+            <a:r>
+              <a:rPr sz="1400">
+                <a:solidFill>
+                  <a:srgbClr val="000000"/>
+                </a:solidFill>
+                <a:latin typeface="Courier New"/>
+              </a:rPr>
+              <a:t> </a:t>
+            </a:r>
+            <a:r>
+              <a:rPr sz="1400">
+                <a:solidFill>
+                  <a:srgbClr val="000000"/>
+                </a:solidFill>
+                <a:latin typeface="Courier New"/>
+              </a:rPr>
+              <a:t>7</a:t>
+            </a:r>
+            <a:r>
+              <a:rPr sz="1400">
+                <a:solidFill>
+                  <a:srgbClr val="000000"/>
+                </a:solidFill>
+                <a:latin typeface="Courier New"/>
+              </a:rPr>
+              <a:t> </a:t>
+            </a:r>
+            <a:r>
+              <a:rPr sz="1400">
+                <a:solidFill>
+                  <a:srgbClr val="000000"/>
+                </a:solidFill>
+                <a:latin typeface="Courier New"/>
+              </a:rPr>
+              <a:t>4</a:t>
+            </a:r>
+            <a:r>
+              <a:rPr sz="1400">
+                <a:solidFill>
+                  <a:srgbClr val="000000"/>
+                </a:solidFill>
+                <a:latin typeface="Courier New"/>
+              </a:rPr>
+              <a:t> </a:t>
+            </a:r>
+            <a:r>
+              <a:rPr sz="1400">
+                <a:solidFill>
+                  <a:srgbClr val="000000"/>
+                </a:solidFill>
+                <a:latin typeface="Courier New"/>
+              </a:rPr>
+              <a:t>DNOM</a:t>
+            </a:r>
+            <a:r>
+              <a:rPr sz="1400">
+                <a:solidFill>
+                  <a:srgbClr val="000000"/>
+                </a:solidFill>
+                <a:latin typeface="Courier New"/>
+              </a:rPr>
+              <a:t>*</a:t>
+            </a:r>
+            <a:r>
+              <a:rPr sz="1400">
+                <a:solidFill>
+                  <a:srgbClr val="000000"/>
+                </a:solidFill>
+                <a:latin typeface="Courier New"/>
+              </a:rPr>
+              <a:t>*</a:t>
+            </a:r>
+            <a:r>
+              <a:rPr sz="1400">
+                <a:solidFill>
+                  <a:srgbClr val="000000"/>
+                </a:solidFill>
+                <a:latin typeface="Courier New"/>
+              </a:rPr>
+              <a:t>compensatie</a:t>
+            </a:r>
+            <a:r>
+              <a:rPr sz="1400">
+                <a:solidFill>
+                  <a:srgbClr val="000000"/>
+                </a:solidFill>
+                <a:latin typeface="Courier New"/>
+              </a:rPr>
+              <a:t> </a:t>
+            </a:r>
+            <a:r>
+              <a:rPr sz="1400">
+                <a:solidFill>
+                  <a:srgbClr val="000000"/>
+                </a:solidFill>
+                <a:latin typeface="Courier New"/>
+              </a:rPr>
+              <a:t>Vsat</a:t>
+            </a:r>
+            <a:r>
+              <a:rPr sz="1400">
+                <a:solidFill>
+                  <a:srgbClr val="000000"/>
+                </a:solidFill>
+                <a:latin typeface="Courier New"/>
+              </a:rPr>
+              <a:t>Db1</a:t>
+            </a:r>
+            <a:r>
+              <a:rPr sz="1400">
+                <a:solidFill>
+                  <a:srgbClr val="000000"/>
+                </a:solidFill>
+                <a:latin typeface="Courier New"/>
+              </a:rPr>
+              <a:t> </a:t>
+            </a:r>
+            <a:r>
+              <a:rPr sz="1400">
+                <a:solidFill>
+                  <a:srgbClr val="000000"/>
+                </a:solidFill>
+                <a:latin typeface="Courier New"/>
+              </a:rPr>
+              <a:t>1</a:t>
+            </a:r>
+            <a:r>
+              <a:rPr sz="1400">
+                <a:solidFill>
+                  <a:srgbClr val="000000"/>
+                </a:solidFill>
+                <a:latin typeface="Courier New"/>
+              </a:rPr>
+              <a:t> </a:t>
+            </a:r>
+            <a:r>
+              <a:rPr sz="1400">
+                <a:solidFill>
+                  <a:srgbClr val="000000"/>
+                </a:solidFill>
+                <a:latin typeface="Courier New"/>
+              </a:rPr>
+              <a:t>12</a:t>
+            </a:r>
+            <a:r>
+              <a:rPr sz="1400">
+                <a:solidFill>
+                  <a:srgbClr val="000000"/>
+                </a:solidFill>
+                <a:latin typeface="Courier New"/>
+              </a:rPr>
+              <a:t> </a:t>
+            </a:r>
+            <a:r>
+              <a:rPr sz="1400">
+                <a:solidFill>
+                  <a:srgbClr val="000000"/>
+                </a:solidFill>
+                <a:latin typeface="Courier New"/>
+              </a:rPr>
+              <a:t>DNOM</a:t>
+            </a:r>
+            <a:r>
+              <a:rPr sz="1400">
+                <a:solidFill>
+                  <a:srgbClr val="000000"/>
+                </a:solidFill>
+                <a:latin typeface="Courier New"/>
+              </a:rPr>
+              <a:t>Db4</a:t>
+            </a:r>
+            <a:r>
+              <a:rPr sz="1400">
+                <a:solidFill>
+                  <a:srgbClr val="000000"/>
+                </a:solidFill>
+                <a:latin typeface="Courier New"/>
+              </a:rPr>
+              <a:t> </a:t>
+            </a:r>
+            <a:r>
+              <a:rPr sz="1400">
+                <a:solidFill>
+                  <a:srgbClr val="000000"/>
+                </a:solidFill>
+                <a:latin typeface="Courier New"/>
+              </a:rPr>
+              <a:t>13</a:t>
+            </a:r>
+            <a:r>
+              <a:rPr sz="1400">
+                <a:solidFill>
+                  <a:srgbClr val="000000"/>
+                </a:solidFill>
+                <a:latin typeface="Courier New"/>
+              </a:rPr>
+              <a:t> </a:t>
+            </a:r>
+            <a:r>
+              <a:rPr sz="1400">
+                <a:solidFill>
+                  <a:srgbClr val="000000"/>
+                </a:solidFill>
+                <a:latin typeface="Courier New"/>
+              </a:rPr>
+              <a:t>1</a:t>
+            </a:r>
+            <a:r>
+              <a:rPr sz="1400">
+                <a:solidFill>
+                  <a:srgbClr val="000000"/>
+                </a:solidFill>
+                <a:latin typeface="Courier New"/>
+              </a:rPr>
+              <a:t> </a:t>
+            </a:r>
+            <a:r>
+              <a:rPr sz="1400">
+                <a:solidFill>
+                  <a:srgbClr val="000000"/>
+                </a:solidFill>
+                <a:latin typeface="Courier New"/>
+              </a:rPr>
+              <a:t>DNOM</a:t>
+            </a:r>
+            <a:r>
+              <a:rPr sz="1400">
+                <a:solidFill>
+                  <a:srgbClr val="000000"/>
+                </a:solidFill>
+                <a:latin typeface="Courier New"/>
+              </a:rPr>
+              <a:t>*</a:t>
+            </a:r>
+            <a:r>
+              <a:rPr sz="1400">
+                <a:solidFill>
+                  <a:srgbClr val="000000"/>
+                </a:solidFill>
+                <a:latin typeface="Courier New"/>
+              </a:rPr>
+              <a:t>*</a:t>
+            </a:r>
+            <a:r>
+              <a:rPr sz="1400">
+                <a:solidFill>
+                  <a:srgbClr val="000000"/>
+                </a:solidFill>
+                <a:latin typeface="Courier New"/>
+              </a:rPr>
+              <a:t> </a:t>
+            </a:r>
+            <a:r>
+              <a:rPr sz="1400">
+                <a:solidFill>
+                  <a:srgbClr val="000000"/>
+                </a:solidFill>
+                <a:latin typeface="Courier New"/>
+              </a:rPr>
+              <a:t>Load</a:t>
+            </a:r>
+            <a:r>
+              <a:rPr sz="1400">
+                <a:solidFill>
+                  <a:srgbClr val="000000"/>
+                </a:solidFill>
+                <a:latin typeface="Courier New"/>
+              </a:rPr>
+              <a:t> </a:t>
+            </a:r>
+            <a:r>
+              <a:rPr sz="1400">
+                <a:solidFill>
+                  <a:srgbClr val="000000"/>
+                </a:solidFill>
+                <a:latin typeface="Courier New"/>
+              </a:rPr>
+              <a:t>resistance</a:t>
+            </a:r>
+          </a:p>
+        </p:txBody>
+      </p:sp>
+      <p:sp>
+        <p:nvSpPr>
+          <p:cNvPr id="3" name="Title 2"/>
+          <p:cNvSpPr>
+            <a:spLocks noGrp="1"/>
+          </p:cNvSpPr>
+          <p:nvPr>
+            <p:ph type="title"/>
+          </p:nvPr>
+        </p:nvSpPr>
+        <p:spPr/>
+        <p:txBody>
+          <a:bodyPr wrap="square">
+            <a:noAutofit/>
+          </a:bodyPr>
+          <a:lstStyle/>
+          <a:p>
+            <a:r>
+              <a:rPr sz="3200" b="1" i="0">
+                <a:latin typeface="Arial"/>
+              </a:rPr>
+              <a:t>spice code basis Klasse G circuit</a:t>
+            </a:r>
+            <a:endParaRPr sz="3200" b="1" i="0">
+              <a:latin typeface="Arial"/>
+            </a:endParaRPr>
+          </a:p>
+        </p:txBody>
+      </p:sp>
+    </p:spTree>
+  </p:cSld>
+  <p:clrMapOvr>
+    <a:masterClrMapping/>
+  </p:clrMapOvr>
+</p:sld>
+</file>
+
+<file path=ppt/slides/slide14.xml><?xml version="1.0" encoding="utf-8"?>
+<p:sld xmlns:a="http://schemas.openxmlformats.org/drawingml/2006/main" xmlns:p="http://schemas.openxmlformats.org/presentationml/2006/main" xmlns:r="http://schemas.openxmlformats.org/officeDocument/2006/relationships">
+  <p:cSld>
+    <p:spTree>
+      <p:nvGrpSpPr>
+        <p:cNvPr id="1" name=""/>
+        <p:cNvGrpSpPr/>
+        <p:nvPr/>
+      </p:nvGrpSpPr>
+      <p:grpSpPr/>
+      <p:sp>
+        <p:nvSpPr>
+          <p:cNvPr id="2" name="Content Placeholder 1"/>
+          <p:cNvSpPr>
+            <a:spLocks noGrp="1"/>
+          </p:cNvSpPr>
+          <p:nvPr>
+            <p:ph idx="1"/>
+          </p:nvPr>
+        </p:nvSpPr>
+        <p:spPr/>
+        <p:txBody>
+          <a:bodyPr/>
+          <a:lstStyle/>
+          <a:p>
+            <a:r>
+              <a:rPr sz="1400">
+                <a:solidFill>
+                  <a:srgbClr val="000000"/>
+                </a:solidFill>
+                <a:latin typeface="Courier New"/>
+              </a:rPr>
+              <a:t>RL1</a:t>
+            </a:r>
+            <a:r>
+              <a:rPr sz="1400">
+                <a:solidFill>
+                  <a:srgbClr val="000000"/>
+                </a:solidFill>
+                <a:latin typeface="Courier New"/>
+              </a:rPr>
+              <a:t> </a:t>
+            </a:r>
+            <a:r>
+              <a:rPr sz="1400">
+                <a:solidFill>
+                  <a:srgbClr val="000000"/>
+                </a:solidFill>
+                <a:latin typeface="Courier New"/>
+              </a:rPr>
+              <a:t>2</a:t>
+            </a:r>
+            <a:r>
+              <a:rPr sz="1400">
+                <a:solidFill>
+                  <a:srgbClr val="000000"/>
+                </a:solidFill>
+                <a:latin typeface="Courier New"/>
+              </a:rPr>
+              <a:t> </a:t>
+            </a:r>
+            <a:r>
+              <a:rPr sz="1400">
+                <a:solidFill>
+                  <a:srgbClr val="000000"/>
+                </a:solidFill>
+                <a:latin typeface="Courier New"/>
+              </a:rPr>
+              <a:t>0</a:t>
+            </a:r>
+            <a:r>
+              <a:rPr sz="1400">
+                <a:solidFill>
+                  <a:srgbClr val="000000"/>
+                </a:solidFill>
+                <a:latin typeface="Courier New"/>
+              </a:rPr>
+              <a:t> </a:t>
+            </a:r>
+            <a:r>
+              <a:rPr sz="1400">
+                <a:solidFill>
+                  <a:srgbClr val="000000"/>
+                </a:solidFill>
+                <a:latin typeface="Courier New"/>
+              </a:rPr>
+              <a:t>8</a:t>
+            </a:r>
+            <a:r>
+              <a:rPr sz="1400">
+                <a:solidFill>
+                  <a:srgbClr val="000000"/>
+                </a:solidFill>
+                <a:latin typeface="Courier New"/>
+              </a:rPr>
+              <a:t>*</a:t>
+            </a:r>
+            <a:r>
+              <a:rPr sz="1400">
+                <a:solidFill>
+                  <a:srgbClr val="000000"/>
+                </a:solidFill>
+                <a:latin typeface="Courier New"/>
+              </a:rPr>
+              <a:t>*</a:t>
+            </a:r>
+            <a:r>
+              <a:rPr sz="1400">
+                <a:solidFill>
+                  <a:srgbClr val="000000"/>
+                </a:solidFill>
+                <a:latin typeface="Courier New"/>
+              </a:rPr>
+              <a:t> </a:t>
+            </a:r>
+            <a:r>
+              <a:rPr sz="1400">
+                <a:solidFill>
+                  <a:srgbClr val="000000"/>
+                </a:solidFill>
+                <a:latin typeface="Courier New"/>
+              </a:rPr>
+              <a:t>DEVICE</a:t>
+            </a:r>
+            <a:r>
+              <a:rPr sz="1400">
+                <a:solidFill>
+                  <a:srgbClr val="000000"/>
+                </a:solidFill>
+                <a:latin typeface="Courier New"/>
+              </a:rPr>
+              <a:t> </a:t>
+            </a:r>
+            <a:r>
+              <a:rPr sz="1400">
+                <a:solidFill>
+                  <a:srgbClr val="000000"/>
+                </a:solidFill>
+                <a:latin typeface="Courier New"/>
+              </a:rPr>
+              <a:t>MODELS</a:t>
+            </a:r>
+            <a:r>
+              <a:rPr sz="1400">
+                <a:solidFill>
+                  <a:srgbClr val="000000"/>
+                </a:solidFill>
+                <a:latin typeface="Courier New"/>
+              </a:rPr>
+              <a:t>.</a:t>
+            </a:r>
+            <a:r>
+              <a:rPr sz="1400">
+                <a:solidFill>
+                  <a:srgbClr val="000000"/>
+                </a:solidFill>
+                <a:latin typeface="Courier New"/>
+              </a:rPr>
+              <a:t>model</a:t>
+            </a:r>
+            <a:r>
+              <a:rPr sz="1400">
+                <a:solidFill>
+                  <a:srgbClr val="000000"/>
+                </a:solidFill>
+                <a:latin typeface="Courier New"/>
+              </a:rPr>
+              <a:t> </a:t>
+            </a:r>
+            <a:r>
+              <a:rPr sz="1400">
+                <a:solidFill>
+                  <a:srgbClr val="000000"/>
+                </a:solidFill>
+                <a:latin typeface="Courier New"/>
+              </a:rPr>
+              <a:t>QNPN</a:t>
+            </a:r>
+            <a:r>
+              <a:rPr sz="1400">
+                <a:solidFill>
+                  <a:srgbClr val="000000"/>
+                </a:solidFill>
+                <a:latin typeface="Courier New"/>
+              </a:rPr>
+              <a:t> </a:t>
+            </a:r>
+            <a:r>
+              <a:rPr sz="1400">
+                <a:solidFill>
+                  <a:srgbClr val="000000"/>
+                </a:solidFill>
+                <a:latin typeface="Courier New"/>
+              </a:rPr>
+              <a:t>NPN</a:t>
+            </a:r>
+            <a:r>
+              <a:rPr sz="1400">
+                <a:solidFill>
+                  <a:srgbClr val="000000"/>
+                </a:solidFill>
+                <a:latin typeface="Courier New"/>
+              </a:rPr>
+              <a:t>(</a:t>
+            </a:r>
+            <a:r>
+              <a:rPr sz="1400">
+                <a:solidFill>
+                  <a:srgbClr val="000000"/>
+                </a:solidFill>
+                <a:latin typeface="Courier New"/>
+              </a:rPr>
+              <a:t>BF</a:t>
+            </a:r>
+            <a:r>
+              <a:rPr sz="1400">
+                <a:solidFill>
+                  <a:srgbClr val="000000"/>
+                </a:solidFill>
+                <a:latin typeface="Courier New"/>
+              </a:rPr>
+              <a:t>=</a:t>
+            </a:r>
+            <a:r>
+              <a:rPr sz="1400">
+                <a:solidFill>
+                  <a:srgbClr val="000000"/>
+                </a:solidFill>
+                <a:latin typeface="Courier New"/>
+              </a:rPr>
+              <a:t>50</a:t>
+            </a:r>
+            <a:r>
+              <a:rPr sz="1400">
+                <a:solidFill>
+                  <a:srgbClr val="000000"/>
+                </a:solidFill>
+                <a:latin typeface="Courier New"/>
+              </a:rPr>
+              <a:t>)</a:t>
+            </a:r>
+            <a:r>
+              <a:rPr sz="1400">
+                <a:solidFill>
+                  <a:srgbClr val="000000"/>
+                </a:solidFill>
+                <a:latin typeface="Courier New"/>
+              </a:rPr>
+              <a:t>.</a:t>
+            </a:r>
+            <a:r>
+              <a:rPr sz="1400">
+                <a:solidFill>
+                  <a:srgbClr val="000000"/>
+                </a:solidFill>
+                <a:latin typeface="Courier New"/>
+              </a:rPr>
+              <a:t>model</a:t>
+            </a:r>
+            <a:r>
+              <a:rPr sz="1400">
+                <a:solidFill>
+                  <a:srgbClr val="000000"/>
+                </a:solidFill>
+                <a:latin typeface="Courier New"/>
+              </a:rPr>
+              <a:t> </a:t>
+            </a:r>
+            <a:r>
+              <a:rPr sz="1400">
+                <a:solidFill>
+                  <a:srgbClr val="000000"/>
+                </a:solidFill>
+                <a:latin typeface="Courier New"/>
+              </a:rPr>
+              <a:t>QPNP</a:t>
+            </a:r>
+            <a:r>
+              <a:rPr sz="1400">
+                <a:solidFill>
+                  <a:srgbClr val="000000"/>
+                </a:solidFill>
+                <a:latin typeface="Courier New"/>
+              </a:rPr>
+              <a:t> </a:t>
+            </a:r>
+            <a:r>
+              <a:rPr sz="1400">
+                <a:solidFill>
+                  <a:srgbClr val="000000"/>
+                </a:solidFill>
+                <a:latin typeface="Courier New"/>
+              </a:rPr>
+              <a:t>PNP</a:t>
+            </a:r>
+            <a:r>
+              <a:rPr sz="1400">
+                <a:solidFill>
+                  <a:srgbClr val="000000"/>
+                </a:solidFill>
+                <a:latin typeface="Courier New"/>
+              </a:rPr>
+              <a:t>(</a:t>
+            </a:r>
+            <a:r>
+              <a:rPr sz="1400">
+                <a:solidFill>
+                  <a:srgbClr val="000000"/>
+                </a:solidFill>
+                <a:latin typeface="Courier New"/>
+              </a:rPr>
+              <a:t>BF</a:t>
+            </a:r>
+            <a:r>
+              <a:rPr sz="1400">
+                <a:solidFill>
+                  <a:srgbClr val="000000"/>
+                </a:solidFill>
+                <a:latin typeface="Courier New"/>
+              </a:rPr>
+              <a:t>=</a:t>
+            </a:r>
+            <a:r>
+              <a:rPr sz="1400">
+                <a:solidFill>
+                  <a:srgbClr val="000000"/>
+                </a:solidFill>
+                <a:latin typeface="Courier New"/>
+              </a:rPr>
+              <a:t>50</a:t>
+            </a:r>
+            <a:r>
+              <a:rPr sz="1400">
+                <a:solidFill>
+                  <a:srgbClr val="000000"/>
+                </a:solidFill>
+                <a:latin typeface="Courier New"/>
+              </a:rPr>
+              <a:t>)</a:t>
+            </a:r>
+            <a:r>
+              <a:rPr sz="1400">
+                <a:solidFill>
+                  <a:srgbClr val="000000"/>
+                </a:solidFill>
+                <a:latin typeface="Courier New"/>
+              </a:rPr>
+              <a:t>.</a:t>
+            </a:r>
+            <a:r>
+              <a:rPr sz="1400">
+                <a:solidFill>
+                  <a:srgbClr val="000000"/>
+                </a:solidFill>
+                <a:latin typeface="Courier New"/>
+              </a:rPr>
+              <a:t>model</a:t>
+            </a:r>
+            <a:r>
+              <a:rPr sz="1400">
+                <a:solidFill>
+                  <a:srgbClr val="000000"/>
+                </a:solidFill>
+                <a:latin typeface="Courier New"/>
+              </a:rPr>
+              <a:t> </a:t>
+            </a:r>
+            <a:r>
+              <a:rPr sz="1400">
+                <a:solidFill>
+                  <a:srgbClr val="000000"/>
+                </a:solidFill>
+                <a:latin typeface="Courier New"/>
+              </a:rPr>
+              <a:t>DNOM</a:t>
+            </a:r>
+            <a:r>
+              <a:rPr sz="1400">
+                <a:solidFill>
+                  <a:srgbClr val="000000"/>
+                </a:solidFill>
+                <a:latin typeface="Courier New"/>
+              </a:rPr>
+              <a:t> </a:t>
+            </a:r>
+            <a:r>
+              <a:rPr sz="1400">
+                <a:solidFill>
+                  <a:srgbClr val="000000"/>
+                </a:solidFill>
+                <a:latin typeface="Courier New"/>
+              </a:rPr>
+              <a:t>D</a:t>
+            </a:r>
+            <a:r>
+              <a:rPr sz="1400">
+                <a:solidFill>
+                  <a:srgbClr val="000000"/>
+                </a:solidFill>
+                <a:latin typeface="Courier New"/>
+              </a:rPr>
+              <a:t>()</a:t>
+            </a:r>
+          </a:p>
+        </p:txBody>
+      </p:sp>
+      <p:sp>
+        <p:nvSpPr>
+          <p:cNvPr id="3" name="Title 2"/>
+          <p:cNvSpPr>
+            <a:spLocks noGrp="1"/>
+          </p:cNvSpPr>
+          <p:nvPr>
+            <p:ph type="title"/>
+          </p:nvPr>
+        </p:nvSpPr>
+        <p:spPr/>
+        <p:txBody>
+          <a:bodyPr wrap="square">
+            <a:noAutofit/>
+          </a:bodyPr>
+          <a:lstStyle/>
+          <a:p>
+            <a:r>
+              <a:rPr sz="3200" b="1" i="0">
+                <a:latin typeface="Arial"/>
+              </a:rPr>
+              <a:t>spice code basis Klasse G circuit</a:t>
+            </a:r>
+            <a:endParaRPr sz="3200" b="1" i="0">
+              <a:latin typeface="Arial"/>
+            </a:endParaRPr>
+          </a:p>
+        </p:txBody>
+      </p:sp>
+    </p:spTree>
+  </p:cSld>
+  <p:clrMapOvr>
+    <a:masterClrMapping/>
+  </p:clrMapOvr>
+</p:sld>
+</file>
+
+<file path=ppt/slides/slide15.xml><?xml version="1.0" encoding="utf-8"?>
+<p:sld xmlns:a="http://schemas.openxmlformats.org/drawingml/2006/main" xmlns:p="http://schemas.openxmlformats.org/presentationml/2006/main" xmlns:r="http://schemas.openxmlformats.org/officeDocument/2006/relationships">
+  <p:cSld>
+    <p:spTree>
+      <p:nvGrpSpPr>
+        <p:cNvPr id="1" name=""/>
+        <p:cNvGrpSpPr/>
+        <p:nvPr/>
+      </p:nvGrpSpPr>
+      <p:grpSpPr/>
+      <p:sp>
+        <p:nvSpPr>
+          <p:cNvPr id="2" name="Title 1"/>
+          <p:cNvSpPr>
+            <a:spLocks noGrp="1"/>
+          </p:cNvSpPr>
+          <p:nvPr>
+            <p:ph type="title"/>
+          </p:nvPr>
+        </p:nvSpPr>
+        <p:spPr/>
+        <p:txBody>
+          <a:bodyPr wrap="square">
+            <a:noAutofit/>
+          </a:bodyPr>
+          <a:lstStyle/>
+          <a:p>
+            <a:r>
+              <a:rPr sz="3200" b="1" i="0">
+                <a:latin typeface="Arial"/>
+              </a:rPr>
+              <a:t>Stromen en Spanningen als functie van de tijd</a:t>
+            </a:r>
+            <a:endParaRPr sz="3200" b="1" i="0">
+              <a:latin typeface="Arial"/>
+            </a:endParaRPr>
+          </a:p>
+        </p:txBody>
+      </p:sp>
+      <p:pic>
+        <p:nvPicPr>
+          <p:cNvPr id="3" name="Picture 2" descr="image.png"/>
+          <p:cNvPicPr>
+            <a:picLocks noChangeAspect="1"/>
+          </p:cNvPicPr>
+          <p:nvPr/>
+        </p:nvPicPr>
+        <p:blipFill>
+          <a:blip r:embed="rId2"/>
+          <a:stretch>
+            <a:fillRect/>
+          </a:stretch>
+        </p:blipFill>
+        <p:spPr>
+          <a:xfrm>
+            <a:off x="2538997" y="566928"/>
+            <a:ext cx="7114005" cy="5577840"/>
+          </a:xfrm>
+          <a:prstGeom prst="rect">
+            <a:avLst/>
+          </a:prstGeom>
+        </p:spPr>
+      </p:pic>
+    </p:spTree>
+  </p:cSld>
+  <p:clrMapOvr>
+    <a:masterClrMapping/>
+  </p:clrMapOvr>
+</p:sld>
+</file>
+
+<file path=ppt/slides/slide16.xml><?xml version="1.0" encoding="utf-8"?>
+<p:sld xmlns:a="http://schemas.openxmlformats.org/drawingml/2006/main" xmlns:p="http://schemas.openxmlformats.org/presentationml/2006/main" xmlns:r="http://schemas.openxmlformats.org/officeDocument/2006/relationships">
+  <p:cSld>
+    <p:spTree>
+      <p:nvGrpSpPr>
+        <p:cNvPr id="1" name=""/>
+        <p:cNvGrpSpPr/>
+        <p:nvPr/>
+      </p:nvGrpSpPr>
+      <p:grpSpPr/>
+      <p:sp>
+        <p:nvSpPr>
+          <p:cNvPr id="2" name="Title 1"/>
+          <p:cNvSpPr>
+            <a:spLocks noGrp="1"/>
+          </p:cNvSpPr>
+          <p:nvPr>
+            <p:ph type="title"/>
+          </p:nvPr>
+        </p:nvSpPr>
+        <p:spPr/>
+        <p:txBody>
+          <a:bodyPr wrap="square">
+            <a:noAutofit/>
+          </a:bodyPr>
+          <a:lstStyle/>
+          <a:p>
+            <a:r>
+              <a:rPr sz="3200" b="1" i="0">
+                <a:latin typeface="Arial"/>
+              </a:rPr>
+              <a:t>Stromen als functie van de spanning</a:t>
+            </a:r>
+            <a:endParaRPr sz="3200" b="1" i="0">
+              <a:latin typeface="Arial"/>
+            </a:endParaRPr>
+          </a:p>
+        </p:txBody>
+      </p:sp>
+      <p:pic>
+        <p:nvPicPr>
+          <p:cNvPr id="3" name="Picture 2" descr="image.png"/>
+          <p:cNvPicPr>
+            <a:picLocks noChangeAspect="1"/>
+          </p:cNvPicPr>
+          <p:nvPr/>
+        </p:nvPicPr>
+        <p:blipFill>
+          <a:blip r:embed="rId2"/>
+          <a:stretch>
+            <a:fillRect/>
+          </a:stretch>
+        </p:blipFill>
+        <p:spPr>
+          <a:xfrm>
+            <a:off x="2674541" y="566928"/>
+            <a:ext cx="6842917" cy="5577840"/>
+          </a:xfrm>
+          <a:prstGeom prst="rect">
+            <a:avLst/>
+          </a:prstGeom>
+        </p:spPr>
+      </p:pic>
+    </p:spTree>
+  </p:cSld>
+  <p:clrMapOvr>
+    <a:masterClrMapping/>
+  </p:clrMapOvr>
+</p:sld>
+</file>
+
+<file path=ppt/slides/slide17.xml><?xml version="1.0" encoding="utf-8"?>
+<p:sld xmlns:a="http://schemas.openxmlformats.org/drawingml/2006/main" xmlns:p="http://schemas.openxmlformats.org/presentationml/2006/main" xmlns:r="http://schemas.openxmlformats.org/officeDocument/2006/relationships">
+  <p:cSld>
+    <p:spTree>
+      <p:nvGrpSpPr>
+        <p:cNvPr id="1" name=""/>
+        <p:cNvGrpSpPr/>
+        <p:nvPr/>
+      </p:nvGrpSpPr>
+      <p:grpSpPr/>
+    </p:spTree>
+  </p:cSld>
+  <p:clrMapOvr>
+    <a:masterClrMapping/>
+  </p:clrMapOvr>
+</p:sld>
+</file>
+
+<file path=ppt/slides/slide18.xml><?xml version="1.0" encoding="utf-8"?>
 <p:sld xmlns:a="http://schemas.openxmlformats.org/drawingml/2006/main" xmlns:p="http://schemas.openxmlformats.org/presentationml/2006/main" xmlns:r="http://schemas.openxmlformats.org/officeDocument/2006/relationships">
   <p:cSld>
     <p:spTree>
@@ -5928,241 +8309,9 @@
         </p:nvSpPr>
         <p:spPr/>
         <p:txBody>
-          <a:bodyPr wrap="square">
-            <a:noAutofit/>
-          </a:bodyPr>
+          <a:bodyPr/>
           <a:lstStyle/>
-          <a:p>
-            <a:pPr>
-              <a:lnSpc>
-                <a:spcPts val="2400"/>
-              </a:lnSpc>
-              <a:defRPr>
-                <a:solidFill>
-                  <a:srgbClr val="FFFFFF"/>
-                </a:solidFill>
-              </a:defRPr>
-            </a:pPr>
-            <a:r>
-              <a:rPr sz="2400" b="0" i="0">
-                <a:latin typeface="Courier"/>
-              </a:rPr>
-              <a:t>Klasse G versterker</a:t>
-            </a:r>
-            <a:endParaRPr sz="2400" b="0" i="0">
-              <a:latin typeface="Courier"/>
-            </a:endParaRPr>
-          </a:p>
-          <a:p>
-            <a:pPr>
-              <a:lnSpc>
-                <a:spcPts val="2400"/>
-              </a:lnSpc>
-              <a:defRPr>
-                <a:solidFill>
-                  <a:srgbClr val="FFFFFF"/>
-                </a:solidFill>
-              </a:defRPr>
-            </a:pPr>
-            <a:r>
-              <a:rPr sz="2400" b="0" i="0">
-                <a:latin typeface="Courier"/>
-              </a:rPr>
-              <a:t>*</a:t>
-            </a:r>
-            <a:endParaRPr sz="2400" b="0" i="0">
-              <a:latin typeface="Courier"/>
-            </a:endParaRPr>
-          </a:p>
-          <a:p>
-            <a:pPr>
-              <a:lnSpc>
-                <a:spcPts val="2400"/>
-              </a:lnSpc>
-              <a:defRPr>
-                <a:solidFill>
-                  <a:srgbClr val="FFFFFF"/>
-                </a:solidFill>
-              </a:defRPr>
-            </a:pPr>
-            <a:r>
-              <a:rPr sz="2400" b="0" i="0">
-                <a:latin typeface="Courier"/>
-              </a:rPr>
-              <a:t>* SUPPLY VOLTAGES</a:t>
-            </a:r>
-            <a:endParaRPr sz="2400" b="0" i="0">
-              <a:latin typeface="Courier"/>
-            </a:endParaRPr>
-          </a:p>
-          <a:p>
-            <a:pPr>
-              <a:lnSpc>
-                <a:spcPts val="2400"/>
-              </a:lnSpc>
-              <a:defRPr>
-                <a:solidFill>
-                  <a:srgbClr val="FFFFFF"/>
-                </a:solidFill>
-              </a:defRPr>
-            </a:pPr>
-            <a:r>
-              <a:rPr sz="2400" b="0" i="0">
-                <a:latin typeface="Courier"/>
-              </a:rPr>
-              <a:t>VPOS1 8 0 DC	+70</a:t>
-            </a:r>
-            <a:endParaRPr sz="2400" b="0" i="0">
-              <a:latin typeface="Courier"/>
-            </a:endParaRPr>
-          </a:p>
-          <a:p>
-            <a:pPr>
-              <a:lnSpc>
-                <a:spcPts val="2400"/>
-              </a:lnSpc>
-              <a:defRPr>
-                <a:solidFill>
-                  <a:srgbClr val="FFFFFF"/>
-                </a:solidFill>
-              </a:defRPr>
-            </a:pPr>
-            <a:r>
-              <a:rPr sz="2400" b="0" i="0">
-                <a:latin typeface="Courier"/>
-              </a:rPr>
-              <a:t>VNEG1 6 0 DC	-70V</a:t>
-            </a:r>
-            <a:endParaRPr sz="2400" b="0" i="0">
-              <a:latin typeface="Courier"/>
-            </a:endParaRPr>
-          </a:p>
-          <a:p>
-            <a:pPr>
-              <a:lnSpc>
-                <a:spcPts val="2400"/>
-              </a:lnSpc>
-              <a:defRPr>
-                <a:solidFill>
-                  <a:srgbClr val="FFFFFF"/>
-                </a:solidFill>
-              </a:defRPr>
-            </a:pPr>
-            <a:r>
-              <a:rPr sz="2400" b="0" i="0">
-                <a:latin typeface="Courier"/>
-              </a:rPr>
-              <a:t>VPOS2 5 0 DC	+20V</a:t>
-            </a:r>
-            <a:endParaRPr sz="2400" b="0" i="0">
-              <a:latin typeface="Courier"/>
-            </a:endParaRPr>
-          </a:p>
-          <a:p>
-            <a:pPr>
-              <a:lnSpc>
-                <a:spcPts val="2400"/>
-              </a:lnSpc>
-              <a:defRPr>
-                <a:solidFill>
-                  <a:srgbClr val="FFFFFF"/>
-                </a:solidFill>
-              </a:defRPr>
-            </a:pPr>
-            <a:r>
-              <a:rPr sz="2400" b="0" i="0">
-                <a:latin typeface="Courier"/>
-              </a:rPr>
-              <a:t>VNEG2 4 0 DC	-20V</a:t>
-            </a:r>
-            <a:endParaRPr sz="2400" b="0" i="0">
-              <a:latin typeface="Courier"/>
-            </a:endParaRPr>
-          </a:p>
-          <a:p>
-            <a:pPr>
-              <a:lnSpc>
-                <a:spcPts val="2400"/>
-              </a:lnSpc>
-              <a:defRPr>
-                <a:solidFill>
-                  <a:srgbClr val="FFFFFF"/>
-                </a:solidFill>
-              </a:defRPr>
-            </a:pPr>
-            <a:r>
-              <a:rPr sz="2400" b="0" i="0">
-                <a:latin typeface="Courier"/>
-              </a:rPr>
-              <a:t>*</a:t>
-            </a:r>
-            <a:endParaRPr sz="2400" b="0" i="0">
-              <a:latin typeface="Courier"/>
-            </a:endParaRPr>
-          </a:p>
-          <a:p>
-            <a:pPr>
-              <a:lnSpc>
-                <a:spcPts val="2400"/>
-              </a:lnSpc>
-              <a:defRPr>
-                <a:solidFill>
-                  <a:srgbClr val="FFFFFF"/>
-                </a:solidFill>
-              </a:defRPr>
-            </a:pPr>
-            <a:r>
-              <a:rPr sz="2400" b="0" i="0">
-                <a:latin typeface="Courier"/>
-              </a:rPr>
-              <a:t>*  input source</a:t>
-            </a:r>
-            <a:endParaRPr sz="2400" b="0" i="0">
-              <a:latin typeface="Courier"/>
-            </a:endParaRPr>
-          </a:p>
-          <a:p>
-            <a:pPr>
-              <a:lnSpc>
-                <a:spcPts val="2400"/>
-              </a:lnSpc>
-              <a:defRPr>
-                <a:solidFill>
-                  <a:srgbClr val="FFFFFF"/>
-                </a:solidFill>
-              </a:defRPr>
-            </a:pPr>
-            <a:r>
-              <a:rPr sz="2400" b="0" i="0">
-                <a:latin typeface="Courier"/>
-              </a:rPr>
-              <a:t>VS1 1 0	DC 0 SIN(0V 48VPEAK 10KHZ)</a:t>
-            </a:r>
-            <a:endParaRPr sz="2400" b="0" i="0">
-              <a:latin typeface="Courier"/>
-            </a:endParaRPr>
-          </a:p>
-          <a:p>
-            <a:pPr>
-              <a:lnSpc>
-                <a:spcPts val="2400"/>
-              </a:lnSpc>
-              <a:defRPr>
-                <a:solidFill>
-                  <a:srgbClr val="FFFFFF"/>
-                </a:solidFill>
-              </a:defRPr>
-            </a:pPr>
-            <a:r>
-              <a:rPr sz="2400" b="0" i="0">
-                <a:latin typeface="Courier"/>
-              </a:rPr>
-              <a:t>*</a:t>
-            </a:r>
-            <a:endParaRPr sz="2400" b="0" i="0">
-              <a:latin typeface="Courier"/>
-            </a:endParaRPr>
-          </a:p>
+          <a:p/>
         </p:txBody>
       </p:sp>
       <p:sp>
@@ -6224,241 +8373,9 @@
         </p:nvSpPr>
         <p:spPr/>
         <p:txBody>
-          <a:bodyPr wrap="square">
-            <a:noAutofit/>
-          </a:bodyPr>
+          <a:bodyPr/>
           <a:lstStyle/>
-          <a:p>
-            <a:pPr>
-              <a:lnSpc>
-                <a:spcPts val="2400"/>
-              </a:lnSpc>
-              <a:defRPr>
-                <a:solidFill>
-                  <a:srgbClr val="FFFFFF"/>
-                </a:solidFill>
-              </a:defRPr>
-            </a:pPr>
-            <a:r>
-              <a:rPr sz="2400" b="0" i="0">
-                <a:latin typeface="Courier"/>
-              </a:rPr>
-              <a:t>*  PUSH-PULL TRANSISTOR OUTPUT STAGE</a:t>
-            </a:r>
-            <a:endParaRPr sz="2400" b="0" i="0">
-              <a:latin typeface="Courier"/>
-            </a:endParaRPr>
-          </a:p>
-          <a:p>
-            <a:pPr>
-              <a:lnSpc>
-                <a:spcPts val="2400"/>
-              </a:lnSpc>
-              <a:defRPr>
-                <a:solidFill>
-                  <a:srgbClr val="FFFFFF"/>
-                </a:solidFill>
-              </a:defRPr>
-            </a:pPr>
-            <a:r>
-              <a:rPr sz="2400" b="0" i="0">
-                <a:latin typeface="Courier"/>
-              </a:rPr>
-              <a:t>Q1h 8 1 9 QNPN</a:t>
-            </a:r>
-            <a:endParaRPr sz="2400" b="0" i="0">
-              <a:latin typeface="Courier"/>
-            </a:endParaRPr>
-          </a:p>
-          <a:p>
-            <a:pPr>
-              <a:lnSpc>
-                <a:spcPts val="2400"/>
-              </a:lnSpc>
-              <a:defRPr>
-                <a:solidFill>
-                  <a:srgbClr val="FFFFFF"/>
-                </a:solidFill>
-              </a:defRPr>
-            </a:pPr>
-            <a:r>
-              <a:rPr sz="2400" b="0" i="0">
-                <a:latin typeface="Courier"/>
-              </a:rPr>
-              <a:t>Q1s 9 12 2 QNPN</a:t>
-            </a:r>
-            <a:endParaRPr sz="2400" b="0" i="0">
-              <a:latin typeface="Courier"/>
-            </a:endParaRPr>
-          </a:p>
-          <a:p>
-            <a:pPr>
-              <a:lnSpc>
-                <a:spcPts val="2400"/>
-              </a:lnSpc>
-              <a:defRPr>
-                <a:solidFill>
-                  <a:srgbClr val="FFFFFF"/>
-                </a:solidFill>
-              </a:defRPr>
-            </a:pPr>
-            <a:r>
-              <a:rPr sz="2400" b="0" i="0">
-                <a:latin typeface="Courier"/>
-              </a:rPr>
-              <a:t>Q2s 7 13 2 QPNP</a:t>
-            </a:r>
-            <a:endParaRPr sz="2400" b="0" i="0">
-              <a:latin typeface="Courier"/>
-            </a:endParaRPr>
-          </a:p>
-          <a:p>
-            <a:pPr>
-              <a:lnSpc>
-                <a:spcPts val="2400"/>
-              </a:lnSpc>
-              <a:defRPr>
-                <a:solidFill>
-                  <a:srgbClr val="FFFFFF"/>
-                </a:solidFill>
-              </a:defRPr>
-            </a:pPr>
-            <a:r>
-              <a:rPr sz="2400" b="0" i="0">
-                <a:latin typeface="Courier"/>
-              </a:rPr>
-              <a:t>Q2h 6 1 7 QPNP</a:t>
-            </a:r>
-            <a:endParaRPr sz="2400" b="0" i="0">
-              <a:latin typeface="Courier"/>
-            </a:endParaRPr>
-          </a:p>
-          <a:p>
-            <a:pPr>
-              <a:lnSpc>
-                <a:spcPts val="2400"/>
-              </a:lnSpc>
-              <a:defRPr>
-                <a:solidFill>
-                  <a:srgbClr val="FFFFFF"/>
-                </a:solidFill>
-              </a:defRPr>
-            </a:pPr>
-            <a:r>
-              <a:rPr sz="2400" b="0" i="0">
-                <a:latin typeface="Courier"/>
-              </a:rPr>
-              <a:t>*</a:t>
-            </a:r>
-            <a:endParaRPr sz="2400" b="0" i="0">
-              <a:latin typeface="Courier"/>
-            </a:endParaRPr>
-          </a:p>
-          <a:p>
-            <a:pPr>
-              <a:lnSpc>
-                <a:spcPts val="2400"/>
-              </a:lnSpc>
-              <a:defRPr>
-                <a:solidFill>
-                  <a:srgbClr val="FFFFFF"/>
-                </a:solidFill>
-              </a:defRPr>
-            </a:pPr>
-            <a:r>
-              <a:rPr sz="2400" b="0" i="0">
-                <a:latin typeface="Courier"/>
-              </a:rPr>
-              <a:t>Dpos 5 9 DNOM</a:t>
-            </a:r>
-            <a:endParaRPr sz="2400" b="0" i="0">
-              <a:latin typeface="Courier"/>
-            </a:endParaRPr>
-          </a:p>
-          <a:p>
-            <a:pPr>
-              <a:lnSpc>
-                <a:spcPts val="2400"/>
-              </a:lnSpc>
-              <a:defRPr>
-                <a:solidFill>
-                  <a:srgbClr val="FFFFFF"/>
-                </a:solidFill>
-              </a:defRPr>
-            </a:pPr>
-            <a:r>
-              <a:rPr sz="2400" b="0" i="0">
-                <a:latin typeface="Courier"/>
-              </a:rPr>
-              <a:t>Dneg 7 4 DNOM</a:t>
-            </a:r>
-            <a:endParaRPr sz="2400" b="0" i="0">
-              <a:latin typeface="Courier"/>
-            </a:endParaRPr>
-          </a:p>
-          <a:p>
-            <a:pPr>
-              <a:lnSpc>
-                <a:spcPts val="2400"/>
-              </a:lnSpc>
-              <a:defRPr>
-                <a:solidFill>
-                  <a:srgbClr val="FFFFFF"/>
-                </a:solidFill>
-              </a:defRPr>
-            </a:pPr>
-            <a:r>
-              <a:rPr sz="2400" b="0" i="0">
-                <a:latin typeface="Courier"/>
-              </a:rPr>
-              <a:t>*</a:t>
-            </a:r>
-            <a:endParaRPr sz="2400" b="0" i="0">
-              <a:latin typeface="Courier"/>
-            </a:endParaRPr>
-          </a:p>
-          <a:p>
-            <a:pPr>
-              <a:lnSpc>
-                <a:spcPts val="2400"/>
-              </a:lnSpc>
-              <a:defRPr>
-                <a:solidFill>
-                  <a:srgbClr val="FFFFFF"/>
-                </a:solidFill>
-              </a:defRPr>
-            </a:pPr>
-            <a:r>
-              <a:rPr sz="2400" b="0" i="0">
-                <a:latin typeface="Courier"/>
-              </a:rPr>
-              <a:t>*compensatie Vsat</a:t>
-            </a:r>
-            <a:endParaRPr sz="2400" b="0" i="0">
-              <a:latin typeface="Courier"/>
-            </a:endParaRPr>
-          </a:p>
-          <a:p>
-            <a:pPr>
-              <a:lnSpc>
-                <a:spcPts val="2400"/>
-              </a:lnSpc>
-              <a:defRPr>
-                <a:solidFill>
-                  <a:srgbClr val="FFFFFF"/>
-                </a:solidFill>
-              </a:defRPr>
-            </a:pPr>
-            <a:r>
-              <a:rPr sz="2400" b="0" i="0">
-                <a:latin typeface="Courier"/>
-              </a:rPr>
-              <a:t>Db1 1 12 DNOM</a:t>
-            </a:r>
-            <a:endParaRPr sz="2400" b="0" i="0">
-              <a:latin typeface="Courier"/>
-            </a:endParaRPr>
-          </a:p>
+          <a:p/>
         </p:txBody>
       </p:sp>
       <p:sp>
@@ -6520,199 +8437,9 @@
         </p:nvSpPr>
         <p:spPr/>
         <p:txBody>
-          <a:bodyPr wrap="square">
-            <a:noAutofit/>
-          </a:bodyPr>
+          <a:bodyPr/>
           <a:lstStyle/>
-          <a:p>
-            <a:pPr>
-              <a:lnSpc>
-                <a:spcPts val="2400"/>
-              </a:lnSpc>
-              <a:defRPr>
-                <a:solidFill>
-                  <a:srgbClr val="FFFFFF"/>
-                </a:solidFill>
-              </a:defRPr>
-            </a:pPr>
-            <a:r>
-              <a:rPr sz="2400" b="0" i="0">
-                <a:latin typeface="Courier"/>
-              </a:rPr>
-              <a:t>Db4 13 1 DNOM</a:t>
-            </a:r>
-            <a:endParaRPr sz="2400" b="0" i="0">
-              <a:latin typeface="Courier"/>
-            </a:endParaRPr>
-          </a:p>
-          <a:p>
-            <a:pPr>
-              <a:lnSpc>
-                <a:spcPts val="2400"/>
-              </a:lnSpc>
-              <a:defRPr>
-                <a:solidFill>
-                  <a:srgbClr val="FFFFFF"/>
-                </a:solidFill>
-              </a:defRPr>
-            </a:pPr>
-            <a:r>
-              <a:rPr sz="2400" b="0" i="0">
-                <a:latin typeface="Courier"/>
-              </a:rPr>
-              <a:t>*</a:t>
-            </a:r>
-            <a:endParaRPr sz="2400" b="0" i="0">
-              <a:latin typeface="Courier"/>
-            </a:endParaRPr>
-          </a:p>
-          <a:p>
-            <a:pPr>
-              <a:lnSpc>
-                <a:spcPts val="2400"/>
-              </a:lnSpc>
-              <a:defRPr>
-                <a:solidFill>
-                  <a:srgbClr val="FFFFFF"/>
-                </a:solidFill>
-              </a:defRPr>
-            </a:pPr>
-            <a:r>
-              <a:rPr sz="2400" b="0" i="0">
-                <a:latin typeface="Courier"/>
-              </a:rPr>
-              <a:t>* Load resistance</a:t>
-            </a:r>
-            <a:endParaRPr sz="2400" b="0" i="0">
-              <a:latin typeface="Courier"/>
-            </a:endParaRPr>
-          </a:p>
-          <a:p>
-            <a:pPr>
-              <a:lnSpc>
-                <a:spcPts val="2400"/>
-              </a:lnSpc>
-              <a:defRPr>
-                <a:solidFill>
-                  <a:srgbClr val="FFFFFF"/>
-                </a:solidFill>
-              </a:defRPr>
-            </a:pPr>
-            <a:r>
-              <a:rPr sz="2400" b="0" i="0">
-                <a:latin typeface="Courier"/>
-              </a:rPr>
-              <a:t>RL1 2 0	8</a:t>
-            </a:r>
-            <a:endParaRPr sz="2400" b="0" i="0">
-              <a:latin typeface="Courier"/>
-            </a:endParaRPr>
-          </a:p>
-          <a:p>
-            <a:pPr>
-              <a:lnSpc>
-                <a:spcPts val="2400"/>
-              </a:lnSpc>
-              <a:defRPr>
-                <a:solidFill>
-                  <a:srgbClr val="FFFFFF"/>
-                </a:solidFill>
-              </a:defRPr>
-            </a:pPr>
-            <a:r>
-              <a:rPr sz="2400" b="0" i="0">
-                <a:latin typeface="Courier"/>
-              </a:rPr>
-              <a:t>*</a:t>
-            </a:r>
-            <a:endParaRPr sz="2400" b="0" i="0">
-              <a:latin typeface="Courier"/>
-            </a:endParaRPr>
-          </a:p>
-          <a:p>
-            <a:pPr>
-              <a:lnSpc>
-                <a:spcPts val="2400"/>
-              </a:lnSpc>
-              <a:defRPr>
-                <a:solidFill>
-                  <a:srgbClr val="FFFFFF"/>
-                </a:solidFill>
-              </a:defRPr>
-            </a:pPr>
-            <a:r>
-              <a:rPr sz="2400" b="0" i="0">
-                <a:latin typeface="Courier"/>
-              </a:rPr>
-              <a:t>* DEVICE MODELS</a:t>
-            </a:r>
-            <a:endParaRPr sz="2400" b="0" i="0">
-              <a:latin typeface="Courier"/>
-            </a:endParaRPr>
-          </a:p>
-          <a:p>
-            <a:pPr>
-              <a:lnSpc>
-                <a:spcPts val="2400"/>
-              </a:lnSpc>
-              <a:defRPr>
-                <a:solidFill>
-                  <a:srgbClr val="FFFFFF"/>
-                </a:solidFill>
-              </a:defRPr>
-            </a:pPr>
-            <a:r>
-              <a:rPr sz="2400" b="0" i="0">
-                <a:latin typeface="Courier"/>
-              </a:rPr>
-              <a:t>.model QNPN NPN(BF=50)</a:t>
-            </a:r>
-            <a:endParaRPr sz="2400" b="0" i="0">
-              <a:latin typeface="Courier"/>
-            </a:endParaRPr>
-          </a:p>
-          <a:p>
-            <a:pPr>
-              <a:lnSpc>
-                <a:spcPts val="2400"/>
-              </a:lnSpc>
-              <a:defRPr>
-                <a:solidFill>
-                  <a:srgbClr val="FFFFFF"/>
-                </a:solidFill>
-              </a:defRPr>
-            </a:pPr>
-            <a:r>
-              <a:rPr sz="2400" b="0" i="0">
-                <a:latin typeface="Courier"/>
-              </a:rPr>
-              <a:t>.model QPNP PNP(BF=50)</a:t>
-            </a:r>
-            <a:endParaRPr sz="2400" b="0" i="0">
-              <a:latin typeface="Courier"/>
-            </a:endParaRPr>
-          </a:p>
-          <a:p>
-            <a:pPr>
-              <a:lnSpc>
-                <a:spcPts val="2400"/>
-              </a:lnSpc>
-              <a:defRPr>
-                <a:solidFill>
-                  <a:srgbClr val="FFFFFF"/>
-                </a:solidFill>
-              </a:defRPr>
-            </a:pPr>
-            <a:r>
-              <a:rPr sz="2400" b="0" i="0">
-                <a:latin typeface="Courier"/>
-              </a:rPr>
-              <a:t>.model DNOM D()</a:t>
-            </a:r>
-            <a:endParaRPr sz="2400" b="0" i="0">
-              <a:latin typeface="Courier"/>
-            </a:endParaRPr>
-          </a:p>
+          <a:p/>
         </p:txBody>
       </p:sp>
       <p:sp>
@@ -6764,7 +8491,24 @@
       <p:grpSpPr/>
       <p:sp>
         <p:nvSpPr>
-          <p:cNvPr id="2" name="Title 1"/>
+          <p:cNvPr id="2" name="Content Placeholder 1"/>
+          <p:cNvSpPr>
+            <a:spLocks noGrp="1"/>
+          </p:cNvSpPr>
+          <p:nvPr>
+            <p:ph idx="1"/>
+          </p:nvPr>
+        </p:nvSpPr>
+        <p:spPr/>
+        <p:txBody>
+          <a:bodyPr/>
+          <a:lstStyle/>
+          <a:p/>
+        </p:txBody>
+      </p:sp>
+      <p:sp>
+        <p:nvSpPr>
+          <p:cNvPr id="3" name="Title 2"/>
           <p:cNvSpPr>
             <a:spLocks noGrp="1"/>
           </p:cNvSpPr>
@@ -6783,7 +8527,7 @@
               <a:rPr sz="3200" b="1" i="0">
                 <a:latin typeface="Arial"/>
               </a:rPr>
-              <a:t>Stromen en Spanningen als functie van de tijd</a:t>
+              <a:t>spice code basis Klasse G circuit</a:t>
             </a:r>
             <a:endParaRPr sz="3200" b="1" i="0">
               <a:latin typeface="Arial"/>
@@ -6791,30 +8535,6 @@
           </a:p>
         </p:txBody>
       </p:sp>
-      <p:pic>
-        <p:nvPicPr>
-          <p:cNvPr id="3" name="Picture 2" descr="image.png"/>
-          <p:cNvPicPr>
-            <a:picLocks noChangeAspect="1"/>
-          </p:cNvPicPr>
-          <p:nvPr/>
-        </p:nvPicPr>
-        <p:blipFill>
-          <a:blip r:embed="rId2"/>
-          <a:stretch>
-            <a:fillRect/>
-          </a:stretch>
-        </p:blipFill>
-        <p:spPr>
-          <a:xfrm>
-            <a:off x="2538997" y="566928"/>
-            <a:ext cx="7114005" cy="5577840"/>
-          </a:xfrm>
-          <a:prstGeom prst="rect">
-            <a:avLst/>
-          </a:prstGeom>
-        </p:spPr>
-      </p:pic>
     </p:spTree>
   </p:cSld>
   <p:clrMapOvr>
@@ -6835,7 +8555,24 @@
       <p:grpSpPr/>
       <p:sp>
         <p:nvSpPr>
-          <p:cNvPr id="2" name="Title 1"/>
+          <p:cNvPr id="2" name="Content Placeholder 1"/>
+          <p:cNvSpPr>
+            <a:spLocks noGrp="1"/>
+          </p:cNvSpPr>
+          <p:nvPr>
+            <p:ph idx="1"/>
+          </p:nvPr>
+        </p:nvSpPr>
+        <p:spPr/>
+        <p:txBody>
+          <a:bodyPr/>
+          <a:lstStyle/>
+          <a:p/>
+        </p:txBody>
+      </p:sp>
+      <p:sp>
+        <p:nvSpPr>
+          <p:cNvPr id="3" name="Title 2"/>
           <p:cNvSpPr>
             <a:spLocks noGrp="1"/>
           </p:cNvSpPr>
@@ -6854,7 +8591,7 @@
               <a:rPr sz="3200" b="1" i="0">
                 <a:latin typeface="Arial"/>
               </a:rPr>
-              <a:t>Stromen als functie van de spanning</a:t>
+              <a:t>spice code basis Klasse G circuit</a:t>
             </a:r>
             <a:endParaRPr sz="3200" b="1" i="0">
               <a:latin typeface="Arial"/>
@@ -6862,30 +8599,6 @@
           </a:p>
         </p:txBody>
       </p:sp>
-      <p:pic>
-        <p:nvPicPr>
-          <p:cNvPr id="3" name="Picture 2" descr="image.png"/>
-          <p:cNvPicPr>
-            <a:picLocks noChangeAspect="1"/>
-          </p:cNvPicPr>
-          <p:nvPr/>
-        </p:nvPicPr>
-        <p:blipFill>
-          <a:blip r:embed="rId2"/>
-          <a:stretch>
-            <a:fillRect/>
-          </a:stretch>
-        </p:blipFill>
-        <p:spPr>
-          <a:xfrm>
-            <a:off x="2674541" y="566928"/>
-            <a:ext cx="6842917" cy="5577840"/>
-          </a:xfrm>
-          <a:prstGeom prst="rect">
-            <a:avLst/>
-          </a:prstGeom>
-        </p:spPr>
-      </p:pic>
     </p:spTree>
   </p:cSld>
   <p:clrMapOvr>

--- a/AnalogeElektronica2/PowerPoint/Klasse-G.pptx
+++ b/AnalogeElektronica2/PowerPoint/Klasse-G.pptx
@@ -22,13 +22,6 @@
     <p:sldId id="264" r:id="rId21"/>
     <p:sldId id="265" r:id="rId22"/>
     <p:sldId id="266" r:id="rId23"/>
-    <p:sldId id="267" r:id="rId24"/>
-    <p:sldId id="268" r:id="rId25"/>
-    <p:sldId id="269" r:id="rId26"/>
-    <p:sldId id="270" r:id="rId27"/>
-    <p:sldId id="271" r:id="rId28"/>
-    <p:sldId id="272" r:id="rId29"/>
-    <p:sldId id="273" r:id="rId30"/>
   </p:sldIdLst>
   <p:sldSz cx="12192000" cy="6858000"/>
   <p:notesSz cx="6858000" cy="9144000"/>
@@ -5687,52 +5680,6 @@
         <p:nvPr/>
       </p:nvGrpSpPr>
       <p:grpSpPr/>
-      <p:sp>
-        <p:nvSpPr>
-          <p:cNvPr id="2" name="Content Placeholder 1"/>
-          <p:cNvSpPr>
-            <a:spLocks noGrp="1"/>
-          </p:cNvSpPr>
-          <p:nvPr>
-            <p:ph idx="1"/>
-          </p:nvPr>
-        </p:nvSpPr>
-        <p:spPr/>
-        <p:txBody>
-          <a:bodyPr/>
-          <a:lstStyle/>
-          <a:p/>
-        </p:txBody>
-      </p:sp>
-      <p:sp>
-        <p:nvSpPr>
-          <p:cNvPr id="3" name="Title 2"/>
-          <p:cNvSpPr>
-            <a:spLocks noGrp="1"/>
-          </p:cNvSpPr>
-          <p:nvPr>
-            <p:ph type="title"/>
-          </p:nvPr>
-        </p:nvSpPr>
-        <p:spPr/>
-        <p:txBody>
-          <a:bodyPr wrap="square">
-            <a:noAutofit/>
-          </a:bodyPr>
-          <a:lstStyle/>
-          <a:p>
-            <a:r>
-              <a:rPr sz="3200" b="1" i="0">
-                <a:latin typeface="Arial"/>
-              </a:rPr>
-              <a:t>spice code basis Klasse G circuit</a:t>
-            </a:r>
-            <a:endParaRPr sz="3200" b="1" i="0">
-              <a:latin typeface="Arial"/>
-            </a:endParaRPr>
-          </a:p>
-        </p:txBody>
-      </p:sp>
     </p:spTree>
   </p:cSld>
   <p:clrMapOvr>
@@ -5742,2334 +5689,6 @@
 </file>
 
 <file path=ppt/slides/slide11.xml><?xml version="1.0" encoding="utf-8"?>
-<p:sld xmlns:a="http://schemas.openxmlformats.org/drawingml/2006/main" xmlns:p="http://schemas.openxmlformats.org/presentationml/2006/main" xmlns:r="http://schemas.openxmlformats.org/officeDocument/2006/relationships">
-  <p:cSld>
-    <p:spTree>
-      <p:nvGrpSpPr>
-        <p:cNvPr id="1" name=""/>
-        <p:cNvGrpSpPr/>
-        <p:nvPr/>
-      </p:nvGrpSpPr>
-      <p:grpSpPr/>
-      <p:sp>
-        <p:nvSpPr>
-          <p:cNvPr id="2" name="Content Placeholder 1"/>
-          <p:cNvSpPr>
-            <a:spLocks noGrp="1"/>
-          </p:cNvSpPr>
-          <p:nvPr>
-            <p:ph idx="1"/>
-          </p:nvPr>
-        </p:nvSpPr>
-        <p:spPr/>
-        <p:txBody>
-          <a:bodyPr/>
-          <a:lstStyle/>
-          <a:p>
-            <a:r>
-              <a:rPr sz="1400">
-                <a:solidFill>
-                  <a:srgbClr val="000000"/>
-                </a:solidFill>
-                <a:latin typeface="Courier New"/>
-              </a:rPr>
-              <a:t/>
-            </a:r>
-            <a:r>
-              <a:rPr sz="1400">
-                <a:solidFill>
-                  <a:srgbClr val="000000"/>
-                </a:solidFill>
-                <a:latin typeface="Courier New"/>
-              </a:rPr>
-              <a:t>Klasse</a:t>
-            </a:r>
-            <a:r>
-              <a:rPr sz="1400">
-                <a:solidFill>
-                  <a:srgbClr val="000000"/>
-                </a:solidFill>
-                <a:latin typeface="Courier New"/>
-              </a:rPr>
-              <a:t> </a:t>
-            </a:r>
-            <a:r>
-              <a:rPr sz="1400">
-                <a:solidFill>
-                  <a:srgbClr val="000000"/>
-                </a:solidFill>
-                <a:latin typeface="Courier New"/>
-              </a:rPr>
-              <a:t>G</a:t>
-            </a:r>
-            <a:r>
-              <a:rPr sz="1400">
-                <a:solidFill>
-                  <a:srgbClr val="000000"/>
-                </a:solidFill>
-                <a:latin typeface="Courier New"/>
-              </a:rPr>
-              <a:t> </a:t>
-            </a:r>
-            <a:r>
-              <a:rPr sz="1400">
-                <a:solidFill>
-                  <a:srgbClr val="000000"/>
-                </a:solidFill>
-                <a:latin typeface="Courier New"/>
-              </a:rPr>
-              <a:t>versterker</a:t>
-            </a:r>
-            <a:r>
-              <a:rPr sz="1400">
-                <a:solidFill>
-                  <a:srgbClr val="000000"/>
-                </a:solidFill>
-                <a:latin typeface="Courier New"/>
-              </a:rPr>
-              <a:t>*</a:t>
-            </a:r>
-            <a:r>
-              <a:rPr sz="1400">
-                <a:solidFill>
-                  <a:srgbClr val="000000"/>
-                </a:solidFill>
-                <a:latin typeface="Courier New"/>
-              </a:rPr>
-              <a:t>*</a:t>
-            </a:r>
-            <a:r>
-              <a:rPr sz="1400">
-                <a:solidFill>
-                  <a:srgbClr val="000000"/>
-                </a:solidFill>
-                <a:latin typeface="Courier New"/>
-              </a:rPr>
-              <a:t> </a:t>
-            </a:r>
-            <a:r>
-              <a:rPr sz="1400">
-                <a:solidFill>
-                  <a:srgbClr val="000000"/>
-                </a:solidFill>
-                <a:latin typeface="Courier New"/>
-              </a:rPr>
-              <a:t>SUPPLY</a:t>
-            </a:r>
-            <a:r>
-              <a:rPr sz="1400">
-                <a:solidFill>
-                  <a:srgbClr val="000000"/>
-                </a:solidFill>
-                <a:latin typeface="Courier New"/>
-              </a:rPr>
-              <a:t> </a:t>
-            </a:r>
-            <a:r>
-              <a:rPr sz="1400">
-                <a:solidFill>
-                  <a:srgbClr val="000000"/>
-                </a:solidFill>
-                <a:latin typeface="Courier New"/>
-              </a:rPr>
-              <a:t>VOLTAGES</a:t>
-            </a:r>
-          </a:p>
-        </p:txBody>
-      </p:sp>
-      <p:sp>
-        <p:nvSpPr>
-          <p:cNvPr id="3" name="Title 2"/>
-          <p:cNvSpPr>
-            <a:spLocks noGrp="1"/>
-          </p:cNvSpPr>
-          <p:nvPr>
-            <p:ph type="title"/>
-          </p:nvPr>
-        </p:nvSpPr>
-        <p:spPr/>
-        <p:txBody>
-          <a:bodyPr wrap="square">
-            <a:noAutofit/>
-          </a:bodyPr>
-          <a:lstStyle/>
-          <a:p>
-            <a:r>
-              <a:rPr sz="3200" b="1" i="0">
-                <a:latin typeface="Arial"/>
-              </a:rPr>
-              <a:t>spice code basis Klasse G circuit</a:t>
-            </a:r>
-            <a:endParaRPr sz="3200" b="1" i="0">
-              <a:latin typeface="Arial"/>
-            </a:endParaRPr>
-          </a:p>
-        </p:txBody>
-      </p:sp>
-    </p:spTree>
-  </p:cSld>
-  <p:clrMapOvr>
-    <a:masterClrMapping/>
-  </p:clrMapOvr>
-</p:sld>
-</file>
-
-<file path=ppt/slides/slide12.xml><?xml version="1.0" encoding="utf-8"?>
-<p:sld xmlns:a="http://schemas.openxmlformats.org/drawingml/2006/main" xmlns:p="http://schemas.openxmlformats.org/presentationml/2006/main" xmlns:r="http://schemas.openxmlformats.org/officeDocument/2006/relationships">
-  <p:cSld>
-    <p:spTree>
-      <p:nvGrpSpPr>
-        <p:cNvPr id="1" name=""/>
-        <p:cNvGrpSpPr/>
-        <p:nvPr/>
-      </p:nvGrpSpPr>
-      <p:grpSpPr/>
-      <p:sp>
-        <p:nvSpPr>
-          <p:cNvPr id="2" name="Content Placeholder 1"/>
-          <p:cNvSpPr>
-            <a:spLocks noGrp="1"/>
-          </p:cNvSpPr>
-          <p:nvPr>
-            <p:ph idx="1"/>
-          </p:nvPr>
-        </p:nvSpPr>
-        <p:spPr/>
-        <p:txBody>
-          <a:bodyPr/>
-          <a:lstStyle/>
-          <a:p>
-            <a:r>
-              <a:rPr sz="1400">
-                <a:solidFill>
-                  <a:srgbClr val="000000"/>
-                </a:solidFill>
-                <a:latin typeface="Courier New"/>
-              </a:rPr>
-              <a:t>VPOS1</a:t>
-            </a:r>
-            <a:r>
-              <a:rPr sz="1400">
-                <a:solidFill>
-                  <a:srgbClr val="000000"/>
-                </a:solidFill>
-                <a:latin typeface="Courier New"/>
-              </a:rPr>
-              <a:t> </a:t>
-            </a:r>
-            <a:r>
-              <a:rPr sz="1400">
-                <a:solidFill>
-                  <a:srgbClr val="000000"/>
-                </a:solidFill>
-                <a:latin typeface="Courier New"/>
-              </a:rPr>
-              <a:t>8</a:t>
-            </a:r>
-            <a:r>
-              <a:rPr sz="1400">
-                <a:solidFill>
-                  <a:srgbClr val="000000"/>
-                </a:solidFill>
-                <a:latin typeface="Courier New"/>
-              </a:rPr>
-              <a:t> </a:t>
-            </a:r>
-            <a:r>
-              <a:rPr sz="1400">
-                <a:solidFill>
-                  <a:srgbClr val="000000"/>
-                </a:solidFill>
-                <a:latin typeface="Courier New"/>
-              </a:rPr>
-              <a:t>0</a:t>
-            </a:r>
-            <a:r>
-              <a:rPr sz="1400">
-                <a:solidFill>
-                  <a:srgbClr val="000000"/>
-                </a:solidFill>
-                <a:latin typeface="Courier New"/>
-              </a:rPr>
-              <a:t> </a:t>
-            </a:r>
-            <a:r>
-              <a:rPr sz="1400">
-                <a:solidFill>
-                  <a:srgbClr val="000000"/>
-                </a:solidFill>
-                <a:latin typeface="Courier New"/>
-              </a:rPr>
-              <a:t>DC</a:t>
-            </a:r>
-            <a:r>
-              <a:rPr sz="1400">
-                <a:solidFill>
-                  <a:srgbClr val="000000"/>
-                </a:solidFill>
-                <a:latin typeface="Courier New"/>
-              </a:rPr>
-              <a:t> </a:t>
-            </a:r>
-            <a:r>
-              <a:rPr sz="1400">
-                <a:solidFill>
-                  <a:srgbClr val="000000"/>
-                </a:solidFill>
-                <a:latin typeface="Courier New"/>
-              </a:rPr>
-              <a:t>+</a:t>
-            </a:r>
-            <a:r>
-              <a:rPr sz="1400">
-                <a:solidFill>
-                  <a:srgbClr val="000000"/>
-                </a:solidFill>
-                <a:latin typeface="Courier New"/>
-              </a:rPr>
-              <a:t>70</a:t>
-            </a:r>
-            <a:r>
-              <a:rPr sz="1400">
-                <a:solidFill>
-                  <a:srgbClr val="000000"/>
-                </a:solidFill>
-                <a:latin typeface="Courier New"/>
-              </a:rPr>
-              <a:t>VNEG1</a:t>
-            </a:r>
-            <a:r>
-              <a:rPr sz="1400">
-                <a:solidFill>
-                  <a:srgbClr val="000000"/>
-                </a:solidFill>
-                <a:latin typeface="Courier New"/>
-              </a:rPr>
-              <a:t> </a:t>
-            </a:r>
-            <a:r>
-              <a:rPr sz="1400">
-                <a:solidFill>
-                  <a:srgbClr val="000000"/>
-                </a:solidFill>
-                <a:latin typeface="Courier New"/>
-              </a:rPr>
-              <a:t>6</a:t>
-            </a:r>
-            <a:r>
-              <a:rPr sz="1400">
-                <a:solidFill>
-                  <a:srgbClr val="000000"/>
-                </a:solidFill>
-                <a:latin typeface="Courier New"/>
-              </a:rPr>
-              <a:t> </a:t>
-            </a:r>
-            <a:r>
-              <a:rPr sz="1400">
-                <a:solidFill>
-                  <a:srgbClr val="000000"/>
-                </a:solidFill>
-                <a:latin typeface="Courier New"/>
-              </a:rPr>
-              <a:t>0</a:t>
-            </a:r>
-            <a:r>
-              <a:rPr sz="1400">
-                <a:solidFill>
-                  <a:srgbClr val="000000"/>
-                </a:solidFill>
-                <a:latin typeface="Courier New"/>
-              </a:rPr>
-              <a:t> </a:t>
-            </a:r>
-            <a:r>
-              <a:rPr sz="1400">
-                <a:solidFill>
-                  <a:srgbClr val="000000"/>
-                </a:solidFill>
-                <a:latin typeface="Courier New"/>
-              </a:rPr>
-              <a:t>DC</a:t>
-            </a:r>
-            <a:r>
-              <a:rPr sz="1400">
-                <a:solidFill>
-                  <a:srgbClr val="000000"/>
-                </a:solidFill>
-                <a:latin typeface="Courier New"/>
-              </a:rPr>
-              <a:t> </a:t>
-            </a:r>
-            <a:r>
-              <a:rPr sz="1400">
-                <a:solidFill>
-                  <a:srgbClr val="000000"/>
-                </a:solidFill>
-                <a:latin typeface="Courier New"/>
-              </a:rPr>
-              <a:t>-</a:t>
-            </a:r>
-            <a:r>
-              <a:rPr sz="1400">
-                <a:solidFill>
-                  <a:srgbClr val="000000"/>
-                </a:solidFill>
-                <a:latin typeface="Courier New"/>
-              </a:rPr>
-              <a:t>70</a:t>
-            </a:r>
-            <a:r>
-              <a:rPr sz="1400">
-                <a:solidFill>
-                  <a:srgbClr val="000000"/>
-                </a:solidFill>
-                <a:latin typeface="Courier New"/>
-              </a:rPr>
-              <a:t>V</a:t>
-            </a:r>
-            <a:r>
-              <a:rPr sz="1400">
-                <a:solidFill>
-                  <a:srgbClr val="000000"/>
-                </a:solidFill>
-                <a:latin typeface="Courier New"/>
-              </a:rPr>
-              <a:t>VPOS2</a:t>
-            </a:r>
-            <a:r>
-              <a:rPr sz="1400">
-                <a:solidFill>
-                  <a:srgbClr val="000000"/>
-                </a:solidFill>
-                <a:latin typeface="Courier New"/>
-              </a:rPr>
-              <a:t> </a:t>
-            </a:r>
-            <a:r>
-              <a:rPr sz="1400">
-                <a:solidFill>
-                  <a:srgbClr val="000000"/>
-                </a:solidFill>
-                <a:latin typeface="Courier New"/>
-              </a:rPr>
-              <a:t>5</a:t>
-            </a:r>
-            <a:r>
-              <a:rPr sz="1400">
-                <a:solidFill>
-                  <a:srgbClr val="000000"/>
-                </a:solidFill>
-                <a:latin typeface="Courier New"/>
-              </a:rPr>
-              <a:t> </a:t>
-            </a:r>
-            <a:r>
-              <a:rPr sz="1400">
-                <a:solidFill>
-                  <a:srgbClr val="000000"/>
-                </a:solidFill>
-                <a:latin typeface="Courier New"/>
-              </a:rPr>
-              <a:t>0</a:t>
-            </a:r>
-            <a:r>
-              <a:rPr sz="1400">
-                <a:solidFill>
-                  <a:srgbClr val="000000"/>
-                </a:solidFill>
-                <a:latin typeface="Courier New"/>
-              </a:rPr>
-              <a:t> </a:t>
-            </a:r>
-            <a:r>
-              <a:rPr sz="1400">
-                <a:solidFill>
-                  <a:srgbClr val="000000"/>
-                </a:solidFill>
-                <a:latin typeface="Courier New"/>
-              </a:rPr>
-              <a:t>DC</a:t>
-            </a:r>
-            <a:r>
-              <a:rPr sz="1400">
-                <a:solidFill>
-                  <a:srgbClr val="000000"/>
-                </a:solidFill>
-                <a:latin typeface="Courier New"/>
-              </a:rPr>
-              <a:t> </a:t>
-            </a:r>
-            <a:r>
-              <a:rPr sz="1400">
-                <a:solidFill>
-                  <a:srgbClr val="000000"/>
-                </a:solidFill>
-                <a:latin typeface="Courier New"/>
-              </a:rPr>
-              <a:t>+</a:t>
-            </a:r>
-            <a:r>
-              <a:rPr sz="1400">
-                <a:solidFill>
-                  <a:srgbClr val="000000"/>
-                </a:solidFill>
-                <a:latin typeface="Courier New"/>
-              </a:rPr>
-              <a:t>20</a:t>
-            </a:r>
-            <a:r>
-              <a:rPr sz="1400">
-                <a:solidFill>
-                  <a:srgbClr val="000000"/>
-                </a:solidFill>
-                <a:latin typeface="Courier New"/>
-              </a:rPr>
-              <a:t>V</a:t>
-            </a:r>
-            <a:r>
-              <a:rPr sz="1400">
-                <a:solidFill>
-                  <a:srgbClr val="000000"/>
-                </a:solidFill>
-                <a:latin typeface="Courier New"/>
-              </a:rPr>
-              <a:t>VNEG2</a:t>
-            </a:r>
-            <a:r>
-              <a:rPr sz="1400">
-                <a:solidFill>
-                  <a:srgbClr val="000000"/>
-                </a:solidFill>
-                <a:latin typeface="Courier New"/>
-              </a:rPr>
-              <a:t> </a:t>
-            </a:r>
-            <a:r>
-              <a:rPr sz="1400">
-                <a:solidFill>
-                  <a:srgbClr val="000000"/>
-                </a:solidFill>
-                <a:latin typeface="Courier New"/>
-              </a:rPr>
-              <a:t>4</a:t>
-            </a:r>
-            <a:r>
-              <a:rPr sz="1400">
-                <a:solidFill>
-                  <a:srgbClr val="000000"/>
-                </a:solidFill>
-                <a:latin typeface="Courier New"/>
-              </a:rPr>
-              <a:t> </a:t>
-            </a:r>
-            <a:r>
-              <a:rPr sz="1400">
-                <a:solidFill>
-                  <a:srgbClr val="000000"/>
-                </a:solidFill>
-                <a:latin typeface="Courier New"/>
-              </a:rPr>
-              <a:t>0</a:t>
-            </a:r>
-            <a:r>
-              <a:rPr sz="1400">
-                <a:solidFill>
-                  <a:srgbClr val="000000"/>
-                </a:solidFill>
-                <a:latin typeface="Courier New"/>
-              </a:rPr>
-              <a:t> </a:t>
-            </a:r>
-            <a:r>
-              <a:rPr sz="1400">
-                <a:solidFill>
-                  <a:srgbClr val="000000"/>
-                </a:solidFill>
-                <a:latin typeface="Courier New"/>
-              </a:rPr>
-              <a:t>DC</a:t>
-            </a:r>
-            <a:r>
-              <a:rPr sz="1400">
-                <a:solidFill>
-                  <a:srgbClr val="000000"/>
-                </a:solidFill>
-                <a:latin typeface="Courier New"/>
-              </a:rPr>
-              <a:t> </a:t>
-            </a:r>
-            <a:r>
-              <a:rPr sz="1400">
-                <a:solidFill>
-                  <a:srgbClr val="000000"/>
-                </a:solidFill>
-                <a:latin typeface="Courier New"/>
-              </a:rPr>
-              <a:t>-</a:t>
-            </a:r>
-            <a:r>
-              <a:rPr sz="1400">
-                <a:solidFill>
-                  <a:srgbClr val="000000"/>
-                </a:solidFill>
-                <a:latin typeface="Courier New"/>
-              </a:rPr>
-              <a:t>20</a:t>
-            </a:r>
-            <a:r>
-              <a:rPr sz="1400">
-                <a:solidFill>
-                  <a:srgbClr val="000000"/>
-                </a:solidFill>
-                <a:latin typeface="Courier New"/>
-              </a:rPr>
-              <a:t>V</a:t>
-            </a:r>
-            <a:r>
-              <a:rPr sz="1400">
-                <a:solidFill>
-                  <a:srgbClr val="000000"/>
-                </a:solidFill>
-                <a:latin typeface="Courier New"/>
-              </a:rPr>
-              <a:t>*</a:t>
-            </a:r>
-            <a:r>
-              <a:rPr sz="1400">
-                <a:solidFill>
-                  <a:srgbClr val="000000"/>
-                </a:solidFill>
-                <a:latin typeface="Courier New"/>
-              </a:rPr>
-              <a:t>*</a:t>
-            </a:r>
-            <a:r>
-              <a:rPr sz="1400">
-                <a:solidFill>
-                  <a:srgbClr val="000000"/>
-                </a:solidFill>
-                <a:latin typeface="Courier New"/>
-              </a:rPr>
-              <a:t> </a:t>
-            </a:r>
-            <a:r>
-              <a:rPr sz="1400">
-                <a:solidFill>
-                  <a:srgbClr val="000000"/>
-                </a:solidFill>
-                <a:latin typeface="Courier New"/>
-              </a:rPr>
-              <a:t>input</a:t>
-            </a:r>
-            <a:r>
-              <a:rPr sz="1400">
-                <a:solidFill>
-                  <a:srgbClr val="000000"/>
-                </a:solidFill>
-                <a:latin typeface="Courier New"/>
-              </a:rPr>
-              <a:t> </a:t>
-            </a:r>
-            <a:r>
-              <a:rPr sz="1400">
-                <a:solidFill>
-                  <a:srgbClr val="000000"/>
-                </a:solidFill>
-                <a:latin typeface="Courier New"/>
-              </a:rPr>
-              <a:t>source</a:t>
-            </a:r>
-            <a:r>
-              <a:rPr sz="1400">
-                <a:solidFill>
-                  <a:srgbClr val="000000"/>
-                </a:solidFill>
-                <a:latin typeface="Courier New"/>
-              </a:rPr>
-              <a:t>VS1</a:t>
-            </a:r>
-            <a:r>
-              <a:rPr sz="1400">
-                <a:solidFill>
-                  <a:srgbClr val="000000"/>
-                </a:solidFill>
-                <a:latin typeface="Courier New"/>
-              </a:rPr>
-              <a:t> </a:t>
-            </a:r>
-            <a:r>
-              <a:rPr sz="1400">
-                <a:solidFill>
-                  <a:srgbClr val="000000"/>
-                </a:solidFill>
-                <a:latin typeface="Courier New"/>
-              </a:rPr>
-              <a:t>1</a:t>
-            </a:r>
-            <a:r>
-              <a:rPr sz="1400">
-                <a:solidFill>
-                  <a:srgbClr val="000000"/>
-                </a:solidFill>
-                <a:latin typeface="Courier New"/>
-              </a:rPr>
-              <a:t> </a:t>
-            </a:r>
-            <a:r>
-              <a:rPr sz="1400">
-                <a:solidFill>
-                  <a:srgbClr val="000000"/>
-                </a:solidFill>
-                <a:latin typeface="Courier New"/>
-              </a:rPr>
-              <a:t>0</a:t>
-            </a:r>
-            <a:r>
-              <a:rPr sz="1400">
-                <a:solidFill>
-                  <a:srgbClr val="000000"/>
-                </a:solidFill>
-                <a:latin typeface="Courier New"/>
-              </a:rPr>
-              <a:t> </a:t>
-            </a:r>
-            <a:r>
-              <a:rPr sz="1400">
-                <a:solidFill>
-                  <a:srgbClr val="000000"/>
-                </a:solidFill>
-                <a:latin typeface="Courier New"/>
-              </a:rPr>
-              <a:t>DC</a:t>
-            </a:r>
-            <a:r>
-              <a:rPr sz="1400">
-                <a:solidFill>
-                  <a:srgbClr val="000000"/>
-                </a:solidFill>
-                <a:latin typeface="Courier New"/>
-              </a:rPr>
-              <a:t> </a:t>
-            </a:r>
-            <a:r>
-              <a:rPr sz="1400">
-                <a:solidFill>
-                  <a:srgbClr val="000000"/>
-                </a:solidFill>
-                <a:latin typeface="Courier New"/>
-              </a:rPr>
-              <a:t>0</a:t>
-            </a:r>
-            <a:r>
-              <a:rPr sz="1400">
-                <a:solidFill>
-                  <a:srgbClr val="000000"/>
-                </a:solidFill>
-                <a:latin typeface="Courier New"/>
-              </a:rPr>
-              <a:t> </a:t>
-            </a:r>
-            <a:r>
-              <a:rPr sz="1400">
-                <a:solidFill>
-                  <a:srgbClr val="000000"/>
-                </a:solidFill>
-                <a:latin typeface="Courier New"/>
-              </a:rPr>
-              <a:t>SIN</a:t>
-            </a:r>
-            <a:r>
-              <a:rPr sz="1400">
-                <a:solidFill>
-                  <a:srgbClr val="000000"/>
-                </a:solidFill>
-                <a:latin typeface="Courier New"/>
-              </a:rPr>
-              <a:t>(</a:t>
-            </a:r>
-            <a:r>
-              <a:rPr sz="1400">
-                <a:solidFill>
-                  <a:srgbClr val="000000"/>
-                </a:solidFill>
-                <a:latin typeface="Courier New"/>
-              </a:rPr>
-              <a:t>0</a:t>
-            </a:r>
-            <a:r>
-              <a:rPr sz="1400">
-                <a:solidFill>
-                  <a:srgbClr val="000000"/>
-                </a:solidFill>
-                <a:latin typeface="Courier New"/>
-              </a:rPr>
-              <a:t>V</a:t>
-            </a:r>
-            <a:r>
-              <a:rPr sz="1400">
-                <a:solidFill>
-                  <a:srgbClr val="000000"/>
-                </a:solidFill>
-                <a:latin typeface="Courier New"/>
-              </a:rPr>
-              <a:t> </a:t>
-            </a:r>
-            <a:r>
-              <a:rPr sz="1400">
-                <a:solidFill>
-                  <a:srgbClr val="000000"/>
-                </a:solidFill>
-                <a:latin typeface="Courier New"/>
-              </a:rPr>
-              <a:t>48</a:t>
-            </a:r>
-            <a:r>
-              <a:rPr sz="1400">
-                <a:solidFill>
-                  <a:srgbClr val="000000"/>
-                </a:solidFill>
-                <a:latin typeface="Courier New"/>
-              </a:rPr>
-              <a:t>VPEAK</a:t>
-            </a:r>
-            <a:r>
-              <a:rPr sz="1400">
-                <a:solidFill>
-                  <a:srgbClr val="000000"/>
-                </a:solidFill>
-                <a:latin typeface="Courier New"/>
-              </a:rPr>
-              <a:t> </a:t>
-            </a:r>
-            <a:r>
-              <a:rPr sz="1400">
-                <a:solidFill>
-                  <a:srgbClr val="000000"/>
-                </a:solidFill>
-                <a:latin typeface="Courier New"/>
-              </a:rPr>
-              <a:t>10</a:t>
-            </a:r>
-            <a:r>
-              <a:rPr sz="1400">
-                <a:solidFill>
-                  <a:srgbClr val="000000"/>
-                </a:solidFill>
-                <a:latin typeface="Courier New"/>
-              </a:rPr>
-              <a:t>KHZ</a:t>
-            </a:r>
-            <a:r>
-              <a:rPr sz="1400">
-                <a:solidFill>
-                  <a:srgbClr val="000000"/>
-                </a:solidFill>
-                <a:latin typeface="Courier New"/>
-              </a:rPr>
-              <a:t>)</a:t>
-            </a:r>
-            <a:r>
-              <a:rPr sz="1400">
-                <a:solidFill>
-                  <a:srgbClr val="000000"/>
-                </a:solidFill>
-                <a:latin typeface="Courier New"/>
-              </a:rPr>
-              <a:t>*</a:t>
-            </a:r>
-            <a:r>
-              <a:rPr sz="1400">
-                <a:solidFill>
-                  <a:srgbClr val="000000"/>
-                </a:solidFill>
-                <a:latin typeface="Courier New"/>
-              </a:rPr>
-              <a:t>*</a:t>
-            </a:r>
-            <a:r>
-              <a:rPr sz="1400">
-                <a:solidFill>
-                  <a:srgbClr val="000000"/>
-                </a:solidFill>
-                <a:latin typeface="Courier New"/>
-              </a:rPr>
-              <a:t> </a:t>
-            </a:r>
-            <a:r>
-              <a:rPr sz="1400">
-                <a:solidFill>
-                  <a:srgbClr val="000000"/>
-                </a:solidFill>
-                <a:latin typeface="Courier New"/>
-              </a:rPr>
-              <a:t>PUSH</a:t>
-            </a:r>
-            <a:r>
-              <a:rPr sz="1400">
-                <a:solidFill>
-                  <a:srgbClr val="000000"/>
-                </a:solidFill>
-                <a:latin typeface="Courier New"/>
-              </a:rPr>
-              <a:t>-</a:t>
-            </a:r>
-            <a:r>
-              <a:rPr sz="1400">
-                <a:solidFill>
-                  <a:srgbClr val="000000"/>
-                </a:solidFill>
-                <a:latin typeface="Courier New"/>
-              </a:rPr>
-              <a:t>PULL</a:t>
-            </a:r>
-            <a:r>
-              <a:rPr sz="1400">
-                <a:solidFill>
-                  <a:srgbClr val="000000"/>
-                </a:solidFill>
-                <a:latin typeface="Courier New"/>
-              </a:rPr>
-              <a:t> </a:t>
-            </a:r>
-            <a:r>
-              <a:rPr sz="1400">
-                <a:solidFill>
-                  <a:srgbClr val="000000"/>
-                </a:solidFill>
-                <a:latin typeface="Courier New"/>
-              </a:rPr>
-              <a:t>TRANSISTOR</a:t>
-            </a:r>
-            <a:r>
-              <a:rPr sz="1400">
-                <a:solidFill>
-                  <a:srgbClr val="000000"/>
-                </a:solidFill>
-                <a:latin typeface="Courier New"/>
-              </a:rPr>
-              <a:t> </a:t>
-            </a:r>
-            <a:r>
-              <a:rPr sz="1400">
-                <a:solidFill>
-                  <a:srgbClr val="000000"/>
-                </a:solidFill>
-                <a:latin typeface="Courier New"/>
-              </a:rPr>
-              <a:t>OUTPUT</a:t>
-            </a:r>
-            <a:r>
-              <a:rPr sz="1400">
-                <a:solidFill>
-                  <a:srgbClr val="000000"/>
-                </a:solidFill>
-                <a:latin typeface="Courier New"/>
-              </a:rPr>
-              <a:t> </a:t>
-            </a:r>
-            <a:r>
-              <a:rPr sz="1400">
-                <a:solidFill>
-                  <a:srgbClr val="000000"/>
-                </a:solidFill>
-                <a:latin typeface="Courier New"/>
-              </a:rPr>
-              <a:t>STAGE</a:t>
-            </a:r>
-            <a:r>
-              <a:rPr sz="1400">
-                <a:solidFill>
-                  <a:srgbClr val="000000"/>
-                </a:solidFill>
-                <a:latin typeface="Courier New"/>
-              </a:rPr>
-              <a:t>Q1h</a:t>
-            </a:r>
-            <a:r>
-              <a:rPr sz="1400">
-                <a:solidFill>
-                  <a:srgbClr val="000000"/>
-                </a:solidFill>
-                <a:latin typeface="Courier New"/>
-              </a:rPr>
-              <a:t> </a:t>
-            </a:r>
-            <a:r>
-              <a:rPr sz="1400">
-                <a:solidFill>
-                  <a:srgbClr val="000000"/>
-                </a:solidFill>
-                <a:latin typeface="Courier New"/>
-              </a:rPr>
-              <a:t>8</a:t>
-            </a:r>
-            <a:r>
-              <a:rPr sz="1400">
-                <a:solidFill>
-                  <a:srgbClr val="000000"/>
-                </a:solidFill>
-                <a:latin typeface="Courier New"/>
-              </a:rPr>
-              <a:t> </a:t>
-            </a:r>
-            <a:r>
-              <a:rPr sz="1400">
-                <a:solidFill>
-                  <a:srgbClr val="000000"/>
-                </a:solidFill>
-                <a:latin typeface="Courier New"/>
-              </a:rPr>
-              <a:t>1</a:t>
-            </a:r>
-            <a:r>
-              <a:rPr sz="1400">
-                <a:solidFill>
-                  <a:srgbClr val="000000"/>
-                </a:solidFill>
-                <a:latin typeface="Courier New"/>
-              </a:rPr>
-              <a:t> </a:t>
-            </a:r>
-            <a:r>
-              <a:rPr sz="1400">
-                <a:solidFill>
-                  <a:srgbClr val="000000"/>
-                </a:solidFill>
-                <a:latin typeface="Courier New"/>
-              </a:rPr>
-              <a:t>9</a:t>
-            </a:r>
-            <a:r>
-              <a:rPr sz="1400">
-                <a:solidFill>
-                  <a:srgbClr val="000000"/>
-                </a:solidFill>
-                <a:latin typeface="Courier New"/>
-              </a:rPr>
-              <a:t> </a:t>
-            </a:r>
-            <a:r>
-              <a:rPr sz="1400">
-                <a:solidFill>
-                  <a:srgbClr val="000000"/>
-                </a:solidFill>
-                <a:latin typeface="Courier New"/>
-              </a:rPr>
-              <a:t>QNPN</a:t>
-            </a:r>
-            <a:r>
-              <a:rPr sz="1400">
-                <a:solidFill>
-                  <a:srgbClr val="000000"/>
-                </a:solidFill>
-                <a:latin typeface="Courier New"/>
-              </a:rPr>
-              <a:t>Q1s</a:t>
-            </a:r>
-            <a:r>
-              <a:rPr sz="1400">
-                <a:solidFill>
-                  <a:srgbClr val="000000"/>
-                </a:solidFill>
-                <a:latin typeface="Courier New"/>
-              </a:rPr>
-              <a:t> </a:t>
-            </a:r>
-            <a:r>
-              <a:rPr sz="1400">
-                <a:solidFill>
-                  <a:srgbClr val="000000"/>
-                </a:solidFill>
-                <a:latin typeface="Courier New"/>
-              </a:rPr>
-              <a:t>9</a:t>
-            </a:r>
-            <a:r>
-              <a:rPr sz="1400">
-                <a:solidFill>
-                  <a:srgbClr val="000000"/>
-                </a:solidFill>
-                <a:latin typeface="Courier New"/>
-              </a:rPr>
-              <a:t> </a:t>
-            </a:r>
-            <a:r>
-              <a:rPr sz="1400">
-                <a:solidFill>
-                  <a:srgbClr val="000000"/>
-                </a:solidFill>
-                <a:latin typeface="Courier New"/>
-              </a:rPr>
-              <a:t>12</a:t>
-            </a:r>
-            <a:r>
-              <a:rPr sz="1400">
-                <a:solidFill>
-                  <a:srgbClr val="000000"/>
-                </a:solidFill>
-                <a:latin typeface="Courier New"/>
-              </a:rPr>
-              <a:t> </a:t>
-            </a:r>
-            <a:r>
-              <a:rPr sz="1400">
-                <a:solidFill>
-                  <a:srgbClr val="000000"/>
-                </a:solidFill>
-                <a:latin typeface="Courier New"/>
-              </a:rPr>
-              <a:t>2</a:t>
-            </a:r>
-            <a:r>
-              <a:rPr sz="1400">
-                <a:solidFill>
-                  <a:srgbClr val="000000"/>
-                </a:solidFill>
-                <a:latin typeface="Courier New"/>
-              </a:rPr>
-              <a:t> </a:t>
-            </a:r>
-            <a:r>
-              <a:rPr sz="1400">
-                <a:solidFill>
-                  <a:srgbClr val="000000"/>
-                </a:solidFill>
-                <a:latin typeface="Courier New"/>
-              </a:rPr>
-              <a:t>QNPN</a:t>
-            </a:r>
-          </a:p>
-        </p:txBody>
-      </p:sp>
-      <p:sp>
-        <p:nvSpPr>
-          <p:cNvPr id="3" name="Title 2"/>
-          <p:cNvSpPr>
-            <a:spLocks noGrp="1"/>
-          </p:cNvSpPr>
-          <p:nvPr>
-            <p:ph type="title"/>
-          </p:nvPr>
-        </p:nvSpPr>
-        <p:spPr/>
-        <p:txBody>
-          <a:bodyPr wrap="square">
-            <a:noAutofit/>
-          </a:bodyPr>
-          <a:lstStyle/>
-          <a:p>
-            <a:r>
-              <a:rPr sz="3200" b="1" i="0">
-                <a:latin typeface="Arial"/>
-              </a:rPr>
-              <a:t>spice code basis Klasse G circuit</a:t>
-            </a:r>
-            <a:endParaRPr sz="3200" b="1" i="0">
-              <a:latin typeface="Arial"/>
-            </a:endParaRPr>
-          </a:p>
-        </p:txBody>
-      </p:sp>
-    </p:spTree>
-  </p:cSld>
-  <p:clrMapOvr>
-    <a:masterClrMapping/>
-  </p:clrMapOvr>
-</p:sld>
-</file>
-
-<file path=ppt/slides/slide13.xml><?xml version="1.0" encoding="utf-8"?>
-<p:sld xmlns:a="http://schemas.openxmlformats.org/drawingml/2006/main" xmlns:p="http://schemas.openxmlformats.org/presentationml/2006/main" xmlns:r="http://schemas.openxmlformats.org/officeDocument/2006/relationships">
-  <p:cSld>
-    <p:spTree>
-      <p:nvGrpSpPr>
-        <p:cNvPr id="1" name=""/>
-        <p:cNvGrpSpPr/>
-        <p:nvPr/>
-      </p:nvGrpSpPr>
-      <p:grpSpPr/>
-      <p:sp>
-        <p:nvSpPr>
-          <p:cNvPr id="2" name="Content Placeholder 1"/>
-          <p:cNvSpPr>
-            <a:spLocks noGrp="1"/>
-          </p:cNvSpPr>
-          <p:nvPr>
-            <p:ph idx="1"/>
-          </p:nvPr>
-        </p:nvSpPr>
-        <p:spPr/>
-        <p:txBody>
-          <a:bodyPr/>
-          <a:lstStyle/>
-          <a:p>
-            <a:r>
-              <a:rPr sz="1400">
-                <a:solidFill>
-                  <a:srgbClr val="000000"/>
-                </a:solidFill>
-                <a:latin typeface="Courier New"/>
-              </a:rPr>
-              <a:t>Q2s</a:t>
-            </a:r>
-            <a:r>
-              <a:rPr sz="1400">
-                <a:solidFill>
-                  <a:srgbClr val="000000"/>
-                </a:solidFill>
-                <a:latin typeface="Courier New"/>
-              </a:rPr>
-              <a:t> </a:t>
-            </a:r>
-            <a:r>
-              <a:rPr sz="1400">
-                <a:solidFill>
-                  <a:srgbClr val="000000"/>
-                </a:solidFill>
-                <a:latin typeface="Courier New"/>
-              </a:rPr>
-              <a:t>7</a:t>
-            </a:r>
-            <a:r>
-              <a:rPr sz="1400">
-                <a:solidFill>
-                  <a:srgbClr val="000000"/>
-                </a:solidFill>
-                <a:latin typeface="Courier New"/>
-              </a:rPr>
-              <a:t> </a:t>
-            </a:r>
-            <a:r>
-              <a:rPr sz="1400">
-                <a:solidFill>
-                  <a:srgbClr val="000000"/>
-                </a:solidFill>
-                <a:latin typeface="Courier New"/>
-              </a:rPr>
-              <a:t>13</a:t>
-            </a:r>
-            <a:r>
-              <a:rPr sz="1400">
-                <a:solidFill>
-                  <a:srgbClr val="000000"/>
-                </a:solidFill>
-                <a:latin typeface="Courier New"/>
-              </a:rPr>
-              <a:t> </a:t>
-            </a:r>
-            <a:r>
-              <a:rPr sz="1400">
-                <a:solidFill>
-                  <a:srgbClr val="000000"/>
-                </a:solidFill>
-                <a:latin typeface="Courier New"/>
-              </a:rPr>
-              <a:t>2</a:t>
-            </a:r>
-            <a:r>
-              <a:rPr sz="1400">
-                <a:solidFill>
-                  <a:srgbClr val="000000"/>
-                </a:solidFill>
-                <a:latin typeface="Courier New"/>
-              </a:rPr>
-              <a:t> </a:t>
-            </a:r>
-            <a:r>
-              <a:rPr sz="1400">
-                <a:solidFill>
-                  <a:srgbClr val="000000"/>
-                </a:solidFill>
-                <a:latin typeface="Courier New"/>
-              </a:rPr>
-              <a:t>QPNP</a:t>
-            </a:r>
-            <a:r>
-              <a:rPr sz="1400">
-                <a:solidFill>
-                  <a:srgbClr val="000000"/>
-                </a:solidFill>
-                <a:latin typeface="Courier New"/>
-              </a:rPr>
-              <a:t>Q2h</a:t>
-            </a:r>
-            <a:r>
-              <a:rPr sz="1400">
-                <a:solidFill>
-                  <a:srgbClr val="000000"/>
-                </a:solidFill>
-                <a:latin typeface="Courier New"/>
-              </a:rPr>
-              <a:t> </a:t>
-            </a:r>
-            <a:r>
-              <a:rPr sz="1400">
-                <a:solidFill>
-                  <a:srgbClr val="000000"/>
-                </a:solidFill>
-                <a:latin typeface="Courier New"/>
-              </a:rPr>
-              <a:t>6</a:t>
-            </a:r>
-            <a:r>
-              <a:rPr sz="1400">
-                <a:solidFill>
-                  <a:srgbClr val="000000"/>
-                </a:solidFill>
-                <a:latin typeface="Courier New"/>
-              </a:rPr>
-              <a:t> </a:t>
-            </a:r>
-            <a:r>
-              <a:rPr sz="1400">
-                <a:solidFill>
-                  <a:srgbClr val="000000"/>
-                </a:solidFill>
-                <a:latin typeface="Courier New"/>
-              </a:rPr>
-              <a:t>1</a:t>
-            </a:r>
-            <a:r>
-              <a:rPr sz="1400">
-                <a:solidFill>
-                  <a:srgbClr val="000000"/>
-                </a:solidFill>
-                <a:latin typeface="Courier New"/>
-              </a:rPr>
-              <a:t> </a:t>
-            </a:r>
-            <a:r>
-              <a:rPr sz="1400">
-                <a:solidFill>
-                  <a:srgbClr val="000000"/>
-                </a:solidFill>
-                <a:latin typeface="Courier New"/>
-              </a:rPr>
-              <a:t>7</a:t>
-            </a:r>
-            <a:r>
-              <a:rPr sz="1400">
-                <a:solidFill>
-                  <a:srgbClr val="000000"/>
-                </a:solidFill>
-                <a:latin typeface="Courier New"/>
-              </a:rPr>
-              <a:t> </a:t>
-            </a:r>
-            <a:r>
-              <a:rPr sz="1400">
-                <a:solidFill>
-                  <a:srgbClr val="000000"/>
-                </a:solidFill>
-                <a:latin typeface="Courier New"/>
-              </a:rPr>
-              <a:t>QPNP</a:t>
-            </a:r>
-            <a:r>
-              <a:rPr sz="1400">
-                <a:solidFill>
-                  <a:srgbClr val="000000"/>
-                </a:solidFill>
-                <a:latin typeface="Courier New"/>
-              </a:rPr>
-              <a:t>*</a:t>
-            </a:r>
-            <a:r>
-              <a:rPr sz="1400">
-                <a:solidFill>
-                  <a:srgbClr val="000000"/>
-                </a:solidFill>
-                <a:latin typeface="Courier New"/>
-              </a:rPr>
-              <a:t>Dpos</a:t>
-            </a:r>
-            <a:r>
-              <a:rPr sz="1400">
-                <a:solidFill>
-                  <a:srgbClr val="000000"/>
-                </a:solidFill>
-                <a:latin typeface="Courier New"/>
-              </a:rPr>
-              <a:t> </a:t>
-            </a:r>
-            <a:r>
-              <a:rPr sz="1400">
-                <a:solidFill>
-                  <a:srgbClr val="000000"/>
-                </a:solidFill>
-                <a:latin typeface="Courier New"/>
-              </a:rPr>
-              <a:t>5</a:t>
-            </a:r>
-            <a:r>
-              <a:rPr sz="1400">
-                <a:solidFill>
-                  <a:srgbClr val="000000"/>
-                </a:solidFill>
-                <a:latin typeface="Courier New"/>
-              </a:rPr>
-              <a:t> </a:t>
-            </a:r>
-            <a:r>
-              <a:rPr sz="1400">
-                <a:solidFill>
-                  <a:srgbClr val="000000"/>
-                </a:solidFill>
-                <a:latin typeface="Courier New"/>
-              </a:rPr>
-              <a:t>9</a:t>
-            </a:r>
-            <a:r>
-              <a:rPr sz="1400">
-                <a:solidFill>
-                  <a:srgbClr val="000000"/>
-                </a:solidFill>
-                <a:latin typeface="Courier New"/>
-              </a:rPr>
-              <a:t> </a:t>
-            </a:r>
-            <a:r>
-              <a:rPr sz="1400">
-                <a:solidFill>
-                  <a:srgbClr val="000000"/>
-                </a:solidFill>
-                <a:latin typeface="Courier New"/>
-              </a:rPr>
-              <a:t>DNOM</a:t>
-            </a:r>
-            <a:r>
-              <a:rPr sz="1400">
-                <a:solidFill>
-                  <a:srgbClr val="000000"/>
-                </a:solidFill>
-                <a:latin typeface="Courier New"/>
-              </a:rPr>
-              <a:t>Dneg</a:t>
-            </a:r>
-            <a:r>
-              <a:rPr sz="1400">
-                <a:solidFill>
-                  <a:srgbClr val="000000"/>
-                </a:solidFill>
-                <a:latin typeface="Courier New"/>
-              </a:rPr>
-              <a:t> </a:t>
-            </a:r>
-            <a:r>
-              <a:rPr sz="1400">
-                <a:solidFill>
-                  <a:srgbClr val="000000"/>
-                </a:solidFill>
-                <a:latin typeface="Courier New"/>
-              </a:rPr>
-              <a:t>7</a:t>
-            </a:r>
-            <a:r>
-              <a:rPr sz="1400">
-                <a:solidFill>
-                  <a:srgbClr val="000000"/>
-                </a:solidFill>
-                <a:latin typeface="Courier New"/>
-              </a:rPr>
-              <a:t> </a:t>
-            </a:r>
-            <a:r>
-              <a:rPr sz="1400">
-                <a:solidFill>
-                  <a:srgbClr val="000000"/>
-                </a:solidFill>
-                <a:latin typeface="Courier New"/>
-              </a:rPr>
-              <a:t>4</a:t>
-            </a:r>
-            <a:r>
-              <a:rPr sz="1400">
-                <a:solidFill>
-                  <a:srgbClr val="000000"/>
-                </a:solidFill>
-                <a:latin typeface="Courier New"/>
-              </a:rPr>
-              <a:t> </a:t>
-            </a:r>
-            <a:r>
-              <a:rPr sz="1400">
-                <a:solidFill>
-                  <a:srgbClr val="000000"/>
-                </a:solidFill>
-                <a:latin typeface="Courier New"/>
-              </a:rPr>
-              <a:t>DNOM</a:t>
-            </a:r>
-            <a:r>
-              <a:rPr sz="1400">
-                <a:solidFill>
-                  <a:srgbClr val="000000"/>
-                </a:solidFill>
-                <a:latin typeface="Courier New"/>
-              </a:rPr>
-              <a:t>*</a:t>
-            </a:r>
-            <a:r>
-              <a:rPr sz="1400">
-                <a:solidFill>
-                  <a:srgbClr val="000000"/>
-                </a:solidFill>
-                <a:latin typeface="Courier New"/>
-              </a:rPr>
-              <a:t>*</a:t>
-            </a:r>
-            <a:r>
-              <a:rPr sz="1400">
-                <a:solidFill>
-                  <a:srgbClr val="000000"/>
-                </a:solidFill>
-                <a:latin typeface="Courier New"/>
-              </a:rPr>
-              <a:t>compensatie</a:t>
-            </a:r>
-            <a:r>
-              <a:rPr sz="1400">
-                <a:solidFill>
-                  <a:srgbClr val="000000"/>
-                </a:solidFill>
-                <a:latin typeface="Courier New"/>
-              </a:rPr>
-              <a:t> </a:t>
-            </a:r>
-            <a:r>
-              <a:rPr sz="1400">
-                <a:solidFill>
-                  <a:srgbClr val="000000"/>
-                </a:solidFill>
-                <a:latin typeface="Courier New"/>
-              </a:rPr>
-              <a:t>Vsat</a:t>
-            </a:r>
-            <a:r>
-              <a:rPr sz="1400">
-                <a:solidFill>
-                  <a:srgbClr val="000000"/>
-                </a:solidFill>
-                <a:latin typeface="Courier New"/>
-              </a:rPr>
-              <a:t>Db1</a:t>
-            </a:r>
-            <a:r>
-              <a:rPr sz="1400">
-                <a:solidFill>
-                  <a:srgbClr val="000000"/>
-                </a:solidFill>
-                <a:latin typeface="Courier New"/>
-              </a:rPr>
-              <a:t> </a:t>
-            </a:r>
-            <a:r>
-              <a:rPr sz="1400">
-                <a:solidFill>
-                  <a:srgbClr val="000000"/>
-                </a:solidFill>
-                <a:latin typeface="Courier New"/>
-              </a:rPr>
-              <a:t>1</a:t>
-            </a:r>
-            <a:r>
-              <a:rPr sz="1400">
-                <a:solidFill>
-                  <a:srgbClr val="000000"/>
-                </a:solidFill>
-                <a:latin typeface="Courier New"/>
-              </a:rPr>
-              <a:t> </a:t>
-            </a:r>
-            <a:r>
-              <a:rPr sz="1400">
-                <a:solidFill>
-                  <a:srgbClr val="000000"/>
-                </a:solidFill>
-                <a:latin typeface="Courier New"/>
-              </a:rPr>
-              <a:t>12</a:t>
-            </a:r>
-            <a:r>
-              <a:rPr sz="1400">
-                <a:solidFill>
-                  <a:srgbClr val="000000"/>
-                </a:solidFill>
-                <a:latin typeface="Courier New"/>
-              </a:rPr>
-              <a:t> </a:t>
-            </a:r>
-            <a:r>
-              <a:rPr sz="1400">
-                <a:solidFill>
-                  <a:srgbClr val="000000"/>
-                </a:solidFill>
-                <a:latin typeface="Courier New"/>
-              </a:rPr>
-              <a:t>DNOM</a:t>
-            </a:r>
-            <a:r>
-              <a:rPr sz="1400">
-                <a:solidFill>
-                  <a:srgbClr val="000000"/>
-                </a:solidFill>
-                <a:latin typeface="Courier New"/>
-              </a:rPr>
-              <a:t>Db4</a:t>
-            </a:r>
-            <a:r>
-              <a:rPr sz="1400">
-                <a:solidFill>
-                  <a:srgbClr val="000000"/>
-                </a:solidFill>
-                <a:latin typeface="Courier New"/>
-              </a:rPr>
-              <a:t> </a:t>
-            </a:r>
-            <a:r>
-              <a:rPr sz="1400">
-                <a:solidFill>
-                  <a:srgbClr val="000000"/>
-                </a:solidFill>
-                <a:latin typeface="Courier New"/>
-              </a:rPr>
-              <a:t>13</a:t>
-            </a:r>
-            <a:r>
-              <a:rPr sz="1400">
-                <a:solidFill>
-                  <a:srgbClr val="000000"/>
-                </a:solidFill>
-                <a:latin typeface="Courier New"/>
-              </a:rPr>
-              <a:t> </a:t>
-            </a:r>
-            <a:r>
-              <a:rPr sz="1400">
-                <a:solidFill>
-                  <a:srgbClr val="000000"/>
-                </a:solidFill>
-                <a:latin typeface="Courier New"/>
-              </a:rPr>
-              <a:t>1</a:t>
-            </a:r>
-            <a:r>
-              <a:rPr sz="1400">
-                <a:solidFill>
-                  <a:srgbClr val="000000"/>
-                </a:solidFill>
-                <a:latin typeface="Courier New"/>
-              </a:rPr>
-              <a:t> </a:t>
-            </a:r>
-            <a:r>
-              <a:rPr sz="1400">
-                <a:solidFill>
-                  <a:srgbClr val="000000"/>
-                </a:solidFill>
-                <a:latin typeface="Courier New"/>
-              </a:rPr>
-              <a:t>DNOM</a:t>
-            </a:r>
-            <a:r>
-              <a:rPr sz="1400">
-                <a:solidFill>
-                  <a:srgbClr val="000000"/>
-                </a:solidFill>
-                <a:latin typeface="Courier New"/>
-              </a:rPr>
-              <a:t>*</a:t>
-            </a:r>
-            <a:r>
-              <a:rPr sz="1400">
-                <a:solidFill>
-                  <a:srgbClr val="000000"/>
-                </a:solidFill>
-                <a:latin typeface="Courier New"/>
-              </a:rPr>
-              <a:t>*</a:t>
-            </a:r>
-            <a:r>
-              <a:rPr sz="1400">
-                <a:solidFill>
-                  <a:srgbClr val="000000"/>
-                </a:solidFill>
-                <a:latin typeface="Courier New"/>
-              </a:rPr>
-              <a:t> </a:t>
-            </a:r>
-            <a:r>
-              <a:rPr sz="1400">
-                <a:solidFill>
-                  <a:srgbClr val="000000"/>
-                </a:solidFill>
-                <a:latin typeface="Courier New"/>
-              </a:rPr>
-              <a:t>Load</a:t>
-            </a:r>
-            <a:r>
-              <a:rPr sz="1400">
-                <a:solidFill>
-                  <a:srgbClr val="000000"/>
-                </a:solidFill>
-                <a:latin typeface="Courier New"/>
-              </a:rPr>
-              <a:t> </a:t>
-            </a:r>
-            <a:r>
-              <a:rPr sz="1400">
-                <a:solidFill>
-                  <a:srgbClr val="000000"/>
-                </a:solidFill>
-                <a:latin typeface="Courier New"/>
-              </a:rPr>
-              <a:t>resistance</a:t>
-            </a:r>
-          </a:p>
-        </p:txBody>
-      </p:sp>
-      <p:sp>
-        <p:nvSpPr>
-          <p:cNvPr id="3" name="Title 2"/>
-          <p:cNvSpPr>
-            <a:spLocks noGrp="1"/>
-          </p:cNvSpPr>
-          <p:nvPr>
-            <p:ph type="title"/>
-          </p:nvPr>
-        </p:nvSpPr>
-        <p:spPr/>
-        <p:txBody>
-          <a:bodyPr wrap="square">
-            <a:noAutofit/>
-          </a:bodyPr>
-          <a:lstStyle/>
-          <a:p>
-            <a:r>
-              <a:rPr sz="3200" b="1" i="0">
-                <a:latin typeface="Arial"/>
-              </a:rPr>
-              <a:t>spice code basis Klasse G circuit</a:t>
-            </a:r>
-            <a:endParaRPr sz="3200" b="1" i="0">
-              <a:latin typeface="Arial"/>
-            </a:endParaRPr>
-          </a:p>
-        </p:txBody>
-      </p:sp>
-    </p:spTree>
-  </p:cSld>
-  <p:clrMapOvr>
-    <a:masterClrMapping/>
-  </p:clrMapOvr>
-</p:sld>
-</file>
-
-<file path=ppt/slides/slide14.xml><?xml version="1.0" encoding="utf-8"?>
-<p:sld xmlns:a="http://schemas.openxmlformats.org/drawingml/2006/main" xmlns:p="http://schemas.openxmlformats.org/presentationml/2006/main" xmlns:r="http://schemas.openxmlformats.org/officeDocument/2006/relationships">
-  <p:cSld>
-    <p:spTree>
-      <p:nvGrpSpPr>
-        <p:cNvPr id="1" name=""/>
-        <p:cNvGrpSpPr/>
-        <p:nvPr/>
-      </p:nvGrpSpPr>
-      <p:grpSpPr/>
-      <p:sp>
-        <p:nvSpPr>
-          <p:cNvPr id="2" name="Content Placeholder 1"/>
-          <p:cNvSpPr>
-            <a:spLocks noGrp="1"/>
-          </p:cNvSpPr>
-          <p:nvPr>
-            <p:ph idx="1"/>
-          </p:nvPr>
-        </p:nvSpPr>
-        <p:spPr/>
-        <p:txBody>
-          <a:bodyPr/>
-          <a:lstStyle/>
-          <a:p>
-            <a:r>
-              <a:rPr sz="1400">
-                <a:solidFill>
-                  <a:srgbClr val="000000"/>
-                </a:solidFill>
-                <a:latin typeface="Courier New"/>
-              </a:rPr>
-              <a:t>RL1</a:t>
-            </a:r>
-            <a:r>
-              <a:rPr sz="1400">
-                <a:solidFill>
-                  <a:srgbClr val="000000"/>
-                </a:solidFill>
-                <a:latin typeface="Courier New"/>
-              </a:rPr>
-              <a:t> </a:t>
-            </a:r>
-            <a:r>
-              <a:rPr sz="1400">
-                <a:solidFill>
-                  <a:srgbClr val="000000"/>
-                </a:solidFill>
-                <a:latin typeface="Courier New"/>
-              </a:rPr>
-              <a:t>2</a:t>
-            </a:r>
-            <a:r>
-              <a:rPr sz="1400">
-                <a:solidFill>
-                  <a:srgbClr val="000000"/>
-                </a:solidFill>
-                <a:latin typeface="Courier New"/>
-              </a:rPr>
-              <a:t> </a:t>
-            </a:r>
-            <a:r>
-              <a:rPr sz="1400">
-                <a:solidFill>
-                  <a:srgbClr val="000000"/>
-                </a:solidFill>
-                <a:latin typeface="Courier New"/>
-              </a:rPr>
-              <a:t>0</a:t>
-            </a:r>
-            <a:r>
-              <a:rPr sz="1400">
-                <a:solidFill>
-                  <a:srgbClr val="000000"/>
-                </a:solidFill>
-                <a:latin typeface="Courier New"/>
-              </a:rPr>
-              <a:t> </a:t>
-            </a:r>
-            <a:r>
-              <a:rPr sz="1400">
-                <a:solidFill>
-                  <a:srgbClr val="000000"/>
-                </a:solidFill>
-                <a:latin typeface="Courier New"/>
-              </a:rPr>
-              <a:t>8</a:t>
-            </a:r>
-            <a:r>
-              <a:rPr sz="1400">
-                <a:solidFill>
-                  <a:srgbClr val="000000"/>
-                </a:solidFill>
-                <a:latin typeface="Courier New"/>
-              </a:rPr>
-              <a:t>*</a:t>
-            </a:r>
-            <a:r>
-              <a:rPr sz="1400">
-                <a:solidFill>
-                  <a:srgbClr val="000000"/>
-                </a:solidFill>
-                <a:latin typeface="Courier New"/>
-              </a:rPr>
-              <a:t>*</a:t>
-            </a:r>
-            <a:r>
-              <a:rPr sz="1400">
-                <a:solidFill>
-                  <a:srgbClr val="000000"/>
-                </a:solidFill>
-                <a:latin typeface="Courier New"/>
-              </a:rPr>
-              <a:t> </a:t>
-            </a:r>
-            <a:r>
-              <a:rPr sz="1400">
-                <a:solidFill>
-                  <a:srgbClr val="000000"/>
-                </a:solidFill>
-                <a:latin typeface="Courier New"/>
-              </a:rPr>
-              <a:t>DEVICE</a:t>
-            </a:r>
-            <a:r>
-              <a:rPr sz="1400">
-                <a:solidFill>
-                  <a:srgbClr val="000000"/>
-                </a:solidFill>
-                <a:latin typeface="Courier New"/>
-              </a:rPr>
-              <a:t> </a:t>
-            </a:r>
-            <a:r>
-              <a:rPr sz="1400">
-                <a:solidFill>
-                  <a:srgbClr val="000000"/>
-                </a:solidFill>
-                <a:latin typeface="Courier New"/>
-              </a:rPr>
-              <a:t>MODELS</a:t>
-            </a:r>
-            <a:r>
-              <a:rPr sz="1400">
-                <a:solidFill>
-                  <a:srgbClr val="000000"/>
-                </a:solidFill>
-                <a:latin typeface="Courier New"/>
-              </a:rPr>
-              <a:t>.</a:t>
-            </a:r>
-            <a:r>
-              <a:rPr sz="1400">
-                <a:solidFill>
-                  <a:srgbClr val="000000"/>
-                </a:solidFill>
-                <a:latin typeface="Courier New"/>
-              </a:rPr>
-              <a:t>model</a:t>
-            </a:r>
-            <a:r>
-              <a:rPr sz="1400">
-                <a:solidFill>
-                  <a:srgbClr val="000000"/>
-                </a:solidFill>
-                <a:latin typeface="Courier New"/>
-              </a:rPr>
-              <a:t> </a:t>
-            </a:r>
-            <a:r>
-              <a:rPr sz="1400">
-                <a:solidFill>
-                  <a:srgbClr val="000000"/>
-                </a:solidFill>
-                <a:latin typeface="Courier New"/>
-              </a:rPr>
-              <a:t>QNPN</a:t>
-            </a:r>
-            <a:r>
-              <a:rPr sz="1400">
-                <a:solidFill>
-                  <a:srgbClr val="000000"/>
-                </a:solidFill>
-                <a:latin typeface="Courier New"/>
-              </a:rPr>
-              <a:t> </a:t>
-            </a:r>
-            <a:r>
-              <a:rPr sz="1400">
-                <a:solidFill>
-                  <a:srgbClr val="000000"/>
-                </a:solidFill>
-                <a:latin typeface="Courier New"/>
-              </a:rPr>
-              <a:t>NPN</a:t>
-            </a:r>
-            <a:r>
-              <a:rPr sz="1400">
-                <a:solidFill>
-                  <a:srgbClr val="000000"/>
-                </a:solidFill>
-                <a:latin typeface="Courier New"/>
-              </a:rPr>
-              <a:t>(</a:t>
-            </a:r>
-            <a:r>
-              <a:rPr sz="1400">
-                <a:solidFill>
-                  <a:srgbClr val="000000"/>
-                </a:solidFill>
-                <a:latin typeface="Courier New"/>
-              </a:rPr>
-              <a:t>BF</a:t>
-            </a:r>
-            <a:r>
-              <a:rPr sz="1400">
-                <a:solidFill>
-                  <a:srgbClr val="000000"/>
-                </a:solidFill>
-                <a:latin typeface="Courier New"/>
-              </a:rPr>
-              <a:t>=</a:t>
-            </a:r>
-            <a:r>
-              <a:rPr sz="1400">
-                <a:solidFill>
-                  <a:srgbClr val="000000"/>
-                </a:solidFill>
-                <a:latin typeface="Courier New"/>
-              </a:rPr>
-              <a:t>50</a:t>
-            </a:r>
-            <a:r>
-              <a:rPr sz="1400">
-                <a:solidFill>
-                  <a:srgbClr val="000000"/>
-                </a:solidFill>
-                <a:latin typeface="Courier New"/>
-              </a:rPr>
-              <a:t>)</a:t>
-            </a:r>
-            <a:r>
-              <a:rPr sz="1400">
-                <a:solidFill>
-                  <a:srgbClr val="000000"/>
-                </a:solidFill>
-                <a:latin typeface="Courier New"/>
-              </a:rPr>
-              <a:t>.</a:t>
-            </a:r>
-            <a:r>
-              <a:rPr sz="1400">
-                <a:solidFill>
-                  <a:srgbClr val="000000"/>
-                </a:solidFill>
-                <a:latin typeface="Courier New"/>
-              </a:rPr>
-              <a:t>model</a:t>
-            </a:r>
-            <a:r>
-              <a:rPr sz="1400">
-                <a:solidFill>
-                  <a:srgbClr val="000000"/>
-                </a:solidFill>
-                <a:latin typeface="Courier New"/>
-              </a:rPr>
-              <a:t> </a:t>
-            </a:r>
-            <a:r>
-              <a:rPr sz="1400">
-                <a:solidFill>
-                  <a:srgbClr val="000000"/>
-                </a:solidFill>
-                <a:latin typeface="Courier New"/>
-              </a:rPr>
-              <a:t>QPNP</a:t>
-            </a:r>
-            <a:r>
-              <a:rPr sz="1400">
-                <a:solidFill>
-                  <a:srgbClr val="000000"/>
-                </a:solidFill>
-                <a:latin typeface="Courier New"/>
-              </a:rPr>
-              <a:t> </a:t>
-            </a:r>
-            <a:r>
-              <a:rPr sz="1400">
-                <a:solidFill>
-                  <a:srgbClr val="000000"/>
-                </a:solidFill>
-                <a:latin typeface="Courier New"/>
-              </a:rPr>
-              <a:t>PNP</a:t>
-            </a:r>
-            <a:r>
-              <a:rPr sz="1400">
-                <a:solidFill>
-                  <a:srgbClr val="000000"/>
-                </a:solidFill>
-                <a:latin typeface="Courier New"/>
-              </a:rPr>
-              <a:t>(</a:t>
-            </a:r>
-            <a:r>
-              <a:rPr sz="1400">
-                <a:solidFill>
-                  <a:srgbClr val="000000"/>
-                </a:solidFill>
-                <a:latin typeface="Courier New"/>
-              </a:rPr>
-              <a:t>BF</a:t>
-            </a:r>
-            <a:r>
-              <a:rPr sz="1400">
-                <a:solidFill>
-                  <a:srgbClr val="000000"/>
-                </a:solidFill>
-                <a:latin typeface="Courier New"/>
-              </a:rPr>
-              <a:t>=</a:t>
-            </a:r>
-            <a:r>
-              <a:rPr sz="1400">
-                <a:solidFill>
-                  <a:srgbClr val="000000"/>
-                </a:solidFill>
-                <a:latin typeface="Courier New"/>
-              </a:rPr>
-              <a:t>50</a:t>
-            </a:r>
-            <a:r>
-              <a:rPr sz="1400">
-                <a:solidFill>
-                  <a:srgbClr val="000000"/>
-                </a:solidFill>
-                <a:latin typeface="Courier New"/>
-              </a:rPr>
-              <a:t>)</a:t>
-            </a:r>
-            <a:r>
-              <a:rPr sz="1400">
-                <a:solidFill>
-                  <a:srgbClr val="000000"/>
-                </a:solidFill>
-                <a:latin typeface="Courier New"/>
-              </a:rPr>
-              <a:t>.</a:t>
-            </a:r>
-            <a:r>
-              <a:rPr sz="1400">
-                <a:solidFill>
-                  <a:srgbClr val="000000"/>
-                </a:solidFill>
-                <a:latin typeface="Courier New"/>
-              </a:rPr>
-              <a:t>model</a:t>
-            </a:r>
-            <a:r>
-              <a:rPr sz="1400">
-                <a:solidFill>
-                  <a:srgbClr val="000000"/>
-                </a:solidFill>
-                <a:latin typeface="Courier New"/>
-              </a:rPr>
-              <a:t> </a:t>
-            </a:r>
-            <a:r>
-              <a:rPr sz="1400">
-                <a:solidFill>
-                  <a:srgbClr val="000000"/>
-                </a:solidFill>
-                <a:latin typeface="Courier New"/>
-              </a:rPr>
-              <a:t>DNOM</a:t>
-            </a:r>
-            <a:r>
-              <a:rPr sz="1400">
-                <a:solidFill>
-                  <a:srgbClr val="000000"/>
-                </a:solidFill>
-                <a:latin typeface="Courier New"/>
-              </a:rPr>
-              <a:t> </a:t>
-            </a:r>
-            <a:r>
-              <a:rPr sz="1400">
-                <a:solidFill>
-                  <a:srgbClr val="000000"/>
-                </a:solidFill>
-                <a:latin typeface="Courier New"/>
-              </a:rPr>
-              <a:t>D</a:t>
-            </a:r>
-            <a:r>
-              <a:rPr sz="1400">
-                <a:solidFill>
-                  <a:srgbClr val="000000"/>
-                </a:solidFill>
-                <a:latin typeface="Courier New"/>
-              </a:rPr>
-              <a:t>()</a:t>
-            </a:r>
-          </a:p>
-        </p:txBody>
-      </p:sp>
-      <p:sp>
-        <p:nvSpPr>
-          <p:cNvPr id="3" name="Title 2"/>
-          <p:cNvSpPr>
-            <a:spLocks noGrp="1"/>
-          </p:cNvSpPr>
-          <p:nvPr>
-            <p:ph type="title"/>
-          </p:nvPr>
-        </p:nvSpPr>
-        <p:spPr/>
-        <p:txBody>
-          <a:bodyPr wrap="square">
-            <a:noAutofit/>
-          </a:bodyPr>
-          <a:lstStyle/>
-          <a:p>
-            <a:r>
-              <a:rPr sz="3200" b="1" i="0">
-                <a:latin typeface="Arial"/>
-              </a:rPr>
-              <a:t>spice code basis Klasse G circuit</a:t>
-            </a:r>
-            <a:endParaRPr sz="3200" b="1" i="0">
-              <a:latin typeface="Arial"/>
-            </a:endParaRPr>
-          </a:p>
-        </p:txBody>
-      </p:sp>
-    </p:spTree>
-  </p:cSld>
-  <p:clrMapOvr>
-    <a:masterClrMapping/>
-  </p:clrMapOvr>
-</p:sld>
-</file>
-
-<file path=ppt/slides/slide15.xml><?xml version="1.0" encoding="utf-8"?>
-<p:sld xmlns:a="http://schemas.openxmlformats.org/drawingml/2006/main" xmlns:p="http://schemas.openxmlformats.org/presentationml/2006/main" xmlns:r="http://schemas.openxmlformats.org/officeDocument/2006/relationships">
-  <p:cSld>
-    <p:spTree>
-      <p:nvGrpSpPr>
-        <p:cNvPr id="1" name=""/>
-        <p:cNvGrpSpPr/>
-        <p:nvPr/>
-      </p:nvGrpSpPr>
-      <p:grpSpPr/>
-      <p:sp>
-        <p:nvSpPr>
-          <p:cNvPr id="2" name="Title 1"/>
-          <p:cNvSpPr>
-            <a:spLocks noGrp="1"/>
-          </p:cNvSpPr>
-          <p:nvPr>
-            <p:ph type="title"/>
-          </p:nvPr>
-        </p:nvSpPr>
-        <p:spPr/>
-        <p:txBody>
-          <a:bodyPr wrap="square">
-            <a:noAutofit/>
-          </a:bodyPr>
-          <a:lstStyle/>
-          <a:p>
-            <a:r>
-              <a:rPr sz="3200" b="1" i="0">
-                <a:latin typeface="Arial"/>
-              </a:rPr>
-              <a:t>Stromen en Spanningen als functie van de tijd</a:t>
-            </a:r>
-            <a:endParaRPr sz="3200" b="1" i="0">
-              <a:latin typeface="Arial"/>
-            </a:endParaRPr>
-          </a:p>
-        </p:txBody>
-      </p:sp>
-      <p:pic>
-        <p:nvPicPr>
-          <p:cNvPr id="3" name="Picture 2" descr="image.png"/>
-          <p:cNvPicPr>
-            <a:picLocks noChangeAspect="1"/>
-          </p:cNvPicPr>
-          <p:nvPr/>
-        </p:nvPicPr>
-        <p:blipFill>
-          <a:blip r:embed="rId2"/>
-          <a:stretch>
-            <a:fillRect/>
-          </a:stretch>
-        </p:blipFill>
-        <p:spPr>
-          <a:xfrm>
-            <a:off x="2538997" y="566928"/>
-            <a:ext cx="7114005" cy="5577840"/>
-          </a:xfrm>
-          <a:prstGeom prst="rect">
-            <a:avLst/>
-          </a:prstGeom>
-        </p:spPr>
-      </p:pic>
-    </p:spTree>
-  </p:cSld>
-  <p:clrMapOvr>
-    <a:masterClrMapping/>
-  </p:clrMapOvr>
-</p:sld>
-</file>
-
-<file path=ppt/slides/slide16.xml><?xml version="1.0" encoding="utf-8"?>
-<p:sld xmlns:a="http://schemas.openxmlformats.org/drawingml/2006/main" xmlns:p="http://schemas.openxmlformats.org/presentationml/2006/main" xmlns:r="http://schemas.openxmlformats.org/officeDocument/2006/relationships">
-  <p:cSld>
-    <p:spTree>
-      <p:nvGrpSpPr>
-        <p:cNvPr id="1" name=""/>
-        <p:cNvGrpSpPr/>
-        <p:nvPr/>
-      </p:nvGrpSpPr>
-      <p:grpSpPr/>
-      <p:sp>
-        <p:nvSpPr>
-          <p:cNvPr id="2" name="Title 1"/>
-          <p:cNvSpPr>
-            <a:spLocks noGrp="1"/>
-          </p:cNvSpPr>
-          <p:nvPr>
-            <p:ph type="title"/>
-          </p:nvPr>
-        </p:nvSpPr>
-        <p:spPr/>
-        <p:txBody>
-          <a:bodyPr wrap="square">
-            <a:noAutofit/>
-          </a:bodyPr>
-          <a:lstStyle/>
-          <a:p>
-            <a:r>
-              <a:rPr sz="3200" b="1" i="0">
-                <a:latin typeface="Arial"/>
-              </a:rPr>
-              <a:t>Stromen als functie van de spanning</a:t>
-            </a:r>
-            <a:endParaRPr sz="3200" b="1" i="0">
-              <a:latin typeface="Arial"/>
-            </a:endParaRPr>
-          </a:p>
-        </p:txBody>
-      </p:sp>
-      <p:pic>
-        <p:nvPicPr>
-          <p:cNvPr id="3" name="Picture 2" descr="image.png"/>
-          <p:cNvPicPr>
-            <a:picLocks noChangeAspect="1"/>
-          </p:cNvPicPr>
-          <p:nvPr/>
-        </p:nvPicPr>
-        <p:blipFill>
-          <a:blip r:embed="rId2"/>
-          <a:stretch>
-            <a:fillRect/>
-          </a:stretch>
-        </p:blipFill>
-        <p:spPr>
-          <a:xfrm>
-            <a:off x="2674541" y="566928"/>
-            <a:ext cx="6842917" cy="5577840"/>
-          </a:xfrm>
-          <a:prstGeom prst="rect">
-            <a:avLst/>
-          </a:prstGeom>
-        </p:spPr>
-      </p:pic>
-    </p:spTree>
-  </p:cSld>
-  <p:clrMapOvr>
-    <a:masterClrMapping/>
-  </p:clrMapOvr>
-</p:sld>
-</file>
-
-<file path=ppt/slides/slide17.xml><?xml version="1.0" encoding="utf-8"?>
-<p:sld xmlns:a="http://schemas.openxmlformats.org/drawingml/2006/main" xmlns:p="http://schemas.openxmlformats.org/presentationml/2006/main" xmlns:r="http://schemas.openxmlformats.org/officeDocument/2006/relationships">
-  <p:cSld>
-    <p:spTree>
-      <p:nvGrpSpPr>
-        <p:cNvPr id="1" name=""/>
-        <p:cNvGrpSpPr/>
-        <p:nvPr/>
-      </p:nvGrpSpPr>
-      <p:grpSpPr/>
-    </p:spTree>
-  </p:cSld>
-  <p:clrMapOvr>
-    <a:masterClrMapping/>
-  </p:clrMapOvr>
-</p:sld>
-</file>
-
-<file path=ppt/slides/slide18.xml><?xml version="1.0" encoding="utf-8"?>
 <p:sld xmlns:a="http://schemas.openxmlformats.org/drawingml/2006/main" xmlns:p="http://schemas.openxmlformats.org/presentationml/2006/main" xmlns:r="http://schemas.openxmlformats.org/officeDocument/2006/relationships">
   <p:cSld>
     <p:spTree>
@@ -8309,9 +5928,241 @@
         </p:nvSpPr>
         <p:spPr/>
         <p:txBody>
-          <a:bodyPr/>
+          <a:bodyPr wrap="square">
+            <a:noAutofit/>
+          </a:bodyPr>
           <a:lstStyle/>
-          <a:p/>
+          <a:p>
+            <a:pPr>
+              <a:lnSpc>
+                <a:spcPts val="2400"/>
+              </a:lnSpc>
+              <a:defRPr>
+                <a:solidFill>
+                  <a:srgbClr val="FFFFFF"/>
+                </a:solidFill>
+              </a:defRPr>
+            </a:pPr>
+            <a:r>
+              <a:rPr sz="2400" b="0" i="0">
+                <a:latin typeface="Courier"/>
+              </a:rPr>
+              <a:t>Klasse G versterker</a:t>
+            </a:r>
+            <a:endParaRPr sz="2400" b="0" i="0">
+              <a:latin typeface="Courier"/>
+            </a:endParaRPr>
+          </a:p>
+          <a:p>
+            <a:pPr>
+              <a:lnSpc>
+                <a:spcPts val="2400"/>
+              </a:lnSpc>
+              <a:defRPr>
+                <a:solidFill>
+                  <a:srgbClr val="FFFFFF"/>
+                </a:solidFill>
+              </a:defRPr>
+            </a:pPr>
+            <a:r>
+              <a:rPr sz="2400" b="0" i="0">
+                <a:latin typeface="Courier"/>
+              </a:rPr>
+              <a:t>*</a:t>
+            </a:r>
+            <a:endParaRPr sz="2400" b="0" i="0">
+              <a:latin typeface="Courier"/>
+            </a:endParaRPr>
+          </a:p>
+          <a:p>
+            <a:pPr>
+              <a:lnSpc>
+                <a:spcPts val="2400"/>
+              </a:lnSpc>
+              <a:defRPr>
+                <a:solidFill>
+                  <a:srgbClr val="FFFFFF"/>
+                </a:solidFill>
+              </a:defRPr>
+            </a:pPr>
+            <a:r>
+              <a:rPr sz="2400" b="0" i="0">
+                <a:latin typeface="Courier"/>
+              </a:rPr>
+              <a:t>* SUPPLY VOLTAGES</a:t>
+            </a:r>
+            <a:endParaRPr sz="2400" b="0" i="0">
+              <a:latin typeface="Courier"/>
+            </a:endParaRPr>
+          </a:p>
+          <a:p>
+            <a:pPr>
+              <a:lnSpc>
+                <a:spcPts val="2400"/>
+              </a:lnSpc>
+              <a:defRPr>
+                <a:solidFill>
+                  <a:srgbClr val="FFFFFF"/>
+                </a:solidFill>
+              </a:defRPr>
+            </a:pPr>
+            <a:r>
+              <a:rPr sz="2400" b="0" i="0">
+                <a:latin typeface="Courier"/>
+              </a:rPr>
+              <a:t>VPOS1 8 0 DC	+70</a:t>
+            </a:r>
+            <a:endParaRPr sz="2400" b="0" i="0">
+              <a:latin typeface="Courier"/>
+            </a:endParaRPr>
+          </a:p>
+          <a:p>
+            <a:pPr>
+              <a:lnSpc>
+                <a:spcPts val="2400"/>
+              </a:lnSpc>
+              <a:defRPr>
+                <a:solidFill>
+                  <a:srgbClr val="FFFFFF"/>
+                </a:solidFill>
+              </a:defRPr>
+            </a:pPr>
+            <a:r>
+              <a:rPr sz="2400" b="0" i="0">
+                <a:latin typeface="Courier"/>
+              </a:rPr>
+              <a:t>VNEG1 6 0 DC	-70V</a:t>
+            </a:r>
+            <a:endParaRPr sz="2400" b="0" i="0">
+              <a:latin typeface="Courier"/>
+            </a:endParaRPr>
+          </a:p>
+          <a:p>
+            <a:pPr>
+              <a:lnSpc>
+                <a:spcPts val="2400"/>
+              </a:lnSpc>
+              <a:defRPr>
+                <a:solidFill>
+                  <a:srgbClr val="FFFFFF"/>
+                </a:solidFill>
+              </a:defRPr>
+            </a:pPr>
+            <a:r>
+              <a:rPr sz="2400" b="0" i="0">
+                <a:latin typeface="Courier"/>
+              </a:rPr>
+              <a:t>VPOS2 5 0 DC	+20V</a:t>
+            </a:r>
+            <a:endParaRPr sz="2400" b="0" i="0">
+              <a:latin typeface="Courier"/>
+            </a:endParaRPr>
+          </a:p>
+          <a:p>
+            <a:pPr>
+              <a:lnSpc>
+                <a:spcPts val="2400"/>
+              </a:lnSpc>
+              <a:defRPr>
+                <a:solidFill>
+                  <a:srgbClr val="FFFFFF"/>
+                </a:solidFill>
+              </a:defRPr>
+            </a:pPr>
+            <a:r>
+              <a:rPr sz="2400" b="0" i="0">
+                <a:latin typeface="Courier"/>
+              </a:rPr>
+              <a:t>VNEG2 4 0 DC	-20V</a:t>
+            </a:r>
+            <a:endParaRPr sz="2400" b="0" i="0">
+              <a:latin typeface="Courier"/>
+            </a:endParaRPr>
+          </a:p>
+          <a:p>
+            <a:pPr>
+              <a:lnSpc>
+                <a:spcPts val="2400"/>
+              </a:lnSpc>
+              <a:defRPr>
+                <a:solidFill>
+                  <a:srgbClr val="FFFFFF"/>
+                </a:solidFill>
+              </a:defRPr>
+            </a:pPr>
+            <a:r>
+              <a:rPr sz="2400" b="0" i="0">
+                <a:latin typeface="Courier"/>
+              </a:rPr>
+              <a:t>*</a:t>
+            </a:r>
+            <a:endParaRPr sz="2400" b="0" i="0">
+              <a:latin typeface="Courier"/>
+            </a:endParaRPr>
+          </a:p>
+          <a:p>
+            <a:pPr>
+              <a:lnSpc>
+                <a:spcPts val="2400"/>
+              </a:lnSpc>
+              <a:defRPr>
+                <a:solidFill>
+                  <a:srgbClr val="FFFFFF"/>
+                </a:solidFill>
+              </a:defRPr>
+            </a:pPr>
+            <a:r>
+              <a:rPr sz="2400" b="0" i="0">
+                <a:latin typeface="Courier"/>
+              </a:rPr>
+              <a:t>*  input source</a:t>
+            </a:r>
+            <a:endParaRPr sz="2400" b="0" i="0">
+              <a:latin typeface="Courier"/>
+            </a:endParaRPr>
+          </a:p>
+          <a:p>
+            <a:pPr>
+              <a:lnSpc>
+                <a:spcPts val="2400"/>
+              </a:lnSpc>
+              <a:defRPr>
+                <a:solidFill>
+                  <a:srgbClr val="FFFFFF"/>
+                </a:solidFill>
+              </a:defRPr>
+            </a:pPr>
+            <a:r>
+              <a:rPr sz="2400" b="0" i="0">
+                <a:latin typeface="Courier"/>
+              </a:rPr>
+              <a:t>VS1 1 0	DC 0 SIN(0V 48VPEAK 10KHZ)</a:t>
+            </a:r>
+            <a:endParaRPr sz="2400" b="0" i="0">
+              <a:latin typeface="Courier"/>
+            </a:endParaRPr>
+          </a:p>
+          <a:p>
+            <a:pPr>
+              <a:lnSpc>
+                <a:spcPts val="2400"/>
+              </a:lnSpc>
+              <a:defRPr>
+                <a:solidFill>
+                  <a:srgbClr val="FFFFFF"/>
+                </a:solidFill>
+              </a:defRPr>
+            </a:pPr>
+            <a:r>
+              <a:rPr sz="2400" b="0" i="0">
+                <a:latin typeface="Courier"/>
+              </a:rPr>
+              <a:t>*</a:t>
+            </a:r>
+            <a:endParaRPr sz="2400" b="0" i="0">
+              <a:latin typeface="Courier"/>
+            </a:endParaRPr>
+          </a:p>
         </p:txBody>
       </p:sp>
       <p:sp>
@@ -8373,9 +6224,241 @@
         </p:nvSpPr>
         <p:spPr/>
         <p:txBody>
-          <a:bodyPr/>
+          <a:bodyPr wrap="square">
+            <a:noAutofit/>
+          </a:bodyPr>
           <a:lstStyle/>
-          <a:p/>
+          <a:p>
+            <a:pPr>
+              <a:lnSpc>
+                <a:spcPts val="2400"/>
+              </a:lnSpc>
+              <a:defRPr>
+                <a:solidFill>
+                  <a:srgbClr val="FFFFFF"/>
+                </a:solidFill>
+              </a:defRPr>
+            </a:pPr>
+            <a:r>
+              <a:rPr sz="2400" b="0" i="0">
+                <a:latin typeface="Courier"/>
+              </a:rPr>
+              <a:t>*  PUSH-PULL TRANSISTOR OUTPUT STAGE</a:t>
+            </a:r>
+            <a:endParaRPr sz="2400" b="0" i="0">
+              <a:latin typeface="Courier"/>
+            </a:endParaRPr>
+          </a:p>
+          <a:p>
+            <a:pPr>
+              <a:lnSpc>
+                <a:spcPts val="2400"/>
+              </a:lnSpc>
+              <a:defRPr>
+                <a:solidFill>
+                  <a:srgbClr val="FFFFFF"/>
+                </a:solidFill>
+              </a:defRPr>
+            </a:pPr>
+            <a:r>
+              <a:rPr sz="2400" b="0" i="0">
+                <a:latin typeface="Courier"/>
+              </a:rPr>
+              <a:t>Q1h 8 1 9 QNPN</a:t>
+            </a:r>
+            <a:endParaRPr sz="2400" b="0" i="0">
+              <a:latin typeface="Courier"/>
+            </a:endParaRPr>
+          </a:p>
+          <a:p>
+            <a:pPr>
+              <a:lnSpc>
+                <a:spcPts val="2400"/>
+              </a:lnSpc>
+              <a:defRPr>
+                <a:solidFill>
+                  <a:srgbClr val="FFFFFF"/>
+                </a:solidFill>
+              </a:defRPr>
+            </a:pPr>
+            <a:r>
+              <a:rPr sz="2400" b="0" i="0">
+                <a:latin typeface="Courier"/>
+              </a:rPr>
+              <a:t>Q1s 9 12 2 QNPN</a:t>
+            </a:r>
+            <a:endParaRPr sz="2400" b="0" i="0">
+              <a:latin typeface="Courier"/>
+            </a:endParaRPr>
+          </a:p>
+          <a:p>
+            <a:pPr>
+              <a:lnSpc>
+                <a:spcPts val="2400"/>
+              </a:lnSpc>
+              <a:defRPr>
+                <a:solidFill>
+                  <a:srgbClr val="FFFFFF"/>
+                </a:solidFill>
+              </a:defRPr>
+            </a:pPr>
+            <a:r>
+              <a:rPr sz="2400" b="0" i="0">
+                <a:latin typeface="Courier"/>
+              </a:rPr>
+              <a:t>Q2s 7 13 2 QPNP</a:t>
+            </a:r>
+            <a:endParaRPr sz="2400" b="0" i="0">
+              <a:latin typeface="Courier"/>
+            </a:endParaRPr>
+          </a:p>
+          <a:p>
+            <a:pPr>
+              <a:lnSpc>
+                <a:spcPts val="2400"/>
+              </a:lnSpc>
+              <a:defRPr>
+                <a:solidFill>
+                  <a:srgbClr val="FFFFFF"/>
+                </a:solidFill>
+              </a:defRPr>
+            </a:pPr>
+            <a:r>
+              <a:rPr sz="2400" b="0" i="0">
+                <a:latin typeface="Courier"/>
+              </a:rPr>
+              <a:t>Q2h 6 1 7 QPNP</a:t>
+            </a:r>
+            <a:endParaRPr sz="2400" b="0" i="0">
+              <a:latin typeface="Courier"/>
+            </a:endParaRPr>
+          </a:p>
+          <a:p>
+            <a:pPr>
+              <a:lnSpc>
+                <a:spcPts val="2400"/>
+              </a:lnSpc>
+              <a:defRPr>
+                <a:solidFill>
+                  <a:srgbClr val="FFFFFF"/>
+                </a:solidFill>
+              </a:defRPr>
+            </a:pPr>
+            <a:r>
+              <a:rPr sz="2400" b="0" i="0">
+                <a:latin typeface="Courier"/>
+              </a:rPr>
+              <a:t>*</a:t>
+            </a:r>
+            <a:endParaRPr sz="2400" b="0" i="0">
+              <a:latin typeface="Courier"/>
+            </a:endParaRPr>
+          </a:p>
+          <a:p>
+            <a:pPr>
+              <a:lnSpc>
+                <a:spcPts val="2400"/>
+              </a:lnSpc>
+              <a:defRPr>
+                <a:solidFill>
+                  <a:srgbClr val="FFFFFF"/>
+                </a:solidFill>
+              </a:defRPr>
+            </a:pPr>
+            <a:r>
+              <a:rPr sz="2400" b="0" i="0">
+                <a:latin typeface="Courier"/>
+              </a:rPr>
+              <a:t>Dpos 5 9 DNOM</a:t>
+            </a:r>
+            <a:endParaRPr sz="2400" b="0" i="0">
+              <a:latin typeface="Courier"/>
+            </a:endParaRPr>
+          </a:p>
+          <a:p>
+            <a:pPr>
+              <a:lnSpc>
+                <a:spcPts val="2400"/>
+              </a:lnSpc>
+              <a:defRPr>
+                <a:solidFill>
+                  <a:srgbClr val="FFFFFF"/>
+                </a:solidFill>
+              </a:defRPr>
+            </a:pPr>
+            <a:r>
+              <a:rPr sz="2400" b="0" i="0">
+                <a:latin typeface="Courier"/>
+              </a:rPr>
+              <a:t>Dneg 7 4 DNOM</a:t>
+            </a:r>
+            <a:endParaRPr sz="2400" b="0" i="0">
+              <a:latin typeface="Courier"/>
+            </a:endParaRPr>
+          </a:p>
+          <a:p>
+            <a:pPr>
+              <a:lnSpc>
+                <a:spcPts val="2400"/>
+              </a:lnSpc>
+              <a:defRPr>
+                <a:solidFill>
+                  <a:srgbClr val="FFFFFF"/>
+                </a:solidFill>
+              </a:defRPr>
+            </a:pPr>
+            <a:r>
+              <a:rPr sz="2400" b="0" i="0">
+                <a:latin typeface="Courier"/>
+              </a:rPr>
+              <a:t>*</a:t>
+            </a:r>
+            <a:endParaRPr sz="2400" b="0" i="0">
+              <a:latin typeface="Courier"/>
+            </a:endParaRPr>
+          </a:p>
+          <a:p>
+            <a:pPr>
+              <a:lnSpc>
+                <a:spcPts val="2400"/>
+              </a:lnSpc>
+              <a:defRPr>
+                <a:solidFill>
+                  <a:srgbClr val="FFFFFF"/>
+                </a:solidFill>
+              </a:defRPr>
+            </a:pPr>
+            <a:r>
+              <a:rPr sz="2400" b="0" i="0">
+                <a:latin typeface="Courier"/>
+              </a:rPr>
+              <a:t>*compensatie Vsat</a:t>
+            </a:r>
+            <a:endParaRPr sz="2400" b="0" i="0">
+              <a:latin typeface="Courier"/>
+            </a:endParaRPr>
+          </a:p>
+          <a:p>
+            <a:pPr>
+              <a:lnSpc>
+                <a:spcPts val="2400"/>
+              </a:lnSpc>
+              <a:defRPr>
+                <a:solidFill>
+                  <a:srgbClr val="FFFFFF"/>
+                </a:solidFill>
+              </a:defRPr>
+            </a:pPr>
+            <a:r>
+              <a:rPr sz="2400" b="0" i="0">
+                <a:latin typeface="Courier"/>
+              </a:rPr>
+              <a:t>Db1 1 12 DNOM</a:t>
+            </a:r>
+            <a:endParaRPr sz="2400" b="0" i="0">
+              <a:latin typeface="Courier"/>
+            </a:endParaRPr>
+          </a:p>
         </p:txBody>
       </p:sp>
       <p:sp>
@@ -8437,9 +6520,199 @@
         </p:nvSpPr>
         <p:spPr/>
         <p:txBody>
-          <a:bodyPr/>
+          <a:bodyPr wrap="square">
+            <a:noAutofit/>
+          </a:bodyPr>
           <a:lstStyle/>
-          <a:p/>
+          <a:p>
+            <a:pPr>
+              <a:lnSpc>
+                <a:spcPts val="2400"/>
+              </a:lnSpc>
+              <a:defRPr>
+                <a:solidFill>
+                  <a:srgbClr val="FFFFFF"/>
+                </a:solidFill>
+              </a:defRPr>
+            </a:pPr>
+            <a:r>
+              <a:rPr sz="2400" b="0" i="0">
+                <a:latin typeface="Courier"/>
+              </a:rPr>
+              <a:t>Db4 13 1 DNOM</a:t>
+            </a:r>
+            <a:endParaRPr sz="2400" b="0" i="0">
+              <a:latin typeface="Courier"/>
+            </a:endParaRPr>
+          </a:p>
+          <a:p>
+            <a:pPr>
+              <a:lnSpc>
+                <a:spcPts val="2400"/>
+              </a:lnSpc>
+              <a:defRPr>
+                <a:solidFill>
+                  <a:srgbClr val="FFFFFF"/>
+                </a:solidFill>
+              </a:defRPr>
+            </a:pPr>
+            <a:r>
+              <a:rPr sz="2400" b="0" i="0">
+                <a:latin typeface="Courier"/>
+              </a:rPr>
+              <a:t>*</a:t>
+            </a:r>
+            <a:endParaRPr sz="2400" b="0" i="0">
+              <a:latin typeface="Courier"/>
+            </a:endParaRPr>
+          </a:p>
+          <a:p>
+            <a:pPr>
+              <a:lnSpc>
+                <a:spcPts val="2400"/>
+              </a:lnSpc>
+              <a:defRPr>
+                <a:solidFill>
+                  <a:srgbClr val="FFFFFF"/>
+                </a:solidFill>
+              </a:defRPr>
+            </a:pPr>
+            <a:r>
+              <a:rPr sz="2400" b="0" i="0">
+                <a:latin typeface="Courier"/>
+              </a:rPr>
+              <a:t>* Load resistance</a:t>
+            </a:r>
+            <a:endParaRPr sz="2400" b="0" i="0">
+              <a:latin typeface="Courier"/>
+            </a:endParaRPr>
+          </a:p>
+          <a:p>
+            <a:pPr>
+              <a:lnSpc>
+                <a:spcPts val="2400"/>
+              </a:lnSpc>
+              <a:defRPr>
+                <a:solidFill>
+                  <a:srgbClr val="FFFFFF"/>
+                </a:solidFill>
+              </a:defRPr>
+            </a:pPr>
+            <a:r>
+              <a:rPr sz="2400" b="0" i="0">
+                <a:latin typeface="Courier"/>
+              </a:rPr>
+              <a:t>RL1 2 0	8</a:t>
+            </a:r>
+            <a:endParaRPr sz="2400" b="0" i="0">
+              <a:latin typeface="Courier"/>
+            </a:endParaRPr>
+          </a:p>
+          <a:p>
+            <a:pPr>
+              <a:lnSpc>
+                <a:spcPts val="2400"/>
+              </a:lnSpc>
+              <a:defRPr>
+                <a:solidFill>
+                  <a:srgbClr val="FFFFFF"/>
+                </a:solidFill>
+              </a:defRPr>
+            </a:pPr>
+            <a:r>
+              <a:rPr sz="2400" b="0" i="0">
+                <a:latin typeface="Courier"/>
+              </a:rPr>
+              <a:t>*</a:t>
+            </a:r>
+            <a:endParaRPr sz="2400" b="0" i="0">
+              <a:latin typeface="Courier"/>
+            </a:endParaRPr>
+          </a:p>
+          <a:p>
+            <a:pPr>
+              <a:lnSpc>
+                <a:spcPts val="2400"/>
+              </a:lnSpc>
+              <a:defRPr>
+                <a:solidFill>
+                  <a:srgbClr val="FFFFFF"/>
+                </a:solidFill>
+              </a:defRPr>
+            </a:pPr>
+            <a:r>
+              <a:rPr sz="2400" b="0" i="0">
+                <a:latin typeface="Courier"/>
+              </a:rPr>
+              <a:t>* DEVICE MODELS</a:t>
+            </a:r>
+            <a:endParaRPr sz="2400" b="0" i="0">
+              <a:latin typeface="Courier"/>
+            </a:endParaRPr>
+          </a:p>
+          <a:p>
+            <a:pPr>
+              <a:lnSpc>
+                <a:spcPts val="2400"/>
+              </a:lnSpc>
+              <a:defRPr>
+                <a:solidFill>
+                  <a:srgbClr val="FFFFFF"/>
+                </a:solidFill>
+              </a:defRPr>
+            </a:pPr>
+            <a:r>
+              <a:rPr sz="2400" b="0" i="0">
+                <a:latin typeface="Courier"/>
+              </a:rPr>
+              <a:t>.model QNPN NPN(BF=50)</a:t>
+            </a:r>
+            <a:endParaRPr sz="2400" b="0" i="0">
+              <a:latin typeface="Courier"/>
+            </a:endParaRPr>
+          </a:p>
+          <a:p>
+            <a:pPr>
+              <a:lnSpc>
+                <a:spcPts val="2400"/>
+              </a:lnSpc>
+              <a:defRPr>
+                <a:solidFill>
+                  <a:srgbClr val="FFFFFF"/>
+                </a:solidFill>
+              </a:defRPr>
+            </a:pPr>
+            <a:r>
+              <a:rPr sz="2400" b="0" i="0">
+                <a:latin typeface="Courier"/>
+              </a:rPr>
+              <a:t>.model QPNP PNP(BF=50)</a:t>
+            </a:r>
+            <a:endParaRPr sz="2400" b="0" i="0">
+              <a:latin typeface="Courier"/>
+            </a:endParaRPr>
+          </a:p>
+          <a:p>
+            <a:pPr>
+              <a:lnSpc>
+                <a:spcPts val="2400"/>
+              </a:lnSpc>
+              <a:defRPr>
+                <a:solidFill>
+                  <a:srgbClr val="FFFFFF"/>
+                </a:solidFill>
+              </a:defRPr>
+            </a:pPr>
+            <a:r>
+              <a:rPr sz="2400" b="0" i="0">
+                <a:latin typeface="Courier"/>
+              </a:rPr>
+              <a:t>.model DNOM D()</a:t>
+            </a:r>
+            <a:endParaRPr sz="2400" b="0" i="0">
+              <a:latin typeface="Courier"/>
+            </a:endParaRPr>
+          </a:p>
         </p:txBody>
       </p:sp>
       <p:sp>
@@ -8491,24 +6764,7 @@
       <p:grpSpPr/>
       <p:sp>
         <p:nvSpPr>
-          <p:cNvPr id="2" name="Content Placeholder 1"/>
-          <p:cNvSpPr>
-            <a:spLocks noGrp="1"/>
-          </p:cNvSpPr>
-          <p:nvPr>
-            <p:ph idx="1"/>
-          </p:nvPr>
-        </p:nvSpPr>
-        <p:spPr/>
-        <p:txBody>
-          <a:bodyPr/>
-          <a:lstStyle/>
-          <a:p/>
-        </p:txBody>
-      </p:sp>
-      <p:sp>
-        <p:nvSpPr>
-          <p:cNvPr id="3" name="Title 2"/>
+          <p:cNvPr id="2" name="Title 1"/>
           <p:cNvSpPr>
             <a:spLocks noGrp="1"/>
           </p:cNvSpPr>
@@ -8527,7 +6783,7 @@
               <a:rPr sz="3200" b="1" i="0">
                 <a:latin typeface="Arial"/>
               </a:rPr>
-              <a:t>spice code basis Klasse G circuit</a:t>
+              <a:t>Stromen en Spanningen als functie van de tijd</a:t>
             </a:r>
             <a:endParaRPr sz="3200" b="1" i="0">
               <a:latin typeface="Arial"/>
@@ -8535,6 +6791,30 @@
           </a:p>
         </p:txBody>
       </p:sp>
+      <p:pic>
+        <p:nvPicPr>
+          <p:cNvPr id="3" name="Picture 2" descr="image.png"/>
+          <p:cNvPicPr>
+            <a:picLocks noChangeAspect="1"/>
+          </p:cNvPicPr>
+          <p:nvPr/>
+        </p:nvPicPr>
+        <p:blipFill>
+          <a:blip r:embed="rId2"/>
+          <a:stretch>
+            <a:fillRect/>
+          </a:stretch>
+        </p:blipFill>
+        <p:spPr>
+          <a:xfrm>
+            <a:off x="2538997" y="566928"/>
+            <a:ext cx="7114005" cy="5577840"/>
+          </a:xfrm>
+          <a:prstGeom prst="rect">
+            <a:avLst/>
+          </a:prstGeom>
+        </p:spPr>
+      </p:pic>
     </p:spTree>
   </p:cSld>
   <p:clrMapOvr>
@@ -8555,24 +6835,7 @@
       <p:grpSpPr/>
       <p:sp>
         <p:nvSpPr>
-          <p:cNvPr id="2" name="Content Placeholder 1"/>
-          <p:cNvSpPr>
-            <a:spLocks noGrp="1"/>
-          </p:cNvSpPr>
-          <p:nvPr>
-            <p:ph idx="1"/>
-          </p:nvPr>
-        </p:nvSpPr>
-        <p:spPr/>
-        <p:txBody>
-          <a:bodyPr/>
-          <a:lstStyle/>
-          <a:p/>
-        </p:txBody>
-      </p:sp>
-      <p:sp>
-        <p:nvSpPr>
-          <p:cNvPr id="3" name="Title 2"/>
+          <p:cNvPr id="2" name="Title 1"/>
           <p:cNvSpPr>
             <a:spLocks noGrp="1"/>
           </p:cNvSpPr>
@@ -8591,7 +6854,7 @@
               <a:rPr sz="3200" b="1" i="0">
                 <a:latin typeface="Arial"/>
               </a:rPr>
-              <a:t>spice code basis Klasse G circuit</a:t>
+              <a:t>Stromen als functie van de spanning</a:t>
             </a:r>
             <a:endParaRPr sz="3200" b="1" i="0">
               <a:latin typeface="Arial"/>
@@ -8599,6 +6862,30 @@
           </a:p>
         </p:txBody>
       </p:sp>
+      <p:pic>
+        <p:nvPicPr>
+          <p:cNvPr id="3" name="Picture 2" descr="image.png"/>
+          <p:cNvPicPr>
+            <a:picLocks noChangeAspect="1"/>
+          </p:cNvPicPr>
+          <p:nvPr/>
+        </p:nvPicPr>
+        <p:blipFill>
+          <a:blip r:embed="rId2"/>
+          <a:stretch>
+            <a:fillRect/>
+          </a:stretch>
+        </p:blipFill>
+        <p:spPr>
+          <a:xfrm>
+            <a:off x="2674541" y="566928"/>
+            <a:ext cx="6842917" cy="5577840"/>
+          </a:xfrm>
+          <a:prstGeom prst="rect">
+            <a:avLst/>
+          </a:prstGeom>
+        </p:spPr>
+      </p:pic>
     </p:spTree>
   </p:cSld>
   <p:clrMapOvr>

--- a/AnalogeElektronica2/PowerPoint/Klasse-G.pptx
+++ b/AnalogeElektronica2/PowerPoint/Klasse-G.pptx
@@ -1,6 +1,6 @@
 
 <file path=ppt/presentation.xml><?xml version="1.0" encoding="utf-8"?>
-<p:presentation xmlns:a="http://schemas.openxmlformats.org/drawingml/2006/main" xmlns:r="http://schemas.openxmlformats.org/officeDocument/2006/relationships" xmlns:p="http://schemas.openxmlformats.org/presentationml/2006/main" saveSubsetFonts="1" autoCompressPictures="0">
+<p:presentation xmlns:a="http://schemas.openxmlformats.org/drawingml/2006/main" xmlns:r="http://schemas.openxmlformats.org/officeDocument/2006/relationships" xmlns:p="http://schemas.openxmlformats.org/presentationml/2006/main" showSpecialPlsOnTitleSld="0" saveSubsetFonts="1" autoCompressPictures="0">
   <p:sldMasterIdLst>
     <p:sldMasterId id="2147483648" r:id="rId4"/>
   </p:sldMasterIdLst>
@@ -684,7 +684,7 @@
           <a:p>
             <a:fld id="{8F591CCF-F6FD-734B-854A-5BC033593B1E}" type="datetimeFigureOut">
               <a:rPr lang="nl-NL" smtClean="0"/>
-              <a:t>21-9-2025</a:t>
+              <a:t>28-9-2025</a:t>
             </a:fld>
             <a:endParaRPr lang="nl-NL"/>
           </a:p>
@@ -849,7 +849,7 @@
           <a:p>
             <a:fld id="{23C66214-DB21-4647-B5DA-0D17CA592867}" type="datetimeFigureOut">
               <a:rPr lang="nl-NL" smtClean="0"/>
-              <a:t>21-9-2025</a:t>
+              <a:t>28-9-2025</a:t>
             </a:fld>
             <a:endParaRPr lang="nl-NL"/>
           </a:p>
@@ -1458,9 +1458,9 @@
           <a:bodyPr/>
           <a:lstStyle/>
           <a:p>
-            <a:fld id="{D15822B7-9EF6-9542-AF10-CD505E021A84}" type="datetime1">
+            <a:fld id="{39E7E716-59E8-42BC-97BF-DDA9E59ADEE7}" type="datetime1">
               <a:rPr lang="nl-BE" smtClean="0"/>
-              <a:t>21/09/2025</a:t>
+              <a:t>28/09/2025</a:t>
             </a:fld>
             <a:endParaRPr lang="nl-NL"/>
           </a:p>
@@ -1492,7 +1492,7 @@
           <a:bodyPr/>
           <a:lstStyle/>
           <a:p>
-            <a:endParaRPr lang="nl-NL"/>
+            <a:endParaRPr lang="nl-NL" dirty="0"/>
           </a:p>
         </p:txBody>
       </p:sp>
@@ -1708,9 +1708,9 @@
           <a:bodyPr/>
           <a:lstStyle/>
           <a:p>
-            <a:fld id="{D15822B7-9EF6-9542-AF10-CD505E021A84}" type="datetime1">
+            <a:fld id="{68285E84-F3E9-4DE0-AF5C-DC32311C51B6}" type="datetime1">
               <a:rPr lang="nl-BE" smtClean="0"/>
-              <a:t>21/09/2025</a:t>
+              <a:t>28/09/2025</a:t>
             </a:fld>
             <a:endParaRPr lang="nl-NL"/>
           </a:p>
@@ -1991,9 +1991,9 @@
           <a:bodyPr/>
           <a:lstStyle/>
           <a:p>
-            <a:fld id="{F52CA13D-CC20-034F-8D4D-5C3038626ED9}" type="datetime1">
+            <a:fld id="{86D712DB-13D1-48DF-8D74-EA2A0D6A1295}" type="datetime1">
               <a:rPr lang="nl-BE" smtClean="0"/>
-              <a:t>21/09/2025</a:t>
+              <a:t>28/09/2025</a:t>
             </a:fld>
             <a:endParaRPr lang="nl-NL"/>
           </a:p>
@@ -2343,9 +2343,9 @@
           <a:bodyPr/>
           <a:lstStyle/>
           <a:p>
-            <a:fld id="{F52CA13D-CC20-034F-8D4D-5C3038626ED9}" type="datetime1">
+            <a:fld id="{EE55F63B-E5C2-47C9-B767-96A09BC63624}" type="datetime1">
               <a:rPr lang="nl-BE" smtClean="0"/>
-              <a:t>21/09/2025</a:t>
+              <a:t>28/09/2025</a:t>
             </a:fld>
             <a:endParaRPr lang="nl-NL"/>
           </a:p>
@@ -3576,9 +3576,9 @@
           <a:bodyPr/>
           <a:lstStyle/>
           <a:p>
-            <a:fld id="{F52CA13D-CC20-034F-8D4D-5C3038626ED9}" type="datetime1">
+            <a:fld id="{0445AAF3-F212-43BB-932B-DD1A31841819}" type="datetime1">
               <a:rPr lang="nl-BE" smtClean="0"/>
-              <a:t>21/09/2025</a:t>
+              <a:t>28/09/2025</a:t>
             </a:fld>
             <a:endParaRPr lang="nl-NL"/>
           </a:p>
@@ -3797,9 +3797,9 @@
           <a:bodyPr/>
           <a:lstStyle/>
           <a:p>
-            <a:fld id="{F52CA13D-CC20-034F-8D4D-5C3038626ED9}" type="datetime1">
+            <a:fld id="{215EBCC0-C3A3-417F-962F-876AE60FF46F}" type="datetime1">
               <a:rPr lang="nl-BE" smtClean="0"/>
-              <a:t>21/09/2025</a:t>
+              <a:t>28/09/2025</a:t>
             </a:fld>
             <a:endParaRPr lang="nl-NL"/>
           </a:p>
@@ -4088,9 +4088,9 @@
           <a:bodyPr/>
           <a:lstStyle/>
           <a:p>
-            <a:fld id="{F52CA13D-CC20-034F-8D4D-5C3038626ED9}" type="datetime1">
+            <a:fld id="{5087A35E-C6EC-4A6C-A286-9B263B20AC20}" type="datetime1">
               <a:rPr lang="nl-BE" smtClean="0"/>
-              <a:t>21/09/2025</a:t>
+              <a:t>28/09/2025</a:t>
             </a:fld>
             <a:endParaRPr lang="nl-NL"/>
           </a:p>
@@ -4342,9 +4342,9 @@
           <a:bodyPr/>
           <a:lstStyle/>
           <a:p>
-            <a:fld id="{F52CA13D-CC20-034F-8D4D-5C3038626ED9}" type="datetime1">
+            <a:fld id="{4B9B00E3-DE57-4EA4-A886-8AA88F9577D7}" type="datetime1">
               <a:rPr lang="nl-BE" smtClean="0"/>
-              <a:t>21/09/2025</a:t>
+              <a:t>28/09/2025</a:t>
             </a:fld>
             <a:endParaRPr lang="nl-NL"/>
           </a:p>
@@ -4555,9 +4555,9 @@
           <a:bodyPr/>
           <a:lstStyle/>
           <a:p>
-            <a:fld id="{D15822B7-9EF6-9542-AF10-CD505E021A84}" type="datetime1">
+            <a:fld id="{1631A466-BC4F-407D-A3EA-76F6655478F0}" type="datetime1">
               <a:rPr lang="nl-BE" smtClean="0"/>
-              <a:t>21/09/2025</a:t>
+              <a:t>28/09/2025</a:t>
             </a:fld>
             <a:endParaRPr lang="nl-NL"/>
           </a:p>
@@ -4746,9 +4746,9 @@
           <a:bodyPr/>
           <a:lstStyle/>
           <a:p>
-            <a:fld id="{D15822B7-9EF6-9542-AF10-CD505E021A84}" type="datetime1">
+            <a:fld id="{7CF5F32B-E94B-420F-86D9-59A9E32E05E1}" type="datetime1">
               <a:rPr lang="nl-BE" smtClean="0"/>
-              <a:t>21/09/2025</a:t>
+              <a:t>28/09/2025</a:t>
             </a:fld>
             <a:endParaRPr lang="nl-NL"/>
           </a:p>
@@ -5104,9 +5104,9 @@
             </a:lvl1pPr>
           </a:lstStyle>
           <a:p>
-            <a:fld id="{0C33DDE8-63FF-C642-9F3A-0B773DD34821}" type="datetime1">
+            <a:fld id="{341CC9F9-C2CE-4031-804C-1F2576E1A82A}" type="datetime1">
               <a:rPr lang="nl-BE" smtClean="0"/>
-              <a:t>21/09/2025</a:t>
+              <a:t>28/09/2025</a:t>
             </a:fld>
             <a:endParaRPr lang="nl-NL"/>
           </a:p>
@@ -5242,7 +5242,7 @@
     <p:sldLayoutId id="2147483670" r:id="rId12"/>
     <p:sldLayoutId id="2147483651" r:id="rId13"/>
   </p:sldLayoutIdLst>
-  <p:hf hdr="0" ftr="0" dt="0"/>
+  <p:hf hdr="0" dt="0"/>
   <p:txStyles>
     <p:titleStyle>
       <a:lvl1pPr algn="l" defTabSz="914400" rtl="0" eaLnBrk="1" latinLnBrk="0" hangingPunct="1">
@@ -7678,26 +7678,6 @@
 </file>
 
 <file path=customXml/item1.xml><?xml version="1.0" encoding="utf-8"?>
-<p:properties xmlns:p="http://schemas.microsoft.com/office/2006/metadata/properties" xmlns:xsi="http://www.w3.org/2001/XMLSchema-instance" xmlns:pc="http://schemas.microsoft.com/office/infopath/2007/PartnerControls">
-  <documentManagement>
-    <lcf76f155ced4ddcb4097134ff3c332f xmlns="81d41a3b-f33d-4db6-b532-757106a7a2ae">
-      <Terms xmlns="http://schemas.microsoft.com/office/infopath/2007/PartnerControls"/>
-    </lcf76f155ced4ddcb4097134ff3c332f>
-    <TaxCatchAll xmlns="bf25a9bf-a811-4965-9d0a-b88059080fed" xsi:nil="true"/>
-  </documentManagement>
-</p:properties>
-</file>
-
-<file path=customXml/item2.xml><?xml version="1.0" encoding="utf-8"?>
-<?mso-contentType ?>
-<FormTemplates xmlns="http://schemas.microsoft.com/sharepoint/v3/contenttype/forms">
-  <Display>DocumentLibraryForm</Display>
-  <Edit>DocumentLibraryForm</Edit>
-  <New>DocumentLibraryForm</New>
-</FormTemplates>
-</file>
-
-<file path=customXml/item3.xml><?xml version="1.0" encoding="utf-8"?>
 <ct:contentTypeSchema xmlns:ct="http://schemas.microsoft.com/office/2006/metadata/contentType" xmlns:ma="http://schemas.microsoft.com/office/2006/metadata/properties/metaAttributes" ct:_="" ma:_="" ma:contentTypeName="Document" ma:contentTypeID="0x010100B8C495A181F81B4C9DE5AD85CD0F70D4" ma:contentTypeVersion="18" ma:contentTypeDescription="Een nieuw document maken." ma:contentTypeScope="" ma:versionID="6ba28a59cba4a02a693681f32745d77b">
   <xsd:schema xmlns:xsd="http://www.w3.org/2001/XMLSchema" xmlns:xs="http://www.w3.org/2001/XMLSchema" xmlns:p="http://schemas.microsoft.com/office/2006/metadata/properties" xmlns:ns2="81d41a3b-f33d-4db6-b532-757106a7a2ae" xmlns:ns3="bf25a9bf-a811-4965-9d0a-b88059080fed" targetNamespace="http://schemas.microsoft.com/office/2006/metadata/properties" ma:root="true" ma:fieldsID="b996b4a4c0d83f5cfec71b22aba921d2" ns2:_="" ns3:_="">
     <xsd:import namespace="81d41a3b-f33d-4db6-b532-757106a7a2ae"/>
@@ -7952,32 +7932,27 @@
 </ct:contentTypeSchema>
 </file>
 
-<file path=customXml/itemProps1.xml><?xml version="1.0" encoding="utf-8"?>
-<ds:datastoreItem xmlns:ds="http://schemas.openxmlformats.org/officeDocument/2006/customXml" ds:itemID="{5EE9034D-0B43-4AB0-9535-9A62DB37A999}">
-  <ds:schemaRefs>
-    <ds:schemaRef ds:uri="http://www.w3.org/XML/1998/namespace"/>
-    <ds:schemaRef ds:uri="81d41a3b-f33d-4db6-b532-757106a7a2ae"/>
-    <ds:schemaRef ds:uri="http://purl.org/dc/dcmitype/"/>
-    <ds:schemaRef ds:uri="http://purl.org/dc/elements/1.1/"/>
-    <ds:schemaRef ds:uri="http://schemas.microsoft.com/office/2006/documentManagement/types"/>
-    <ds:schemaRef ds:uri="bf25a9bf-a811-4965-9d0a-b88059080fed"/>
-    <ds:schemaRef ds:uri="http://purl.org/dc/terms/"/>
-    <ds:schemaRef ds:uri="http://schemas.microsoft.com/office/infopath/2007/PartnerControls"/>
-    <ds:schemaRef ds:uri="http://schemas.openxmlformats.org/package/2006/metadata/core-properties"/>
-    <ds:schemaRef ds:uri="http://schemas.microsoft.com/office/2006/metadata/properties"/>
-  </ds:schemaRefs>
-</ds:datastoreItem>
+<file path=customXml/item2.xml><?xml version="1.0" encoding="utf-8"?>
+<?mso-contentType ?>
+<FormTemplates xmlns="http://schemas.microsoft.com/sharepoint/v3/contenttype/forms">
+  <Display>DocumentLibraryForm</Display>
+  <Edit>DocumentLibraryForm</Edit>
+  <New>DocumentLibraryForm</New>
+</FormTemplates>
 </file>
 
-<file path=customXml/itemProps2.xml><?xml version="1.0" encoding="utf-8"?>
-<ds:datastoreItem xmlns:ds="http://schemas.openxmlformats.org/officeDocument/2006/customXml" ds:itemID="{263A7949-1B93-457F-8888-53CC8A016F77}">
-  <ds:schemaRefs>
-    <ds:schemaRef ds:uri="http://schemas.microsoft.com/sharepoint/v3/contenttype/forms"/>
-  </ds:schemaRefs>
-</ds:datastoreItem>
+<file path=customXml/item3.xml><?xml version="1.0" encoding="utf-8"?>
+<p:properties xmlns:p="http://schemas.microsoft.com/office/2006/metadata/properties" xmlns:xsi="http://www.w3.org/2001/XMLSchema-instance" xmlns:pc="http://schemas.microsoft.com/office/infopath/2007/PartnerControls">
+  <documentManagement>
+    <lcf76f155ced4ddcb4097134ff3c332f xmlns="81d41a3b-f33d-4db6-b532-757106a7a2ae">
+      <Terms xmlns="http://schemas.microsoft.com/office/infopath/2007/PartnerControls"/>
+    </lcf76f155ced4ddcb4097134ff3c332f>
+    <TaxCatchAll xmlns="bf25a9bf-a811-4965-9d0a-b88059080fed" xsi:nil="true"/>
+  </documentManagement>
+</p:properties>
 </file>
 
-<file path=customXml/itemProps3.xml><?xml version="1.0" encoding="utf-8"?>
+<file path=customXml/itemProps1.xml><?xml version="1.0" encoding="utf-8"?>
 <ds:datastoreItem xmlns:ds="http://schemas.openxmlformats.org/officeDocument/2006/customXml" ds:itemID="{2A270F01-48F1-4A41-8E26-ACAC66896963}">
   <ds:schemaRefs>
     <ds:schemaRef ds:uri="http://schemas.microsoft.com/office/2006/metadata/contentType"/>
@@ -7994,4 +7969,29 @@
     <ds:schemaRef ds:uri="http://schemas.microsoft.com/internal/obd"/>
   </ds:schemaRefs>
 </ds:datastoreItem>
+</file>
+
+<file path=customXml/itemProps2.xml><?xml version="1.0" encoding="utf-8"?>
+<ds:datastoreItem xmlns:ds="http://schemas.openxmlformats.org/officeDocument/2006/customXml" ds:itemID="{263A7949-1B93-457F-8888-53CC8A016F77}">
+  <ds:schemaRefs>
+    <ds:schemaRef ds:uri="http://schemas.microsoft.com/sharepoint/v3/contenttype/forms"/>
+  </ds:schemaRefs>
+</ds:datastoreItem>
+</file>
+
+<file path=customXml/itemProps3.xml><?xml version="1.0" encoding="utf-8"?>
+<ds:datastoreItem xmlns:ds="http://schemas.openxmlformats.org/officeDocument/2006/customXml" ds:itemID="{5EE9034D-0B43-4AB0-9535-9A62DB37A999}">
+  <ds:schemaRefs>
+    <ds:schemaRef ds:uri="http://www.w3.org/XML/1998/namespace"/>
+    <ds:schemaRef ds:uri="81d41a3b-f33d-4db6-b532-757106a7a2ae"/>
+    <ds:schemaRef ds:uri="http://purl.org/dc/dcmitype/"/>
+    <ds:schemaRef ds:uri="http://purl.org/dc/elements/1.1/"/>
+    <ds:schemaRef ds:uri="http://schemas.microsoft.com/office/2006/documentManagement/types"/>
+    <ds:schemaRef ds:uri="bf25a9bf-a811-4965-9d0a-b88059080fed"/>
+    <ds:schemaRef ds:uri="http://purl.org/dc/terms/"/>
+    <ds:schemaRef ds:uri="http://schemas.microsoft.com/office/infopath/2007/PartnerControls"/>
+    <ds:schemaRef ds:uri="http://schemas.openxmlformats.org/package/2006/metadata/core-properties"/>
+    <ds:schemaRef ds:uri="http://schemas.microsoft.com/office/2006/metadata/properties"/>
+  </ds:schemaRefs>
+</ds:datastoreItem>
 </file>
--- a/AnalogeElektronica2/PowerPoint/Klasse-G.pptx
+++ b/AnalogeElektronica2/PowerPoint/Klasse-G.pptx
@@ -5731,12 +5731,6 @@
           <a:bodyPr/>
           <a:lstStyle/>
           <a:p/>
-          <a:p>
-            <a:pPr/>
-            <a:r>
-              <a:t># Klasse G versterkers</a:t>
-            </a:r>
-          </a:p>
         </p:txBody>
       </p:sp>
       <p:sp>
@@ -5754,6 +5748,36 @@
           <a:bodyPr/>
           <a:lstStyle/>
           <a:p/>
+        </p:txBody>
+      </p:sp>
+      <p:sp>
+        <p:nvSpPr>
+          <p:cNvPr id="2" name="Content Placeholder 1"/>
+          <p:cNvSpPr>
+            <a:spLocks noGrp="1"/>
+          </p:cNvSpPr>
+          <p:nvPr>
+            <p:ph idx="1"/>
+          </p:nvPr>
+        </p:nvSpPr>
+        <p:spPr>
+          <a:xfrm>
+            <a:off x="914400" y="566928"/>
+            <a:ext cx="10820400" cy="5669280"/>
+          </a:xfrm>
+        </p:spPr>
+        <p:txBody>
+          <a:bodyPr>
+            <a:spAutoFit/>
+          </a:bodyPr>
+          <a:lstStyle/>
+          <a:p/>
+          <a:p>
+            <a:pPr/>
+            <a:r>
+              <a:t># Klasse G versterkers</a:t>
+            </a:r>
+          </a:p>
         </p:txBody>
       </p:sp>
     </p:spTree>
@@ -5819,8 +5843,8 @@
         </p:blipFill>
         <p:spPr>
           <a:xfrm>
-            <a:off x="3565701" y="566928"/>
-            <a:ext cx="5060597" cy="5577840"/>
+            <a:off x="3524221" y="566928"/>
+            <a:ext cx="5143557" cy="5669280"/>
           </a:xfrm>
           <a:prstGeom prst="rect">
             <a:avLst/>
@@ -5890,8 +5914,8 @@
         </p:blipFill>
         <p:spPr>
           <a:xfrm>
-            <a:off x="3069427" y="566928"/>
-            <a:ext cx="6053145" cy="5577840"/>
+            <a:off x="3019811" y="566928"/>
+            <a:ext cx="6152377" cy="5669280"/>
           </a:xfrm>
           <a:prstGeom prst="rect">
             <a:avLst/>
@@ -6807,8 +6831,8 @@
         </p:blipFill>
         <p:spPr>
           <a:xfrm>
-            <a:off x="2538997" y="566928"/>
-            <a:ext cx="7114005" cy="5577840"/>
+            <a:off x="2480686" y="566928"/>
+            <a:ext cx="7230628" cy="5669280"/>
           </a:xfrm>
           <a:prstGeom prst="rect">
             <a:avLst/>
@@ -6878,8 +6902,8 @@
         </p:blipFill>
         <p:spPr>
           <a:xfrm>
-            <a:off x="2674541" y="566928"/>
-            <a:ext cx="6842917" cy="5577840"/>
+            <a:off x="2618452" y="566928"/>
+            <a:ext cx="6955096" cy="5669280"/>
           </a:xfrm>
           <a:prstGeom prst="rect">
             <a:avLst/>

--- a/AnalogeElektronica2/PowerPoint/Klasse-G.pptx
+++ b/AnalogeElektronica2/PowerPoint/Klasse-G.pptx
@@ -5728,9 +5728,17 @@
         </p:nvSpPr>
         <p:spPr/>
         <p:txBody>
-          <a:bodyPr/>
+          <a:bodyPr>
+            <a:spAutoFit/>
+          </a:bodyPr>
           <a:lstStyle/>
           <a:p/>
+          <a:p>
+            <a:pPr/>
+            <a:r>
+              <a:t># Klasse G versterkers</a:t>
+            </a:r>
+          </a:p>
         </p:txBody>
       </p:sp>
       <p:sp>
@@ -5748,36 +5756,6 @@
           <a:bodyPr/>
           <a:lstStyle/>
           <a:p/>
-        </p:txBody>
-      </p:sp>
-      <p:sp>
-        <p:nvSpPr>
-          <p:cNvPr id="2" name="Content Placeholder 1"/>
-          <p:cNvSpPr>
-            <a:spLocks noGrp="1"/>
-          </p:cNvSpPr>
-          <p:nvPr>
-            <p:ph idx="1"/>
-          </p:nvPr>
-        </p:nvSpPr>
-        <p:spPr>
-          <a:xfrm>
-            <a:off x="914400" y="566928"/>
-            <a:ext cx="10820400" cy="5669280"/>
-          </a:xfrm>
-        </p:spPr>
-        <p:txBody>
-          <a:bodyPr>
-            <a:spAutoFit/>
-          </a:bodyPr>
-          <a:lstStyle/>
-          <a:p/>
-          <a:p>
-            <a:pPr/>
-            <a:r>
-              <a:t># Klasse G versterkers</a:t>
-            </a:r>
-          </a:p>
         </p:txBody>
       </p:sp>
     </p:spTree>
